--- a/MicroService_Module2_Bajaj.pptx
+++ b/MicroService_Module2_Bajaj.pptx
@@ -1,11 +1,11 @@
 
 <file path=ppt/presentation.xml><?xml version="1.0" encoding="utf-8"?>
-<p:presentation xmlns:a="http://schemas.openxmlformats.org/drawingml/2006/main" xmlns:r="http://schemas.openxmlformats.org/officeDocument/2006/relationships" xmlns:p="http://schemas.openxmlformats.org/presentationml/2006/main" compatMode="1" strictFirstAndLastChars="0" saveSubsetFonts="1">
+<p:presentation xmlns:a="http://schemas.openxmlformats.org/drawingml/2006/main" xmlns:r="http://schemas.openxmlformats.org/officeDocument/2006/relationships" xmlns:p="http://schemas.openxmlformats.org/presentationml/2006/main" strictFirstAndLastChars="0" saveSubsetFonts="1">
   <p:sldMasterIdLst>
     <p:sldMasterId id="2147483649" r:id="rId1"/>
   </p:sldMasterIdLst>
   <p:notesMasterIdLst>
-    <p:notesMasterId r:id="rId113"/>
+    <p:notesMasterId r:id="rId111"/>
   </p:notesMasterIdLst>
   <p:sldIdLst>
     <p:sldId id="1832" r:id="rId2"/>
@@ -69,9 +69,9 @@
     <p:sldId id="2266" r:id="rId60"/>
     <p:sldId id="2299" r:id="rId61"/>
     <p:sldId id="2308" r:id="rId62"/>
-    <p:sldId id="2382" r:id="rId63"/>
-    <p:sldId id="2383" r:id="rId64"/>
-    <p:sldId id="2389" r:id="rId65"/>
+    <p:sldId id="2389" r:id="rId63"/>
+    <p:sldId id="2382" r:id="rId64"/>
+    <p:sldId id="2383" r:id="rId65"/>
     <p:sldId id="2300" r:id="rId66"/>
     <p:sldId id="2298" r:id="rId67"/>
     <p:sldId id="2301" r:id="rId68"/>
@@ -88,37 +88,35 @@
     <p:sldId id="2287" r:id="rId79"/>
     <p:sldId id="2318" r:id="rId80"/>
     <p:sldId id="2360" r:id="rId81"/>
-    <p:sldId id="2254" r:id="rId82"/>
-    <p:sldId id="2244" r:id="rId83"/>
-    <p:sldId id="2079" r:id="rId84"/>
-    <p:sldId id="2078" r:id="rId85"/>
-    <p:sldId id="2243" r:id="rId86"/>
-    <p:sldId id="2277" r:id="rId87"/>
-    <p:sldId id="2256" r:id="rId88"/>
-    <p:sldId id="2569" r:id="rId89"/>
-    <p:sldId id="2297" r:id="rId90"/>
-    <p:sldId id="2279" r:id="rId91"/>
-    <p:sldId id="2292" r:id="rId92"/>
-    <p:sldId id="2275" r:id="rId93"/>
-    <p:sldId id="2280" r:id="rId94"/>
-    <p:sldId id="2278" r:id="rId95"/>
-    <p:sldId id="2258" r:id="rId96"/>
-    <p:sldId id="2323" r:id="rId97"/>
-    <p:sldId id="2322" r:id="rId98"/>
-    <p:sldId id="2326" r:id="rId99"/>
-    <p:sldId id="2354" r:id="rId100"/>
-    <p:sldId id="2335" r:id="rId101"/>
-    <p:sldId id="2386" r:id="rId102"/>
-    <p:sldId id="2387" r:id="rId103"/>
-    <p:sldId id="2388" r:id="rId104"/>
-    <p:sldId id="2345" r:id="rId105"/>
-    <p:sldId id="2380" r:id="rId106"/>
-    <p:sldId id="2381" r:id="rId107"/>
-    <p:sldId id="2567" r:id="rId108"/>
-    <p:sldId id="2568" r:id="rId109"/>
-    <p:sldId id="2562" r:id="rId110"/>
-    <p:sldId id="2563" r:id="rId111"/>
-    <p:sldId id="2566" r:id="rId112"/>
+    <p:sldId id="2567" r:id="rId82"/>
+    <p:sldId id="2568" r:id="rId83"/>
+    <p:sldId id="2563" r:id="rId84"/>
+    <p:sldId id="2254" r:id="rId85"/>
+    <p:sldId id="2244" r:id="rId86"/>
+    <p:sldId id="2079" r:id="rId87"/>
+    <p:sldId id="2078" r:id="rId88"/>
+    <p:sldId id="2243" r:id="rId89"/>
+    <p:sldId id="2277" r:id="rId90"/>
+    <p:sldId id="2256" r:id="rId91"/>
+    <p:sldId id="2569" r:id="rId92"/>
+    <p:sldId id="2297" r:id="rId93"/>
+    <p:sldId id="2279" r:id="rId94"/>
+    <p:sldId id="2292" r:id="rId95"/>
+    <p:sldId id="2275" r:id="rId96"/>
+    <p:sldId id="2280" r:id="rId97"/>
+    <p:sldId id="2278" r:id="rId98"/>
+    <p:sldId id="2258" r:id="rId99"/>
+    <p:sldId id="2323" r:id="rId100"/>
+    <p:sldId id="2322" r:id="rId101"/>
+    <p:sldId id="2326" r:id="rId102"/>
+    <p:sldId id="2354" r:id="rId103"/>
+    <p:sldId id="2335" r:id="rId104"/>
+    <p:sldId id="2386" r:id="rId105"/>
+    <p:sldId id="2387" r:id="rId106"/>
+    <p:sldId id="2388" r:id="rId107"/>
+    <p:sldId id="2345" r:id="rId108"/>
+    <p:sldId id="2380" r:id="rId109"/>
+    <p:sldId id="2381" r:id="rId110"/>
   </p:sldIdLst>
   <p:sldSz cx="9144000" cy="6858000" type="screen4x3"/>
   <p:notesSz cx="6858000" cy="9144000"/>
@@ -428,7 +426,7 @@
             </a:extLst>
           </p:cNvPr>
           <p:cNvSpPr>
-            <a:spLocks noChangeArrowheads="1" noTextEdit="1"/>
+            <a:spLocks noGrp="1" noRot="1" noChangeAspect="1" noChangeArrowheads="1" noTextEdit="1"/>
           </p:cNvSpPr>
           <p:nvPr>
             <p:ph type="sldImg" idx="2"/>
@@ -1534,6 +1532,96 @@
         </p:txBody>
       </p:sp>
     </p:spTree>
+  </p:cSld>
+  <p:clrMapOvr>
+    <a:masterClrMapping/>
+  </p:clrMapOvr>
+</p:notes>
+</file>
+
+<file path=ppt/notesSlides/notesSlide4.xml><?xml version="1.0" encoding="utf-8"?>
+<p:notes xmlns:a="http://schemas.openxmlformats.org/drawingml/2006/main" xmlns:r="http://schemas.openxmlformats.org/officeDocument/2006/relationships" xmlns:p="http://schemas.openxmlformats.org/presentationml/2006/main">
+  <p:cSld>
+    <p:spTree>
+      <p:nvGrpSpPr>
+        <p:cNvPr id="1" name=""/>
+        <p:cNvGrpSpPr/>
+        <p:nvPr/>
+      </p:nvGrpSpPr>
+      <p:grpSpPr>
+        <a:xfrm>
+          <a:off x="0" y="0"/>
+          <a:ext cx="0" cy="0"/>
+          <a:chOff x="0" y="0"/>
+          <a:chExt cx="0" cy="0"/>
+        </a:xfrm>
+      </p:grpSpPr>
+      <p:sp>
+        <p:nvSpPr>
+          <p:cNvPr id="2" name="Slide Image Placeholder 1"/>
+          <p:cNvSpPr>
+            <a:spLocks noGrp="1" noRot="1" noChangeAspect="1"/>
+          </p:cNvSpPr>
+          <p:nvPr>
+            <p:ph type="sldImg"/>
+          </p:nvPr>
+        </p:nvSpPr>
+        <p:spPr/>
+      </p:sp>
+      <p:sp>
+        <p:nvSpPr>
+          <p:cNvPr id="3" name="Notes Placeholder 2"/>
+          <p:cNvSpPr>
+            <a:spLocks noGrp="1"/>
+          </p:cNvSpPr>
+          <p:nvPr>
+            <p:ph type="body" idx="1"/>
+          </p:nvPr>
+        </p:nvSpPr>
+        <p:spPr/>
+        <p:txBody>
+          <a:bodyPr/>
+          <a:lstStyle/>
+          <a:p>
+            <a:endParaRPr lang="en-US"/>
+          </a:p>
+        </p:txBody>
+      </p:sp>
+      <p:sp>
+        <p:nvSpPr>
+          <p:cNvPr id="4" name="Slide Number Placeholder 3"/>
+          <p:cNvSpPr>
+            <a:spLocks noGrp="1"/>
+          </p:cNvSpPr>
+          <p:nvPr>
+            <p:ph type="sldNum" sz="quarter" idx="5"/>
+          </p:nvPr>
+        </p:nvSpPr>
+        <p:spPr/>
+        <p:txBody>
+          <a:bodyPr/>
+          <a:lstStyle/>
+          <a:p>
+            <a:pPr>
+              <a:defRPr/>
+            </a:pPr>
+            <a:fld id="{F82D12CD-9A69-CE48-BDF2-43BB2339B77C}" type="slidenum">
+              <a:rPr lang="en-US" altLang="en-US" smtClean="0"/>
+              <a:pPr>
+                <a:defRPr/>
+              </a:pPr>
+              <a:t>82</a:t>
+            </a:fld>
+            <a:endParaRPr lang="en-US" altLang="en-US"/>
+          </a:p>
+        </p:txBody>
+      </p:sp>
+    </p:spTree>
+    <p:extLst>
+      <p:ext uri="{BB962C8B-B14F-4D97-AF65-F5344CB8AC3E}">
+        <p14:creationId xmlns:p14="http://schemas.microsoft.com/office/powerpoint/2010/main" val="2985467703"/>
+      </p:ext>
+    </p:extLst>
   </p:cSld>
   <p:clrMapOvr>
     <a:masterClrMapping/>
@@ -6271,6 +6359,1578 @@
       </p:grpSpPr>
       <p:sp>
         <p:nvSpPr>
+          <p:cNvPr id="115713" name="Title 1">
+            <a:extLst>
+              <a:ext uri="{FF2B5EF4-FFF2-40B4-BE49-F238E27FC236}">
+                <a16:creationId xmlns:a16="http://schemas.microsoft.com/office/drawing/2014/main" id="{80CCB065-9FF3-63CC-39A8-5CCC568B1AD4}"/>
+              </a:ext>
+            </a:extLst>
+          </p:cNvPr>
+          <p:cNvSpPr>
+            <a:spLocks noGrp="1" noChangeArrowheads="1"/>
+          </p:cNvSpPr>
+          <p:nvPr>
+            <p:ph type="title"/>
+          </p:nvPr>
+        </p:nvSpPr>
+        <p:spPr/>
+        <p:txBody>
+          <a:bodyPr/>
+          <a:lstStyle/>
+          <a:p>
+            <a:r>
+              <a:rPr lang="en-US" altLang="en-US"/>
+              <a:t>Routing Object</a:t>
+            </a:r>
+            <a:endParaRPr lang="en-IN" altLang="en-US"/>
+          </a:p>
+        </p:txBody>
+      </p:sp>
+      <p:sp>
+        <p:nvSpPr>
+          <p:cNvPr id="3" name="Content Placeholder 2">
+            <a:extLst>
+              <a:ext uri="{FF2B5EF4-FFF2-40B4-BE49-F238E27FC236}">
+                <a16:creationId xmlns:a16="http://schemas.microsoft.com/office/drawing/2014/main" id="{571480B8-FA03-B190-402D-83950DCF4C66}"/>
+              </a:ext>
+            </a:extLst>
+          </p:cNvPr>
+          <p:cNvSpPr>
+            <a:spLocks noGrp="1"/>
+          </p:cNvSpPr>
+          <p:nvPr>
+            <p:ph idx="1"/>
+          </p:nvPr>
+        </p:nvSpPr>
+        <p:spPr/>
+        <p:txBody>
+          <a:bodyPr/>
+          <a:lstStyle/>
+          <a:p>
+            <a:pPr>
+              <a:defRPr/>
+            </a:pPr>
+            <a:r>
+              <a:rPr lang="en-US" sz="1800" b="1" dirty="0"/>
+              <a:t>Route </a:t>
+            </a:r>
+          </a:p>
+          <a:p>
+            <a:pPr lvl="1">
+              <a:defRPr/>
+            </a:pPr>
+            <a:r>
+              <a:rPr lang="en-US" sz="1800" dirty="0"/>
+              <a:t>Defines the routes information such as route assertions, filters, routing addresses, and route priorities. </a:t>
+            </a:r>
+          </a:p>
+          <a:p>
+            <a:pPr lvl="1">
+              <a:defRPr/>
+            </a:pPr>
+            <a:r>
+              <a:rPr lang="en-US" sz="1800" dirty="0"/>
+              <a:t>When the request arrives, it is processed by the Gateway filter </a:t>
+            </a:r>
+          </a:p>
+          <a:p>
+            <a:pPr lvl="2">
+              <a:defRPr/>
+            </a:pPr>
+            <a:r>
+              <a:rPr lang="en-US" sz="1800" dirty="0"/>
+              <a:t>And then its forwarded to the proxy service.</a:t>
+            </a:r>
+          </a:p>
+          <a:p>
+            <a:pPr>
+              <a:defRPr/>
+            </a:pPr>
+            <a:endParaRPr lang="en-US" sz="1800" dirty="0"/>
+          </a:p>
+          <a:p>
+            <a:pPr marL="457200" lvl="1" indent="0">
+              <a:buFontTx/>
+              <a:buNone/>
+              <a:defRPr/>
+            </a:pPr>
+            <a:r>
+              <a:rPr lang="en-US" sz="1800" dirty="0"/>
+              <a:t>public class Route implements Ordered {</a:t>
+            </a:r>
+          </a:p>
+          <a:p>
+            <a:pPr marL="457200" lvl="1" indent="0">
+              <a:buFontTx/>
+              <a:buNone/>
+              <a:defRPr/>
+            </a:pPr>
+            <a:endParaRPr lang="en-US" sz="1800" dirty="0"/>
+          </a:p>
+          <a:p>
+            <a:pPr marL="457200" lvl="1" indent="0">
+              <a:buFontTx/>
+              <a:buNone/>
+              <a:defRPr/>
+            </a:pPr>
+            <a:r>
+              <a:rPr lang="en-US" sz="1800" dirty="0"/>
+              <a:t>private final String id; </a:t>
+            </a:r>
+          </a:p>
+          <a:p>
+            <a:pPr marL="457200" lvl="1" indent="0">
+              <a:buFontTx/>
+              <a:buNone/>
+              <a:defRPr/>
+            </a:pPr>
+            <a:r>
+              <a:rPr lang="en-US" sz="1800" dirty="0"/>
+              <a:t>private final URI </a:t>
+            </a:r>
+            <a:r>
+              <a:rPr lang="en-US" sz="1800" dirty="0" err="1"/>
+              <a:t>uri</a:t>
+            </a:r>
+            <a:r>
+              <a:rPr lang="en-US" sz="1800" dirty="0"/>
+              <a:t>; </a:t>
+            </a:r>
+          </a:p>
+          <a:p>
+            <a:pPr marL="457200" lvl="1" indent="0">
+              <a:buFontTx/>
+              <a:buNone/>
+              <a:defRPr/>
+            </a:pPr>
+            <a:r>
+              <a:rPr lang="en-US" sz="1800" dirty="0"/>
+              <a:t>private final int order; </a:t>
+            </a:r>
+          </a:p>
+          <a:p>
+            <a:pPr marL="457200" lvl="1" indent="0">
+              <a:buFontTx/>
+              <a:buNone/>
+              <a:defRPr/>
+            </a:pPr>
+            <a:r>
+              <a:rPr lang="en-US" sz="1800" dirty="0"/>
+              <a:t>private final </a:t>
+            </a:r>
+            <a:r>
+              <a:rPr lang="en-US" sz="1800" dirty="0" err="1"/>
+              <a:t>AsyncPredicate</a:t>
+            </a:r>
+            <a:r>
+              <a:rPr lang="en-US" sz="1800" dirty="0"/>
+              <a:t>&lt;</a:t>
+            </a:r>
+            <a:r>
+              <a:rPr lang="en-US" sz="1800" dirty="0" err="1"/>
+              <a:t>ServerWebExchange</a:t>
+            </a:r>
+            <a:r>
+              <a:rPr lang="en-US" sz="1800" dirty="0"/>
+              <a:t>&gt; predicate;</a:t>
+            </a:r>
+          </a:p>
+          <a:p>
+            <a:pPr marL="457200" lvl="1" indent="0">
+              <a:buFontTx/>
+              <a:buNone/>
+              <a:defRPr/>
+            </a:pPr>
+            <a:r>
+              <a:rPr lang="en-US" sz="1800" dirty="0"/>
+              <a:t>private final List&lt;</a:t>
+            </a:r>
+            <a:r>
+              <a:rPr lang="en-US" sz="1800" dirty="0" err="1"/>
+              <a:t>GatewayFilter</a:t>
+            </a:r>
+            <a:r>
+              <a:rPr lang="en-US" sz="1800" dirty="0"/>
+              <a:t>&gt; </a:t>
+            </a:r>
+            <a:r>
+              <a:rPr lang="en-US" sz="1800" dirty="0" err="1"/>
+              <a:t>gatewayFilters</a:t>
+            </a:r>
+            <a:r>
+              <a:rPr lang="en-US" sz="1800" dirty="0"/>
+              <a:t>;</a:t>
+            </a:r>
+          </a:p>
+          <a:p>
+            <a:pPr marL="457200" lvl="1" indent="0">
+              <a:buFontTx/>
+              <a:buNone/>
+              <a:defRPr/>
+            </a:pPr>
+            <a:r>
+              <a:rPr lang="en-US" sz="1800" dirty="0"/>
+              <a:t>   }</a:t>
+            </a:r>
+          </a:p>
+          <a:p>
+            <a:pPr>
+              <a:defRPr/>
+            </a:pPr>
+            <a:endParaRPr lang="en-IN" sz="1800" dirty="0"/>
+          </a:p>
+        </p:txBody>
+      </p:sp>
+    </p:spTree>
+  </p:cSld>
+  <p:clrMapOvr>
+    <a:masterClrMapping/>
+  </p:clrMapOvr>
+</p:sld>
+</file>
+
+<file path=ppt/slides/slide101.xml><?xml version="1.0" encoding="utf-8"?>
+<p:sld xmlns:a="http://schemas.openxmlformats.org/drawingml/2006/main" xmlns:r="http://schemas.openxmlformats.org/officeDocument/2006/relationships" xmlns:p="http://schemas.openxmlformats.org/presentationml/2006/main">
+  <p:cSld>
+    <p:spTree>
+      <p:nvGrpSpPr>
+        <p:cNvPr id="1" name=""/>
+        <p:cNvGrpSpPr/>
+        <p:nvPr/>
+      </p:nvGrpSpPr>
+      <p:grpSpPr>
+        <a:xfrm>
+          <a:off x="0" y="0"/>
+          <a:ext cx="0" cy="0"/>
+          <a:chOff x="0" y="0"/>
+          <a:chExt cx="0" cy="0"/>
+        </a:xfrm>
+      </p:grpSpPr>
+      <p:sp>
+        <p:nvSpPr>
+          <p:cNvPr id="116737" name="Title 1">
+            <a:extLst>
+              <a:ext uri="{FF2B5EF4-FFF2-40B4-BE49-F238E27FC236}">
+                <a16:creationId xmlns:a16="http://schemas.microsoft.com/office/drawing/2014/main" id="{CB672840-C8CB-E905-0C2D-22972C9FD350}"/>
+              </a:ext>
+            </a:extLst>
+          </p:cNvPr>
+          <p:cNvSpPr>
+            <a:spLocks noGrp="1" noChangeArrowheads="1"/>
+          </p:cNvSpPr>
+          <p:nvPr>
+            <p:ph type="title"/>
+          </p:nvPr>
+        </p:nvSpPr>
+        <p:spPr/>
+        <p:txBody>
+          <a:bodyPr/>
+          <a:lstStyle/>
+          <a:p>
+            <a:r>
+              <a:rPr lang="en-US" altLang="en-US"/>
+              <a:t>Configuring Route Locator</a:t>
+            </a:r>
+            <a:endParaRPr lang="en-IN" altLang="en-US"/>
+          </a:p>
+        </p:txBody>
+      </p:sp>
+      <p:sp>
+        <p:nvSpPr>
+          <p:cNvPr id="35843" name="Content Placeholder 2">
+            <a:extLst>
+              <a:ext uri="{FF2B5EF4-FFF2-40B4-BE49-F238E27FC236}">
+                <a16:creationId xmlns:a16="http://schemas.microsoft.com/office/drawing/2014/main" id="{332F6083-8A09-3E5C-0135-DF547CF3A58E}"/>
+              </a:ext>
+            </a:extLst>
+          </p:cNvPr>
+          <p:cNvSpPr>
+            <a:spLocks noGrp="1" noChangeArrowheads="1"/>
+          </p:cNvSpPr>
+          <p:nvPr>
+            <p:ph idx="1"/>
+          </p:nvPr>
+        </p:nvSpPr>
+        <p:spPr/>
+        <p:txBody>
+          <a:bodyPr/>
+          <a:lstStyle/>
+          <a:p>
+            <a:pPr marL="457200" lvl="1" indent="0">
+              <a:buFontTx/>
+              <a:buNone/>
+              <a:defRPr/>
+            </a:pPr>
+            <a:r>
+              <a:rPr lang="en-IN" altLang="en-US" sz="1800" dirty="0">
+                <a:solidFill>
+                  <a:srgbClr val="646464"/>
+                </a:solidFill>
+                <a:latin typeface="Consolas" panose="020B0609020204030204" pitchFamily="49" charset="0"/>
+              </a:rPr>
+              <a:t>@Configuration</a:t>
+            </a:r>
+          </a:p>
+          <a:p>
+            <a:pPr marL="457200" lvl="1" indent="0">
+              <a:buFontTx/>
+              <a:buNone/>
+              <a:defRPr/>
+            </a:pPr>
+            <a:r>
+              <a:rPr lang="en-IN" altLang="en-US" sz="1800" b="1" dirty="0">
+                <a:solidFill>
+                  <a:srgbClr val="7F0055"/>
+                </a:solidFill>
+                <a:latin typeface="Consolas" panose="020B0609020204030204" pitchFamily="49" charset="0"/>
+              </a:rPr>
+              <a:t>public</a:t>
+            </a:r>
+            <a:r>
+              <a:rPr lang="en-IN" altLang="en-US" sz="1800" b="1" dirty="0">
+                <a:solidFill>
+                  <a:srgbClr val="000000"/>
+                </a:solidFill>
+                <a:latin typeface="Consolas" panose="020B0609020204030204" pitchFamily="49" charset="0"/>
+              </a:rPr>
+              <a:t> </a:t>
+            </a:r>
+            <a:r>
+              <a:rPr lang="en-IN" altLang="en-US" sz="1800" b="1" dirty="0">
+                <a:solidFill>
+                  <a:srgbClr val="7F0055"/>
+                </a:solidFill>
+                <a:latin typeface="Consolas" panose="020B0609020204030204" pitchFamily="49" charset="0"/>
+              </a:rPr>
+              <a:t>class</a:t>
+            </a:r>
+            <a:r>
+              <a:rPr lang="en-IN" altLang="en-US" sz="1800" b="1" dirty="0">
+                <a:solidFill>
+                  <a:srgbClr val="000000"/>
+                </a:solidFill>
+                <a:latin typeface="Consolas" panose="020B0609020204030204" pitchFamily="49" charset="0"/>
+              </a:rPr>
+              <a:t> </a:t>
+            </a:r>
+            <a:r>
+              <a:rPr lang="en-IN" altLang="en-US" sz="1800" b="1" dirty="0" err="1">
+                <a:solidFill>
+                  <a:srgbClr val="000000"/>
+                </a:solidFill>
+                <a:latin typeface="Consolas" panose="020B0609020204030204" pitchFamily="49" charset="0"/>
+              </a:rPr>
+              <a:t>MyRouteConfig</a:t>
+            </a:r>
+            <a:r>
+              <a:rPr lang="en-IN" altLang="en-US" sz="1800" b="1" dirty="0">
+                <a:solidFill>
+                  <a:srgbClr val="000000"/>
+                </a:solidFill>
+                <a:latin typeface="Consolas" panose="020B0609020204030204" pitchFamily="49" charset="0"/>
+              </a:rPr>
+              <a:t> {</a:t>
+            </a:r>
+          </a:p>
+          <a:p>
+            <a:pPr marL="457200" lvl="1" indent="0">
+              <a:buFontTx/>
+              <a:buNone/>
+              <a:defRPr/>
+            </a:pPr>
+            <a:endParaRPr lang="en-IN" altLang="en-US" sz="1800" dirty="0">
+              <a:latin typeface="Consolas" panose="020B0609020204030204" pitchFamily="49" charset="0"/>
+            </a:endParaRPr>
+          </a:p>
+          <a:p>
+            <a:pPr marL="457200" lvl="1" indent="0">
+              <a:buFontTx/>
+              <a:buNone/>
+              <a:defRPr/>
+            </a:pPr>
+            <a:r>
+              <a:rPr lang="en-IN" altLang="en-US" sz="1800" dirty="0">
+                <a:solidFill>
+                  <a:srgbClr val="000000"/>
+                </a:solidFill>
+                <a:latin typeface="Consolas" panose="020B0609020204030204" pitchFamily="49" charset="0"/>
+              </a:rPr>
+              <a:t>    </a:t>
+            </a:r>
+            <a:r>
+              <a:rPr lang="en-IN" altLang="en-US" sz="1800" dirty="0">
+                <a:solidFill>
+                  <a:srgbClr val="646464"/>
+                </a:solidFill>
+                <a:latin typeface="Consolas" panose="020B0609020204030204" pitchFamily="49" charset="0"/>
+              </a:rPr>
+              <a:t>@Bean</a:t>
+            </a:r>
+          </a:p>
+          <a:p>
+            <a:pPr marL="457200" lvl="1" indent="0">
+              <a:buFontTx/>
+              <a:buNone/>
+              <a:defRPr/>
+            </a:pPr>
+            <a:r>
+              <a:rPr lang="en-US" altLang="en-US" sz="1800" dirty="0">
+                <a:solidFill>
+                  <a:srgbClr val="000000"/>
+                </a:solidFill>
+                <a:latin typeface="Consolas" panose="020B0609020204030204" pitchFamily="49" charset="0"/>
+              </a:rPr>
+              <a:t>    </a:t>
+            </a:r>
+            <a:r>
+              <a:rPr lang="en-US" altLang="en-US" sz="1800" b="1" dirty="0">
+                <a:solidFill>
+                  <a:srgbClr val="7F0055"/>
+                </a:solidFill>
+                <a:latin typeface="Consolas" panose="020B0609020204030204" pitchFamily="49" charset="0"/>
+              </a:rPr>
+              <a:t>public</a:t>
+            </a:r>
+            <a:r>
+              <a:rPr lang="en-US" altLang="en-US" sz="1800" b="1" dirty="0">
+                <a:solidFill>
+                  <a:srgbClr val="000000"/>
+                </a:solidFill>
+                <a:latin typeface="Consolas" panose="020B0609020204030204" pitchFamily="49" charset="0"/>
+              </a:rPr>
+              <a:t> </a:t>
+            </a:r>
+            <a:r>
+              <a:rPr lang="en-US" altLang="en-US" sz="1800" b="1" dirty="0" err="1">
+                <a:solidFill>
+                  <a:srgbClr val="000000"/>
+                </a:solidFill>
+                <a:latin typeface="Consolas" panose="020B0609020204030204" pitchFamily="49" charset="0"/>
+              </a:rPr>
+              <a:t>RouteLocator</a:t>
+            </a:r>
+            <a:r>
+              <a:rPr lang="en-US" altLang="en-US" sz="1800" b="1" dirty="0">
+                <a:solidFill>
+                  <a:srgbClr val="000000"/>
+                </a:solidFill>
+                <a:latin typeface="Consolas" panose="020B0609020204030204" pitchFamily="49" charset="0"/>
+              </a:rPr>
+              <a:t> </a:t>
+            </a:r>
+            <a:r>
+              <a:rPr lang="en-US" altLang="en-US" sz="1800" b="1" dirty="0" err="1">
+                <a:solidFill>
+                  <a:srgbClr val="000000"/>
+                </a:solidFill>
+                <a:latin typeface="Consolas" panose="020B0609020204030204" pitchFamily="49" charset="0"/>
+              </a:rPr>
+              <a:t>gatewayRoutes</a:t>
+            </a:r>
+            <a:r>
+              <a:rPr lang="en-US" altLang="en-US" sz="1800" b="1" dirty="0">
+                <a:solidFill>
+                  <a:srgbClr val="000000"/>
+                </a:solidFill>
+                <a:latin typeface="Consolas" panose="020B0609020204030204" pitchFamily="49" charset="0"/>
+              </a:rPr>
+              <a:t>(</a:t>
+            </a:r>
+            <a:r>
+              <a:rPr lang="en-US" altLang="en-US" sz="1800" b="1" dirty="0" err="1">
+                <a:solidFill>
+                  <a:srgbClr val="000000"/>
+                </a:solidFill>
+                <a:latin typeface="Consolas" panose="020B0609020204030204" pitchFamily="49" charset="0"/>
+              </a:rPr>
+              <a:t>RouteLocatorBuilder</a:t>
+            </a:r>
+            <a:r>
+              <a:rPr lang="en-US" altLang="en-US" sz="1800" b="1" dirty="0">
+                <a:solidFill>
+                  <a:srgbClr val="000000"/>
+                </a:solidFill>
+                <a:latin typeface="Consolas" panose="020B0609020204030204" pitchFamily="49" charset="0"/>
+              </a:rPr>
+              <a:t> </a:t>
+            </a:r>
+            <a:r>
+              <a:rPr lang="en-US" altLang="en-US" sz="1800" b="1" dirty="0">
+                <a:solidFill>
+                  <a:srgbClr val="6A3E3E"/>
+                </a:solidFill>
+                <a:latin typeface="Consolas" panose="020B0609020204030204" pitchFamily="49" charset="0"/>
+              </a:rPr>
+              <a:t>builder</a:t>
+            </a:r>
+            <a:r>
+              <a:rPr lang="en-US" altLang="en-US" sz="1800" b="1" dirty="0">
+                <a:solidFill>
+                  <a:srgbClr val="000000"/>
+                </a:solidFill>
+                <a:latin typeface="Consolas" panose="020B0609020204030204" pitchFamily="49" charset="0"/>
+              </a:rPr>
+              <a:t>) {</a:t>
+            </a:r>
+          </a:p>
+          <a:p>
+            <a:pPr marL="457200" lvl="1" indent="0">
+              <a:buFontTx/>
+              <a:buNone/>
+              <a:defRPr/>
+            </a:pPr>
+            <a:r>
+              <a:rPr lang="en-IN" altLang="en-US" sz="1800" dirty="0">
+                <a:solidFill>
+                  <a:srgbClr val="000000"/>
+                </a:solidFill>
+                <a:latin typeface="Consolas" panose="020B0609020204030204" pitchFamily="49" charset="0"/>
+              </a:rPr>
+              <a:t>    </a:t>
+            </a:r>
+          </a:p>
+          <a:p>
+            <a:pPr marL="0" indent="0">
+              <a:buFontTx/>
+              <a:buNone/>
+              <a:defRPr/>
+            </a:pPr>
+            <a:r>
+              <a:rPr lang="en-IN" altLang="en-US" sz="1800" dirty="0">
+                <a:solidFill>
+                  <a:srgbClr val="000000"/>
+                </a:solidFill>
+                <a:latin typeface="Consolas" panose="020B0609020204030204" pitchFamily="49" charset="0"/>
+              </a:rPr>
+              <a:t>         </a:t>
+            </a:r>
+            <a:r>
+              <a:rPr lang="en-IN" altLang="en-US" sz="1800" b="1" dirty="0">
+                <a:solidFill>
+                  <a:srgbClr val="7F0055"/>
+                </a:solidFill>
+                <a:latin typeface="Consolas" panose="020B0609020204030204" pitchFamily="49" charset="0"/>
+              </a:rPr>
+              <a:t>r</a:t>
+            </a:r>
+            <a:r>
+              <a:rPr lang="en-IN" sz="1800" b="1" dirty="0">
+                <a:solidFill>
+                  <a:srgbClr val="7F0055"/>
+                </a:solidFill>
+                <a:latin typeface="Consolas" panose="020B0609020204030204" pitchFamily="49" charset="0"/>
+              </a:rPr>
+              <a:t>eturn</a:t>
+            </a:r>
+            <a:r>
+              <a:rPr lang="en-IN" sz="1800" b="1" dirty="0">
+                <a:solidFill>
+                  <a:srgbClr val="000000"/>
+                </a:solidFill>
+                <a:latin typeface="Consolas" panose="020B0609020204030204" pitchFamily="49" charset="0"/>
+              </a:rPr>
+              <a:t> </a:t>
+            </a:r>
+            <a:r>
+              <a:rPr lang="en-IN" sz="1800" b="1" dirty="0" err="1">
+                <a:solidFill>
+                  <a:srgbClr val="6A3E3E"/>
+                </a:solidFill>
+                <a:latin typeface="Consolas" panose="020B0609020204030204" pitchFamily="49" charset="0"/>
+              </a:rPr>
+              <a:t>builder</a:t>
+            </a:r>
+            <a:r>
+              <a:rPr lang="en-IN" sz="1800" b="1" dirty="0" err="1">
+                <a:solidFill>
+                  <a:srgbClr val="000000"/>
+                </a:solidFill>
+                <a:latin typeface="Consolas" panose="020B0609020204030204" pitchFamily="49" charset="0"/>
+              </a:rPr>
+              <a:t>.routes</a:t>
+            </a:r>
+            <a:r>
+              <a:rPr lang="en-IN" sz="1800" b="1" dirty="0">
+                <a:solidFill>
+                  <a:srgbClr val="000000"/>
+                </a:solidFill>
+                <a:latin typeface="Consolas" panose="020B0609020204030204" pitchFamily="49" charset="0"/>
+              </a:rPr>
+              <a:t>()</a:t>
+            </a:r>
+          </a:p>
+          <a:p>
+            <a:pPr marL="0" indent="0">
+              <a:buFontTx/>
+              <a:buNone/>
+              <a:defRPr/>
+            </a:pPr>
+            <a:r>
+              <a:rPr lang="en-US" sz="1800" dirty="0">
+                <a:solidFill>
+                  <a:srgbClr val="000000"/>
+                </a:solidFill>
+                <a:latin typeface="Consolas" panose="020B0609020204030204" pitchFamily="49" charset="0"/>
+              </a:rPr>
+              <a:t>           .route</a:t>
+            </a:r>
+            <a:r>
+              <a:rPr lang="en-US" sz="1800" b="1" dirty="0">
+                <a:solidFill>
+                  <a:srgbClr val="C00000"/>
+                </a:solidFill>
+                <a:latin typeface="Consolas" panose="020B0609020204030204" pitchFamily="49" charset="0"/>
+              </a:rPr>
+              <a:t>(</a:t>
+            </a:r>
+            <a:r>
+              <a:rPr lang="en-US" sz="1800" dirty="0">
+                <a:solidFill>
+                  <a:srgbClr val="6A3E3E"/>
+                </a:solidFill>
+                <a:latin typeface="Consolas" panose="020B0609020204030204" pitchFamily="49" charset="0"/>
+              </a:rPr>
+              <a:t>p</a:t>
+            </a:r>
+            <a:r>
+              <a:rPr lang="en-US" sz="1800" dirty="0">
+                <a:solidFill>
+                  <a:srgbClr val="000000"/>
+                </a:solidFill>
+                <a:latin typeface="Consolas" panose="020B0609020204030204" pitchFamily="49" charset="0"/>
+              </a:rPr>
+              <a:t> -&gt; </a:t>
+            </a:r>
+            <a:r>
+              <a:rPr lang="en-US" sz="1800" dirty="0" err="1">
+                <a:solidFill>
+                  <a:srgbClr val="6A3E3E"/>
+                </a:solidFill>
+                <a:latin typeface="Consolas" panose="020B0609020204030204" pitchFamily="49" charset="0"/>
+              </a:rPr>
+              <a:t>p</a:t>
+            </a:r>
+            <a:r>
+              <a:rPr lang="en-US" sz="1800" dirty="0" err="1">
+                <a:solidFill>
+                  <a:srgbClr val="000000"/>
+                </a:solidFill>
+                <a:latin typeface="Consolas" panose="020B0609020204030204" pitchFamily="49" charset="0"/>
+              </a:rPr>
+              <a:t>.path</a:t>
+            </a:r>
+            <a:r>
+              <a:rPr lang="en-US" sz="1800" b="1" dirty="0">
+                <a:solidFill>
+                  <a:srgbClr val="00B050"/>
+                </a:solidFill>
+                <a:latin typeface="Consolas" panose="020B0609020204030204" pitchFamily="49" charset="0"/>
+              </a:rPr>
+              <a:t>(</a:t>
+            </a:r>
+            <a:r>
+              <a:rPr lang="en-US" sz="1800" dirty="0">
+                <a:solidFill>
+                  <a:srgbClr val="2A00FF"/>
+                </a:solidFill>
+                <a:latin typeface="Consolas" panose="020B0609020204030204" pitchFamily="49" charset="0"/>
+              </a:rPr>
+              <a:t>"/</a:t>
+            </a:r>
+            <a:r>
+              <a:rPr lang="en-US" sz="1800" dirty="0" err="1">
+                <a:solidFill>
+                  <a:srgbClr val="2A00FF"/>
+                </a:solidFill>
+                <a:latin typeface="Consolas" panose="020B0609020204030204" pitchFamily="49" charset="0"/>
+              </a:rPr>
+              <a:t>api</a:t>
+            </a:r>
+            <a:r>
+              <a:rPr lang="en-US" sz="1800" dirty="0">
+                <a:solidFill>
+                  <a:srgbClr val="2A00FF"/>
+                </a:solidFill>
+                <a:latin typeface="Consolas" panose="020B0609020204030204" pitchFamily="49" charset="0"/>
+              </a:rPr>
+              <a:t>/v1/reviews/**"</a:t>
+            </a:r>
+            <a:r>
+              <a:rPr lang="en-US" sz="1800" b="1" dirty="0">
+                <a:solidFill>
+                  <a:srgbClr val="00B050"/>
+                </a:solidFill>
+                <a:latin typeface="Consolas" panose="020B0609020204030204" pitchFamily="49" charset="0"/>
+              </a:rPr>
+              <a:t>)</a:t>
+            </a:r>
+          </a:p>
+          <a:p>
+            <a:pPr marL="0" indent="0">
+              <a:buFontTx/>
+              <a:buNone/>
+              <a:defRPr/>
+            </a:pPr>
+            <a:r>
+              <a:rPr lang="en-US" sz="1800" dirty="0">
+                <a:solidFill>
+                  <a:srgbClr val="000000"/>
+                </a:solidFill>
+                <a:latin typeface="Consolas" panose="020B0609020204030204" pitchFamily="49" charset="0"/>
+              </a:rPr>
+              <a:t>           .filters</a:t>
+            </a:r>
+            <a:r>
+              <a:rPr lang="en-US" sz="1800" b="1" dirty="0">
+                <a:solidFill>
+                  <a:schemeClr val="bg1">
+                    <a:lumMod val="75000"/>
+                  </a:schemeClr>
+                </a:solidFill>
+                <a:latin typeface="Consolas" panose="020B0609020204030204" pitchFamily="49" charset="0"/>
+              </a:rPr>
+              <a:t>(</a:t>
+            </a:r>
+            <a:r>
+              <a:rPr lang="en-US" sz="1800" dirty="0">
+                <a:solidFill>
+                  <a:srgbClr val="6A3E3E"/>
+                </a:solidFill>
+                <a:latin typeface="Consolas" panose="020B0609020204030204" pitchFamily="49" charset="0"/>
+              </a:rPr>
+              <a:t>f</a:t>
+            </a:r>
+            <a:r>
+              <a:rPr lang="en-US" sz="1800" dirty="0">
+                <a:solidFill>
+                  <a:srgbClr val="000000"/>
+                </a:solidFill>
+                <a:latin typeface="Consolas" panose="020B0609020204030204" pitchFamily="49" charset="0"/>
+              </a:rPr>
+              <a:t> -&gt; </a:t>
+            </a:r>
+            <a:r>
+              <a:rPr lang="en-US" sz="1800" dirty="0" err="1">
+                <a:solidFill>
+                  <a:srgbClr val="6A3E3E"/>
+                </a:solidFill>
+                <a:latin typeface="Consolas" panose="020B0609020204030204" pitchFamily="49" charset="0"/>
+              </a:rPr>
+              <a:t>f</a:t>
+            </a:r>
+            <a:r>
+              <a:rPr lang="en-US" sz="1800" dirty="0" err="1">
+                <a:solidFill>
+                  <a:srgbClr val="000000"/>
+                </a:solidFill>
+                <a:latin typeface="Consolas" panose="020B0609020204030204" pitchFamily="49" charset="0"/>
+              </a:rPr>
+              <a:t>.addResponseHeader</a:t>
+            </a:r>
+            <a:r>
+              <a:rPr lang="en-US" sz="1400" dirty="0">
+                <a:solidFill>
+                  <a:srgbClr val="000000"/>
+                </a:solidFill>
+                <a:latin typeface="Consolas" panose="020B0609020204030204" pitchFamily="49" charset="0"/>
+              </a:rPr>
+              <a:t>(</a:t>
+            </a:r>
+            <a:r>
+              <a:rPr lang="en-US" sz="1800" dirty="0">
+                <a:solidFill>
+                  <a:srgbClr val="2A00FF"/>
+                </a:solidFill>
+                <a:latin typeface="Consolas" panose="020B0609020204030204" pitchFamily="49" charset="0"/>
+              </a:rPr>
+              <a:t>"Hello"</a:t>
+            </a:r>
+            <a:r>
+              <a:rPr lang="en-US" sz="1800" dirty="0">
+                <a:solidFill>
+                  <a:srgbClr val="000000"/>
+                </a:solidFill>
+                <a:latin typeface="Consolas" panose="020B0609020204030204" pitchFamily="49" charset="0"/>
+              </a:rPr>
+              <a:t>, </a:t>
+            </a:r>
+            <a:r>
+              <a:rPr lang="en-US" sz="1800" dirty="0">
+                <a:solidFill>
+                  <a:srgbClr val="2A00FF"/>
+                </a:solidFill>
+                <a:latin typeface="Consolas" panose="020B0609020204030204" pitchFamily="49" charset="0"/>
+              </a:rPr>
+              <a:t>"World"</a:t>
+            </a:r>
+            <a:r>
+              <a:rPr lang="en-US" sz="1400" dirty="0">
+                <a:solidFill>
+                  <a:srgbClr val="000000"/>
+                </a:solidFill>
+                <a:latin typeface="Consolas" panose="020B0609020204030204" pitchFamily="49" charset="0"/>
+              </a:rPr>
+              <a:t>)</a:t>
+            </a:r>
+            <a:r>
+              <a:rPr lang="en-US" sz="1800" b="1" dirty="0">
+                <a:solidFill>
+                  <a:schemeClr val="bg1">
+                    <a:lumMod val="75000"/>
+                  </a:schemeClr>
+                </a:solidFill>
+                <a:latin typeface="Consolas" panose="020B0609020204030204" pitchFamily="49" charset="0"/>
+              </a:rPr>
+              <a:t>)</a:t>
+            </a:r>
+          </a:p>
+          <a:p>
+            <a:pPr marL="0" indent="0">
+              <a:buFontTx/>
+              <a:buNone/>
+              <a:defRPr/>
+            </a:pPr>
+            <a:r>
+              <a:rPr lang="en-IN" sz="1800" dirty="0">
+                <a:solidFill>
+                  <a:srgbClr val="000000"/>
+                </a:solidFill>
+                <a:latin typeface="Consolas" panose="020B0609020204030204" pitchFamily="49" charset="0"/>
+              </a:rPr>
+              <a:t>           .</a:t>
+            </a:r>
+            <a:r>
+              <a:rPr lang="en-IN" sz="1800" dirty="0" err="1">
+                <a:solidFill>
+                  <a:srgbClr val="000000"/>
+                </a:solidFill>
+                <a:latin typeface="Consolas" panose="020B0609020204030204" pitchFamily="49" charset="0"/>
+              </a:rPr>
+              <a:t>uri</a:t>
+            </a:r>
+            <a:r>
+              <a:rPr lang="en-IN" sz="1800" b="1" dirty="0">
+                <a:solidFill>
+                  <a:srgbClr val="00B0F0"/>
+                </a:solidFill>
+                <a:latin typeface="Consolas" panose="020B0609020204030204" pitchFamily="49" charset="0"/>
+              </a:rPr>
+              <a:t>(</a:t>
+            </a:r>
+            <a:r>
+              <a:rPr lang="en-IN" sz="1800" dirty="0">
+                <a:solidFill>
+                  <a:srgbClr val="2A00FF"/>
+                </a:solidFill>
+                <a:latin typeface="Consolas" panose="020B0609020204030204" pitchFamily="49" charset="0"/>
+              </a:rPr>
+              <a:t>"lb://REVIEW-SERVICE"</a:t>
+            </a:r>
+            <a:r>
+              <a:rPr lang="en-IN" sz="1800" b="1" dirty="0">
+                <a:solidFill>
+                  <a:srgbClr val="00B0F0"/>
+                </a:solidFill>
+                <a:latin typeface="Consolas" panose="020B0609020204030204" pitchFamily="49" charset="0"/>
+              </a:rPr>
+              <a:t>)</a:t>
+            </a:r>
+            <a:r>
+              <a:rPr lang="en-IN" sz="1800" dirty="0">
+                <a:solidFill>
+                  <a:srgbClr val="000000"/>
+                </a:solidFill>
+                <a:latin typeface="Consolas" panose="020B0609020204030204" pitchFamily="49" charset="0"/>
+              </a:rPr>
+              <a:t> </a:t>
+            </a:r>
+            <a:r>
+              <a:rPr lang="en-IN" sz="1800" dirty="0">
+                <a:solidFill>
+                  <a:srgbClr val="C00000"/>
+                </a:solidFill>
+                <a:latin typeface="Consolas" panose="020B0609020204030204" pitchFamily="49" charset="0"/>
+              </a:rPr>
+              <a:t>)</a:t>
+            </a:r>
+          </a:p>
+          <a:p>
+            <a:pPr marL="0" indent="0">
+              <a:buFontTx/>
+              <a:buNone/>
+              <a:defRPr/>
+            </a:pPr>
+            <a:r>
+              <a:rPr lang="en-US" sz="1800" dirty="0">
+                <a:solidFill>
+                  <a:srgbClr val="000000"/>
+                </a:solidFill>
+                <a:latin typeface="Consolas" panose="020B0609020204030204" pitchFamily="49" charset="0"/>
+              </a:rPr>
+              <a:t>                .route(</a:t>
+            </a:r>
+            <a:r>
+              <a:rPr lang="en-US" sz="1800" dirty="0">
+                <a:solidFill>
+                  <a:srgbClr val="6A3E3E"/>
+                </a:solidFill>
+                <a:latin typeface="Consolas" panose="020B0609020204030204" pitchFamily="49" charset="0"/>
+              </a:rPr>
+              <a:t>p</a:t>
+            </a:r>
+            <a:r>
+              <a:rPr lang="en-US" sz="1800" dirty="0">
+                <a:solidFill>
+                  <a:srgbClr val="000000"/>
+                </a:solidFill>
+                <a:latin typeface="Consolas" panose="020B0609020204030204" pitchFamily="49" charset="0"/>
+              </a:rPr>
+              <a:t> -&gt; </a:t>
+            </a:r>
+            <a:r>
+              <a:rPr lang="en-US" sz="1800" dirty="0" err="1">
+                <a:solidFill>
+                  <a:srgbClr val="6A3E3E"/>
+                </a:solidFill>
+                <a:latin typeface="Consolas" panose="020B0609020204030204" pitchFamily="49" charset="0"/>
+              </a:rPr>
+              <a:t>p</a:t>
+            </a:r>
+            <a:r>
+              <a:rPr lang="en-US" sz="1800" dirty="0" err="1">
+                <a:solidFill>
+                  <a:srgbClr val="000000"/>
+                </a:solidFill>
+                <a:latin typeface="Consolas" panose="020B0609020204030204" pitchFamily="49" charset="0"/>
+              </a:rPr>
+              <a:t>.path</a:t>
+            </a:r>
+            <a:r>
+              <a:rPr lang="en-US" sz="1800" dirty="0">
+                <a:solidFill>
+                  <a:srgbClr val="000000"/>
+                </a:solidFill>
+                <a:latin typeface="Consolas" panose="020B0609020204030204" pitchFamily="49" charset="0"/>
+              </a:rPr>
+              <a:t>(</a:t>
+            </a:r>
+            <a:r>
+              <a:rPr lang="en-US" sz="1800" dirty="0">
+                <a:solidFill>
+                  <a:srgbClr val="2A00FF"/>
+                </a:solidFill>
+                <a:latin typeface="Consolas" panose="020B0609020204030204" pitchFamily="49" charset="0"/>
+              </a:rPr>
+              <a:t>"/</a:t>
+            </a:r>
+            <a:r>
+              <a:rPr lang="en-US" sz="1800" dirty="0" err="1">
+                <a:solidFill>
+                  <a:srgbClr val="2A00FF"/>
+                </a:solidFill>
+                <a:latin typeface="Consolas" panose="020B0609020204030204" pitchFamily="49" charset="0"/>
+              </a:rPr>
+              <a:t>api</a:t>
+            </a:r>
+            <a:r>
+              <a:rPr lang="en-US" sz="1800" dirty="0">
+                <a:solidFill>
+                  <a:srgbClr val="2A00FF"/>
+                </a:solidFill>
+                <a:latin typeface="Consolas" panose="020B0609020204030204" pitchFamily="49" charset="0"/>
+              </a:rPr>
+              <a:t>/v1/choices/**"</a:t>
+            </a:r>
+            <a:r>
+              <a:rPr lang="en-US" sz="1800" dirty="0">
+                <a:solidFill>
+                  <a:srgbClr val="000000"/>
+                </a:solidFill>
+                <a:latin typeface="Consolas" panose="020B0609020204030204" pitchFamily="49" charset="0"/>
+              </a:rPr>
+              <a:t>)</a:t>
+            </a:r>
+          </a:p>
+          <a:p>
+            <a:pPr marL="0" indent="0">
+              <a:buFontTx/>
+              <a:buNone/>
+              <a:defRPr/>
+            </a:pPr>
+            <a:r>
+              <a:rPr lang="en-IN" sz="1800" dirty="0">
+                <a:solidFill>
+                  <a:srgbClr val="000000"/>
+                </a:solidFill>
+                <a:latin typeface="Consolas" panose="020B0609020204030204" pitchFamily="49" charset="0"/>
+              </a:rPr>
+              <a:t>                .</a:t>
+            </a:r>
+            <a:r>
+              <a:rPr lang="en-IN" sz="1800" dirty="0" err="1">
+                <a:solidFill>
+                  <a:srgbClr val="000000"/>
+                </a:solidFill>
+                <a:latin typeface="Consolas" panose="020B0609020204030204" pitchFamily="49" charset="0"/>
+              </a:rPr>
+              <a:t>uri</a:t>
+            </a:r>
+            <a:r>
+              <a:rPr lang="en-IN" sz="1800" dirty="0">
+                <a:solidFill>
+                  <a:srgbClr val="000000"/>
+                </a:solidFill>
+                <a:latin typeface="Consolas" panose="020B0609020204030204" pitchFamily="49" charset="0"/>
+              </a:rPr>
+              <a:t>(</a:t>
+            </a:r>
+            <a:r>
+              <a:rPr lang="en-IN" sz="1800" dirty="0">
+                <a:solidFill>
+                  <a:srgbClr val="2A00FF"/>
+                </a:solidFill>
+                <a:latin typeface="Consolas" panose="020B0609020204030204" pitchFamily="49" charset="0"/>
+              </a:rPr>
+              <a:t>"http://localhost:7575/"</a:t>
+            </a:r>
+            <a:r>
+              <a:rPr lang="en-IN" sz="1800" dirty="0">
+                <a:solidFill>
+                  <a:srgbClr val="000000"/>
+                </a:solidFill>
+                <a:latin typeface="Consolas" panose="020B0609020204030204" pitchFamily="49" charset="0"/>
+              </a:rPr>
+              <a:t>))</a:t>
+            </a:r>
+          </a:p>
+          <a:p>
+            <a:pPr marL="0" indent="0">
+              <a:buFontTx/>
+              <a:buNone/>
+              <a:defRPr/>
+            </a:pPr>
+            <a:r>
+              <a:rPr lang="en-IN" sz="1800" dirty="0">
+                <a:solidFill>
+                  <a:srgbClr val="000000"/>
+                </a:solidFill>
+                <a:latin typeface="Consolas" panose="020B0609020204030204" pitchFamily="49" charset="0"/>
+              </a:rPr>
+              <a:t>                .build();</a:t>
+            </a:r>
+          </a:p>
+          <a:p>
+            <a:pPr marL="457200" lvl="1" indent="0">
+              <a:buFontTx/>
+              <a:buNone/>
+              <a:defRPr/>
+            </a:pPr>
+            <a:r>
+              <a:rPr lang="en-IN" altLang="en-US" sz="1800" dirty="0">
+                <a:solidFill>
+                  <a:srgbClr val="000000"/>
+                </a:solidFill>
+                <a:latin typeface="Consolas" panose="020B0609020204030204" pitchFamily="49" charset="0"/>
+              </a:rPr>
+              <a:t>}</a:t>
+            </a:r>
+          </a:p>
+          <a:p>
+            <a:pPr marL="457200" lvl="1" indent="0">
+              <a:buFontTx/>
+              <a:buNone/>
+              <a:defRPr/>
+            </a:pPr>
+            <a:r>
+              <a:rPr lang="en-IN" altLang="en-US" sz="1800" dirty="0">
+                <a:solidFill>
+                  <a:srgbClr val="000000"/>
+                </a:solidFill>
+                <a:latin typeface="Consolas" panose="020B0609020204030204" pitchFamily="49" charset="0"/>
+              </a:rPr>
+              <a:t>}</a:t>
+            </a:r>
+          </a:p>
+          <a:p>
+            <a:pPr marL="457200" lvl="1" indent="0">
+              <a:buFontTx/>
+              <a:buNone/>
+              <a:defRPr/>
+            </a:pPr>
+            <a:endParaRPr lang="en-IN" altLang="en-US" dirty="0"/>
+          </a:p>
+        </p:txBody>
+      </p:sp>
+    </p:spTree>
+  </p:cSld>
+  <p:clrMapOvr>
+    <a:masterClrMapping/>
+  </p:clrMapOvr>
+</p:sld>
+</file>
+
+<file path=ppt/slides/slide102.xml><?xml version="1.0" encoding="utf-8"?>
+<p:sld xmlns:a="http://schemas.openxmlformats.org/drawingml/2006/main" xmlns:r="http://schemas.openxmlformats.org/officeDocument/2006/relationships" xmlns:p="http://schemas.openxmlformats.org/presentationml/2006/main">
+  <p:cSld>
+    <p:spTree>
+      <p:nvGrpSpPr>
+        <p:cNvPr id="1" name=""/>
+        <p:cNvGrpSpPr/>
+        <p:nvPr/>
+      </p:nvGrpSpPr>
+      <p:grpSpPr>
+        <a:xfrm>
+          <a:off x="0" y="0"/>
+          <a:ext cx="0" cy="0"/>
+          <a:chOff x="0" y="0"/>
+          <a:chExt cx="0" cy="0"/>
+        </a:xfrm>
+      </p:grpSpPr>
+      <p:sp>
+        <p:nvSpPr>
+          <p:cNvPr id="117761" name="Title 1">
+            <a:extLst>
+              <a:ext uri="{FF2B5EF4-FFF2-40B4-BE49-F238E27FC236}">
+                <a16:creationId xmlns:a16="http://schemas.microsoft.com/office/drawing/2014/main" id="{AD23EB99-6747-5A9C-9FE9-3B62E6DC7506}"/>
+              </a:ext>
+            </a:extLst>
+          </p:cNvPr>
+          <p:cNvSpPr>
+            <a:spLocks noGrp="1" noChangeArrowheads="1"/>
+          </p:cNvSpPr>
+          <p:nvPr>
+            <p:ph type="title"/>
+          </p:nvPr>
+        </p:nvSpPr>
+        <p:spPr/>
+        <p:txBody>
+          <a:bodyPr/>
+          <a:lstStyle/>
+          <a:p>
+            <a:r>
+              <a:rPr lang="en-US" altLang="en-US"/>
+              <a:t>Gateway Filter</a:t>
+            </a:r>
+            <a:endParaRPr lang="en-IN" altLang="en-US"/>
+          </a:p>
+        </p:txBody>
+      </p:sp>
+      <p:sp>
+        <p:nvSpPr>
+          <p:cNvPr id="117762" name="Content Placeholder 2">
+            <a:extLst>
+              <a:ext uri="{FF2B5EF4-FFF2-40B4-BE49-F238E27FC236}">
+                <a16:creationId xmlns:a16="http://schemas.microsoft.com/office/drawing/2014/main" id="{BAD5E025-EC8D-1DCA-A6D2-FADBDB762AD9}"/>
+              </a:ext>
+            </a:extLst>
+          </p:cNvPr>
+          <p:cNvSpPr>
+            <a:spLocks noGrp="1" noChangeArrowheads="1"/>
+          </p:cNvSpPr>
+          <p:nvPr>
+            <p:ph idx="1"/>
+          </p:nvPr>
+        </p:nvSpPr>
+        <p:spPr/>
+        <p:txBody>
+          <a:bodyPr/>
+          <a:lstStyle/>
+          <a:p>
+            <a:pPr marL="400050" lvl="1" indent="0">
+              <a:buFontTx/>
+              <a:buNone/>
+            </a:pPr>
+            <a:r>
+              <a:rPr lang="en-IN" altLang="en-US" sz="2000">
+                <a:solidFill>
+                  <a:srgbClr val="646464"/>
+                </a:solidFill>
+                <a:latin typeface="Consolas" panose="020B0609020204030204" pitchFamily="49" charset="0"/>
+              </a:rPr>
+              <a:t>@Component</a:t>
+            </a:r>
+          </a:p>
+          <a:p>
+            <a:pPr marL="400050" lvl="1" indent="0">
+              <a:buFontTx/>
+              <a:buNone/>
+            </a:pPr>
+            <a:r>
+              <a:rPr lang="en-US" altLang="en-US" sz="2000" b="1">
+                <a:solidFill>
+                  <a:srgbClr val="7F0055"/>
+                </a:solidFill>
+                <a:latin typeface="Consolas" panose="020B0609020204030204" pitchFamily="49" charset="0"/>
+              </a:rPr>
+              <a:t>public</a:t>
+            </a:r>
+            <a:r>
+              <a:rPr lang="en-US" altLang="en-US" sz="2000" b="1">
+                <a:solidFill>
+                  <a:srgbClr val="000000"/>
+                </a:solidFill>
+                <a:latin typeface="Consolas" panose="020B0609020204030204" pitchFamily="49" charset="0"/>
+              </a:rPr>
+              <a:t> </a:t>
+            </a:r>
+            <a:r>
+              <a:rPr lang="en-US" altLang="en-US" sz="2000" b="1">
+                <a:solidFill>
+                  <a:srgbClr val="7F0055"/>
+                </a:solidFill>
+                <a:latin typeface="Consolas" panose="020B0609020204030204" pitchFamily="49" charset="0"/>
+              </a:rPr>
+              <a:t>class</a:t>
+            </a:r>
+            <a:r>
+              <a:rPr lang="en-US" altLang="en-US" sz="2000" b="1">
+                <a:solidFill>
+                  <a:srgbClr val="000000"/>
+                </a:solidFill>
+                <a:latin typeface="Consolas" panose="020B0609020204030204" pitchFamily="49" charset="0"/>
+              </a:rPr>
+              <a:t> LoggingFilter </a:t>
+            </a:r>
+            <a:r>
+              <a:rPr lang="en-US" altLang="en-US" sz="2000" b="1">
+                <a:solidFill>
+                  <a:srgbClr val="7F0055"/>
+                </a:solidFill>
+                <a:latin typeface="Consolas" panose="020B0609020204030204" pitchFamily="49" charset="0"/>
+              </a:rPr>
+              <a:t>implements</a:t>
+            </a:r>
+            <a:r>
+              <a:rPr lang="en-US" altLang="en-US" sz="2000" b="1">
+                <a:solidFill>
+                  <a:srgbClr val="000000"/>
+                </a:solidFill>
+                <a:latin typeface="Consolas" panose="020B0609020204030204" pitchFamily="49" charset="0"/>
+              </a:rPr>
+              <a:t> GatewayFilter {</a:t>
+            </a:r>
+          </a:p>
+          <a:p>
+            <a:pPr marL="400050" lvl="1" indent="0">
+              <a:buFontTx/>
+              <a:buNone/>
+            </a:pPr>
+            <a:endParaRPr lang="en-IN" altLang="en-US" sz="2000">
+              <a:latin typeface="Consolas" panose="020B0609020204030204" pitchFamily="49" charset="0"/>
+            </a:endParaRPr>
+          </a:p>
+          <a:p>
+            <a:pPr marL="400050" lvl="1" indent="0">
+              <a:buFontTx/>
+              <a:buNone/>
+            </a:pPr>
+            <a:r>
+              <a:rPr lang="en-IN" altLang="en-US" sz="2000">
+                <a:solidFill>
+                  <a:srgbClr val="646464"/>
+                </a:solidFill>
+                <a:latin typeface="Consolas" panose="020B0609020204030204" pitchFamily="49" charset="0"/>
+              </a:rPr>
+              <a:t>@Override</a:t>
+            </a:r>
+          </a:p>
+          <a:p>
+            <a:pPr marL="400050" lvl="1" indent="0">
+              <a:buFontTx/>
+              <a:buNone/>
+            </a:pPr>
+            <a:r>
+              <a:rPr lang="en-IN" altLang="en-US" sz="2000" b="1">
+                <a:solidFill>
+                  <a:srgbClr val="7F0055"/>
+                </a:solidFill>
+                <a:latin typeface="Consolas" panose="020B0609020204030204" pitchFamily="49" charset="0"/>
+              </a:rPr>
+              <a:t>public</a:t>
+            </a:r>
+            <a:r>
+              <a:rPr lang="en-IN" altLang="en-US" sz="2000" b="1">
+                <a:solidFill>
+                  <a:srgbClr val="000000"/>
+                </a:solidFill>
+                <a:latin typeface="Consolas" panose="020B0609020204030204" pitchFamily="49" charset="0"/>
+              </a:rPr>
+              <a:t> Mono&lt;Void&gt; filter(ServerWebExchange </a:t>
+            </a:r>
+            <a:r>
+              <a:rPr lang="en-IN" altLang="en-US" sz="2000" b="1">
+                <a:solidFill>
+                  <a:srgbClr val="6A3E3E"/>
+                </a:solidFill>
+                <a:latin typeface="Consolas" panose="020B0609020204030204" pitchFamily="49" charset="0"/>
+              </a:rPr>
+              <a:t>exchange</a:t>
+            </a:r>
+            <a:r>
+              <a:rPr lang="en-IN" altLang="en-US" sz="2000" b="1">
+                <a:solidFill>
+                  <a:srgbClr val="000000"/>
+                </a:solidFill>
+                <a:latin typeface="Consolas" panose="020B0609020204030204" pitchFamily="49" charset="0"/>
+              </a:rPr>
+              <a:t>, GatewayFilterChain </a:t>
+            </a:r>
+            <a:r>
+              <a:rPr lang="en-IN" altLang="en-US" sz="2000" b="1">
+                <a:solidFill>
+                  <a:srgbClr val="6A3E3E"/>
+                </a:solidFill>
+                <a:latin typeface="Consolas" panose="020B0609020204030204" pitchFamily="49" charset="0"/>
+              </a:rPr>
+              <a:t>chain</a:t>
+            </a:r>
+            <a:r>
+              <a:rPr lang="en-IN" altLang="en-US" sz="2000" b="1">
+                <a:solidFill>
+                  <a:srgbClr val="000000"/>
+                </a:solidFill>
+                <a:latin typeface="Consolas" panose="020B0609020204030204" pitchFamily="49" charset="0"/>
+              </a:rPr>
+              <a:t>) {</a:t>
+            </a:r>
+          </a:p>
+          <a:p>
+            <a:pPr marL="400050" lvl="1" indent="0">
+              <a:buFontTx/>
+              <a:buNone/>
+            </a:pPr>
+            <a:endParaRPr lang="en-IN" altLang="en-US" sz="2000">
+              <a:latin typeface="Consolas" panose="020B0609020204030204" pitchFamily="49" charset="0"/>
+            </a:endParaRPr>
+          </a:p>
+          <a:p>
+            <a:pPr marL="400050" lvl="1" indent="0">
+              <a:buFontTx/>
+              <a:buNone/>
+            </a:pPr>
+            <a:r>
+              <a:rPr lang="en-IN" altLang="en-US" sz="2000">
+                <a:solidFill>
+                  <a:srgbClr val="000000"/>
+                </a:solidFill>
+                <a:latin typeface="Consolas" panose="020B0609020204030204" pitchFamily="49" charset="0"/>
+              </a:rPr>
+              <a:t>ServerHttpRequest </a:t>
+            </a:r>
+            <a:r>
+              <a:rPr lang="en-IN" altLang="en-US" sz="2000">
+                <a:solidFill>
+                  <a:srgbClr val="6A3E3E"/>
+                </a:solidFill>
+                <a:latin typeface="Consolas" panose="020B0609020204030204" pitchFamily="49" charset="0"/>
+              </a:rPr>
+              <a:t>request</a:t>
+            </a:r>
+            <a:r>
+              <a:rPr lang="en-IN" altLang="en-US" sz="2000">
+                <a:solidFill>
+                  <a:srgbClr val="000000"/>
+                </a:solidFill>
+                <a:latin typeface="Consolas" panose="020B0609020204030204" pitchFamily="49" charset="0"/>
+              </a:rPr>
+              <a:t> = </a:t>
+            </a:r>
+            <a:r>
+              <a:rPr lang="en-IN" altLang="en-US" sz="2000">
+                <a:solidFill>
+                  <a:srgbClr val="6A3E3E"/>
+                </a:solidFill>
+                <a:latin typeface="Consolas" panose="020B0609020204030204" pitchFamily="49" charset="0"/>
+              </a:rPr>
+              <a:t>exchange</a:t>
+            </a:r>
+            <a:r>
+              <a:rPr lang="en-IN" altLang="en-US" sz="2000">
+                <a:solidFill>
+                  <a:srgbClr val="000000"/>
+                </a:solidFill>
+                <a:latin typeface="Consolas" panose="020B0609020204030204" pitchFamily="49" charset="0"/>
+              </a:rPr>
+              <a:t>.getRequest();</a:t>
+            </a:r>
+          </a:p>
+          <a:p>
+            <a:pPr marL="400050" lvl="1" indent="0">
+              <a:buFontTx/>
+              <a:buNone/>
+            </a:pPr>
+            <a:endParaRPr lang="en-IN" altLang="en-US" sz="2000">
+              <a:latin typeface="Consolas" panose="020B0609020204030204" pitchFamily="49" charset="0"/>
+            </a:endParaRPr>
+          </a:p>
+          <a:p>
+            <a:pPr marL="400050" lvl="1" indent="0">
+              <a:buFontTx/>
+              <a:buNone/>
+            </a:pPr>
+            <a:r>
+              <a:rPr lang="en-US" altLang="en-US" sz="2000" b="1" i="1" u="sng">
+                <a:solidFill>
+                  <a:srgbClr val="000000"/>
+                </a:solidFill>
+                <a:latin typeface="Consolas" panose="020B0609020204030204" pitchFamily="49" charset="0"/>
+              </a:rPr>
+              <a:t>Log.info(r</a:t>
+            </a:r>
+            <a:r>
+              <a:rPr lang="en-US" altLang="en-US" sz="2000" b="1" i="1" u="sng">
+                <a:solidFill>
+                  <a:srgbClr val="6A3E3E"/>
+                </a:solidFill>
+                <a:latin typeface="Consolas" panose="020B0609020204030204" pitchFamily="49" charset="0"/>
+              </a:rPr>
+              <a:t>equest</a:t>
+            </a:r>
+            <a:r>
+              <a:rPr lang="en-US" altLang="en-US" sz="2000" b="1" i="1" u="sng">
+                <a:solidFill>
+                  <a:srgbClr val="000000"/>
+                </a:solidFill>
+                <a:latin typeface="Consolas" panose="020B0609020204030204" pitchFamily="49" charset="0"/>
+              </a:rPr>
+              <a:t>.getPath().toString());</a:t>
+            </a:r>
+          </a:p>
+          <a:p>
+            <a:pPr marL="400050" lvl="1" indent="0">
+              <a:buFontTx/>
+              <a:buNone/>
+            </a:pPr>
+            <a:r>
+              <a:rPr lang="en-IN" altLang="en-US" sz="2000">
+                <a:solidFill>
+                  <a:srgbClr val="000000"/>
+                </a:solidFill>
+                <a:latin typeface="Consolas" panose="020B0609020204030204" pitchFamily="49" charset="0"/>
+              </a:rPr>
+              <a:t>        </a:t>
+            </a:r>
+          </a:p>
+          <a:p>
+            <a:pPr marL="400050" lvl="1" indent="0">
+              <a:buFontTx/>
+              <a:buNone/>
+            </a:pPr>
+            <a:r>
+              <a:rPr lang="en-IN" altLang="en-US" sz="2000" b="1">
+                <a:solidFill>
+                  <a:srgbClr val="000000"/>
+                </a:solidFill>
+                <a:latin typeface="Consolas" panose="020B0609020204030204" pitchFamily="49" charset="0"/>
+              </a:rPr>
+              <a:t>      </a:t>
+            </a:r>
+            <a:r>
+              <a:rPr lang="en-IN" altLang="en-US" sz="2000" b="1">
+                <a:solidFill>
+                  <a:srgbClr val="7F0055"/>
+                </a:solidFill>
+                <a:latin typeface="Consolas" panose="020B0609020204030204" pitchFamily="49" charset="0"/>
+              </a:rPr>
+              <a:t>return</a:t>
+            </a:r>
+            <a:r>
+              <a:rPr lang="en-IN" altLang="en-US" sz="2000" b="1">
+                <a:solidFill>
+                  <a:srgbClr val="000000"/>
+                </a:solidFill>
+                <a:latin typeface="Consolas" panose="020B0609020204030204" pitchFamily="49" charset="0"/>
+              </a:rPr>
+              <a:t> </a:t>
+            </a:r>
+            <a:r>
+              <a:rPr lang="en-IN" altLang="en-US" sz="2000" b="1">
+                <a:solidFill>
+                  <a:srgbClr val="6A3E3E"/>
+                </a:solidFill>
+                <a:latin typeface="Consolas" panose="020B0609020204030204" pitchFamily="49" charset="0"/>
+              </a:rPr>
+              <a:t>chain</a:t>
+            </a:r>
+            <a:r>
+              <a:rPr lang="en-IN" altLang="en-US" sz="2000" b="1">
+                <a:solidFill>
+                  <a:srgbClr val="000000"/>
+                </a:solidFill>
+                <a:latin typeface="Consolas" panose="020B0609020204030204" pitchFamily="49" charset="0"/>
+              </a:rPr>
+              <a:t>.filter(</a:t>
+            </a:r>
+            <a:r>
+              <a:rPr lang="en-IN" altLang="en-US" sz="2000" b="1">
+                <a:solidFill>
+                  <a:srgbClr val="6A3E3E"/>
+                </a:solidFill>
+                <a:latin typeface="Consolas" panose="020B0609020204030204" pitchFamily="49" charset="0"/>
+              </a:rPr>
+              <a:t>exchange</a:t>
+            </a:r>
+            <a:r>
+              <a:rPr lang="en-IN" altLang="en-US" sz="2000" b="1">
+                <a:solidFill>
+                  <a:srgbClr val="000000"/>
+                </a:solidFill>
+                <a:latin typeface="Consolas" panose="020B0609020204030204" pitchFamily="49" charset="0"/>
+              </a:rPr>
+              <a:t>);}</a:t>
+            </a:r>
+          </a:p>
+          <a:p>
+            <a:pPr marL="400050" lvl="1" indent="0">
+              <a:buFontTx/>
+              <a:buNone/>
+            </a:pPr>
+            <a:r>
+              <a:rPr lang="en-IN" altLang="en-US" sz="2000">
+                <a:solidFill>
+                  <a:srgbClr val="000000"/>
+                </a:solidFill>
+                <a:latin typeface="Consolas" panose="020B0609020204030204" pitchFamily="49" charset="0"/>
+              </a:rPr>
+              <a:t>}</a:t>
+            </a:r>
+          </a:p>
+          <a:p>
+            <a:pPr marL="400050" lvl="1" indent="0">
+              <a:buFontTx/>
+              <a:buNone/>
+            </a:pPr>
+            <a:endParaRPr lang="en-IN" altLang="en-US" sz="2000"/>
+          </a:p>
+        </p:txBody>
+      </p:sp>
+    </p:spTree>
+  </p:cSld>
+  <p:clrMapOvr>
+    <a:masterClrMapping/>
+  </p:clrMapOvr>
+</p:sld>
+</file>
+
+<file path=ppt/slides/slide103.xml><?xml version="1.0" encoding="utf-8"?>
+<p:sld xmlns:a="http://schemas.openxmlformats.org/drawingml/2006/main" xmlns:r="http://schemas.openxmlformats.org/officeDocument/2006/relationships" xmlns:p="http://schemas.openxmlformats.org/presentationml/2006/main">
+  <p:cSld>
+    <p:spTree>
+      <p:nvGrpSpPr>
+        <p:cNvPr id="1" name=""/>
+        <p:cNvGrpSpPr/>
+        <p:nvPr/>
+      </p:nvGrpSpPr>
+      <p:grpSpPr>
+        <a:xfrm>
+          <a:off x="0" y="0"/>
+          <a:ext cx="0" cy="0"/>
+          <a:chOff x="0" y="0"/>
+          <a:chExt cx="0" cy="0"/>
+        </a:xfrm>
+      </p:grpSpPr>
+      <p:sp>
+        <p:nvSpPr>
           <p:cNvPr id="118785" name="Title 1">
             <a:extLst>
               <a:ext uri="{FF2B5EF4-FFF2-40B4-BE49-F238E27FC236}">
@@ -6791,7 +8451,7 @@
 </p:sld>
 </file>
 
-<file path=ppt/slides/slide101.xml><?xml version="1.0" encoding="utf-8"?>
+<file path=ppt/slides/slide104.xml><?xml version="1.0" encoding="utf-8"?>
 <p:sld xmlns:a="http://schemas.openxmlformats.org/drawingml/2006/main" xmlns:r="http://schemas.openxmlformats.org/officeDocument/2006/relationships" xmlns:p="http://schemas.openxmlformats.org/presentationml/2006/main">
   <p:cSld>
     <p:spTree>
@@ -7211,7 +8871,7 @@
 </p:sld>
 </file>
 
-<file path=ppt/slides/slide102.xml><?xml version="1.0" encoding="utf-8"?>
+<file path=ppt/slides/slide105.xml><?xml version="1.0" encoding="utf-8"?>
 <p:sld xmlns:a="http://schemas.openxmlformats.org/drawingml/2006/main" xmlns:r="http://schemas.openxmlformats.org/officeDocument/2006/relationships" xmlns:p="http://schemas.openxmlformats.org/presentationml/2006/main">
   <p:cSld>
     <p:spTree>
@@ -7516,7 +9176,7 @@
 </p:sld>
 </file>
 
-<file path=ppt/slides/slide103.xml><?xml version="1.0" encoding="utf-8"?>
+<file path=ppt/slides/slide106.xml><?xml version="1.0" encoding="utf-8"?>
 <p:sld xmlns:a="http://schemas.openxmlformats.org/drawingml/2006/main" xmlns:r="http://schemas.openxmlformats.org/officeDocument/2006/relationships" xmlns:p="http://schemas.openxmlformats.org/presentationml/2006/main">
   <p:cSld>
     <p:spTree>
@@ -7705,7 +9365,7 @@
 </p:sld>
 </file>
 
-<file path=ppt/slides/slide104.xml><?xml version="1.0" encoding="utf-8"?>
+<file path=ppt/slides/slide107.xml><?xml version="1.0" encoding="utf-8"?>
 <p:sld xmlns:a="http://schemas.openxmlformats.org/drawingml/2006/main" xmlns:r="http://schemas.openxmlformats.org/officeDocument/2006/relationships" xmlns:p="http://schemas.openxmlformats.org/presentationml/2006/main">
   <p:cSld>
     <p:spTree>
@@ -8079,7 +9739,7 @@
 </p:sld>
 </file>
 
-<file path=ppt/slides/slide105.xml><?xml version="1.0" encoding="utf-8"?>
+<file path=ppt/slides/slide108.xml><?xml version="1.0" encoding="utf-8"?>
 <p:sld xmlns:a="http://schemas.openxmlformats.org/drawingml/2006/main" xmlns:r="http://schemas.openxmlformats.org/officeDocument/2006/relationships" xmlns:p="http://schemas.openxmlformats.org/presentationml/2006/main">
   <p:cSld>
     <p:spTree>
@@ -8364,7 +10024,7 @@
 </p:sld>
 </file>
 
-<file path=ppt/slides/slide106.xml><?xml version="1.0" encoding="utf-8"?>
+<file path=ppt/slides/slide109.xml><?xml version="1.0" encoding="utf-8"?>
 <p:sld xmlns:a="http://schemas.openxmlformats.org/drawingml/2006/main" xmlns:r="http://schemas.openxmlformats.org/officeDocument/2006/relationships" xmlns:p="http://schemas.openxmlformats.org/presentationml/2006/main">
   <p:cSld>
     <p:spTree>
@@ -8847,1799 +10507,6 @@
           </a:p>
         </p:txBody>
       </p:sp>
-    </p:spTree>
-  </p:cSld>
-  <p:clrMapOvr>
-    <a:masterClrMapping/>
-  </p:clrMapOvr>
-</p:sld>
-</file>
-
-<file path=ppt/slides/slide107.xml><?xml version="1.0" encoding="utf-8"?>
-<p:sld xmlns:a="http://schemas.openxmlformats.org/drawingml/2006/main" xmlns:r="http://schemas.openxmlformats.org/officeDocument/2006/relationships" xmlns:p="http://schemas.openxmlformats.org/presentationml/2006/main">
-  <p:cSld>
-    <p:spTree>
-      <p:nvGrpSpPr>
-        <p:cNvPr id="1" name=""/>
-        <p:cNvGrpSpPr/>
-        <p:nvPr/>
-      </p:nvGrpSpPr>
-      <p:grpSpPr>
-        <a:xfrm>
-          <a:off x="0" y="0"/>
-          <a:ext cx="0" cy="0"/>
-          <a:chOff x="0" y="0"/>
-          <a:chExt cx="0" cy="0"/>
-        </a:xfrm>
-      </p:grpSpPr>
-      <p:sp>
-        <p:nvSpPr>
-          <p:cNvPr id="125953" name="Title 1">
-            <a:extLst>
-              <a:ext uri="{FF2B5EF4-FFF2-40B4-BE49-F238E27FC236}">
-                <a16:creationId xmlns:a16="http://schemas.microsoft.com/office/drawing/2014/main" id="{7C2C1E42-1040-CB97-7841-958441CA41E5}"/>
-              </a:ext>
-            </a:extLst>
-          </p:cNvPr>
-          <p:cNvSpPr>
-            <a:spLocks noGrp="1" noChangeArrowheads="1"/>
-          </p:cNvSpPr>
-          <p:nvPr>
-            <p:ph type="title"/>
-          </p:nvPr>
-        </p:nvSpPr>
-        <p:spPr/>
-        <p:txBody>
-          <a:bodyPr/>
-          <a:lstStyle/>
-          <a:p>
-            <a:r>
-              <a:rPr lang="en-US" altLang="en-US"/>
-              <a:t>Retry</a:t>
-            </a:r>
-          </a:p>
-        </p:txBody>
-      </p:sp>
-      <p:sp>
-        <p:nvSpPr>
-          <p:cNvPr id="3" name="Content Placeholder 2">
-            <a:extLst>
-              <a:ext uri="{FF2B5EF4-FFF2-40B4-BE49-F238E27FC236}">
-                <a16:creationId xmlns:a16="http://schemas.microsoft.com/office/drawing/2014/main" id="{D9961206-513C-A2F2-3C02-EBD794AA8E41}"/>
-              </a:ext>
-            </a:extLst>
-          </p:cNvPr>
-          <p:cNvSpPr>
-            <a:spLocks noGrp="1"/>
-          </p:cNvSpPr>
-          <p:nvPr>
-            <p:ph idx="1"/>
-          </p:nvPr>
-        </p:nvSpPr>
-        <p:spPr/>
-        <p:txBody>
-          <a:bodyPr/>
-          <a:lstStyle/>
-          <a:p>
-            <a:pPr marL="0" indent="0">
-              <a:spcBef>
-                <a:spcPct val="0"/>
-              </a:spcBef>
-              <a:buFontTx/>
-              <a:buNone/>
-              <a:defRPr/>
-            </a:pPr>
-            <a:r>
-              <a:rPr lang="en-US" altLang="en-US" sz="2000" dirty="0">
-                <a:solidFill>
-                  <a:srgbClr val="404040"/>
-                </a:solidFill>
-              </a:rPr>
-              <a:t> Service may fail due to various reasons such as a network outage, server being down, network glitch, rate limit, etc.</a:t>
-            </a:r>
-          </a:p>
-          <a:p>
-            <a:pPr marL="0" indent="0">
-              <a:spcBef>
-                <a:spcPct val="0"/>
-              </a:spcBef>
-              <a:buFontTx/>
-              <a:buNone/>
-              <a:defRPr/>
-            </a:pPr>
-            <a:endParaRPr lang="en-US" altLang="en-US" sz="2000" dirty="0">
-              <a:solidFill>
-                <a:srgbClr val="404040"/>
-              </a:solidFill>
-            </a:endParaRPr>
-          </a:p>
-          <a:p>
-            <a:pPr marL="0" indent="0">
-              <a:spcBef>
-                <a:spcPct val="0"/>
-              </a:spcBef>
-              <a:buFontTx/>
-              <a:buNone/>
-              <a:defRPr/>
-            </a:pPr>
-            <a:r>
-              <a:rPr lang="en-US" altLang="en-US" sz="2000" dirty="0">
-                <a:solidFill>
-                  <a:srgbClr val="404040"/>
-                </a:solidFill>
-              </a:rPr>
-              <a:t>Can try to retry the operation a few times before sending an error response to the client.</a:t>
-            </a:r>
-            <a:endParaRPr lang="en-US" altLang="en-US" sz="2000" dirty="0"/>
-          </a:p>
-          <a:p>
-            <a:pPr marL="0" indent="0">
-              <a:spcBef>
-                <a:spcPct val="0"/>
-              </a:spcBef>
-              <a:buFontTx/>
-              <a:buNone/>
-              <a:defRPr/>
-            </a:pPr>
-            <a:endParaRPr lang="en-US" altLang="en-US" sz="2000" dirty="0"/>
-          </a:p>
-          <a:p>
-            <a:pPr marL="0" indent="0">
-              <a:spcBef>
-                <a:spcPct val="0"/>
-              </a:spcBef>
-              <a:buFontTx/>
-              <a:buNone/>
-              <a:defRPr/>
-            </a:pPr>
-            <a:r>
-              <a:rPr lang="en-US" altLang="en-US" sz="2000" dirty="0"/>
-              <a:t>Retries increase the chance of getting a response back from a remote service when it’s momentarily overloaded or unresponsive.</a:t>
-            </a:r>
-          </a:p>
-          <a:p>
-            <a:pPr marL="0" indent="0">
-              <a:spcBef>
-                <a:spcPct val="0"/>
-              </a:spcBef>
-              <a:buFontTx/>
-              <a:buNone/>
-              <a:defRPr/>
-            </a:pPr>
-            <a:endParaRPr lang="en-US" altLang="en-US" sz="2000" dirty="0">
-              <a:solidFill>
-                <a:srgbClr val="404040"/>
-              </a:solidFill>
-            </a:endParaRPr>
-          </a:p>
-          <a:p>
-            <a:pPr>
-              <a:defRPr/>
-            </a:pPr>
-            <a:endParaRPr lang="en-US" sz="2000" dirty="0"/>
-          </a:p>
-        </p:txBody>
-      </p:sp>
-    </p:spTree>
-  </p:cSld>
-  <p:clrMapOvr>
-    <a:masterClrMapping/>
-  </p:clrMapOvr>
-</p:sld>
-</file>
-
-<file path=ppt/slides/slide108.xml><?xml version="1.0" encoding="utf-8"?>
-<p:sld xmlns:a="http://schemas.openxmlformats.org/drawingml/2006/main" xmlns:r="http://schemas.openxmlformats.org/officeDocument/2006/relationships" xmlns:p="http://schemas.openxmlformats.org/presentationml/2006/main">
-  <p:cSld>
-    <p:spTree>
-      <p:nvGrpSpPr>
-        <p:cNvPr id="1" name=""/>
-        <p:cNvGrpSpPr/>
-        <p:nvPr/>
-      </p:nvGrpSpPr>
-      <p:grpSpPr>
-        <a:xfrm>
-          <a:off x="0" y="0"/>
-          <a:ext cx="0" cy="0"/>
-          <a:chOff x="0" y="0"/>
-          <a:chExt cx="0" cy="0"/>
-        </a:xfrm>
-      </p:grpSpPr>
-      <p:sp>
-        <p:nvSpPr>
-          <p:cNvPr id="126977" name="Title 1">
-            <a:extLst>
-              <a:ext uri="{FF2B5EF4-FFF2-40B4-BE49-F238E27FC236}">
-                <a16:creationId xmlns:a16="http://schemas.microsoft.com/office/drawing/2014/main" id="{16DC6D18-EEDE-93FE-D5AD-03F990936ABE}"/>
-              </a:ext>
-            </a:extLst>
-          </p:cNvPr>
-          <p:cNvSpPr>
-            <a:spLocks noGrp="1" noChangeArrowheads="1"/>
-          </p:cNvSpPr>
-          <p:nvPr>
-            <p:ph type="title"/>
-          </p:nvPr>
-        </p:nvSpPr>
-        <p:spPr>
-          <a:xfrm>
-            <a:off x="457200" y="228600"/>
-            <a:ext cx="8229600" cy="639763"/>
-          </a:xfrm>
-        </p:spPr>
-        <p:txBody>
-          <a:bodyPr/>
-          <a:lstStyle/>
-          <a:p>
-            <a:r>
-              <a:rPr lang="en-US" altLang="en-US"/>
-              <a:t>Retry</a:t>
-            </a:r>
-          </a:p>
-        </p:txBody>
-      </p:sp>
-      <p:sp>
-        <p:nvSpPr>
-          <p:cNvPr id="3" name="Content Placeholder 2">
-            <a:extLst>
-              <a:ext uri="{FF2B5EF4-FFF2-40B4-BE49-F238E27FC236}">
-                <a16:creationId xmlns:a16="http://schemas.microsoft.com/office/drawing/2014/main" id="{A6212680-86C9-D85C-09FC-CBED21957B2F}"/>
-              </a:ext>
-            </a:extLst>
-          </p:cNvPr>
-          <p:cNvSpPr>
-            <a:spLocks noGrp="1"/>
-          </p:cNvSpPr>
-          <p:nvPr>
-            <p:ph idx="1"/>
-          </p:nvPr>
-        </p:nvSpPr>
-        <p:spPr>
-          <a:xfrm>
-            <a:off x="457200" y="868363"/>
-            <a:ext cx="8229600" cy="5257800"/>
-          </a:xfrm>
-        </p:spPr>
-        <p:txBody>
-          <a:bodyPr/>
-          <a:lstStyle/>
-          <a:p>
-            <a:pPr marL="400050" lvl="1" indent="0">
-              <a:spcBef>
-                <a:spcPct val="0"/>
-              </a:spcBef>
-              <a:buFontTx/>
-              <a:buChar char="•"/>
-              <a:defRPr/>
-            </a:pPr>
-            <a:r>
-              <a:rPr lang="en-US" altLang="en-US" sz="2000" b="1" dirty="0">
-                <a:solidFill>
-                  <a:srgbClr val="404040"/>
-                </a:solidFill>
-              </a:rPr>
-              <a:t>Limit the number of retries</a:t>
-            </a:r>
-            <a:r>
-              <a:rPr lang="en-US" altLang="en-US" sz="2000" dirty="0">
-                <a:solidFill>
-                  <a:srgbClr val="404040"/>
-                </a:solidFill>
-              </a:rPr>
-              <a:t>: </a:t>
-            </a:r>
-          </a:p>
-          <a:p>
-            <a:pPr lvl="2" indent="-342900">
-              <a:spcBef>
-                <a:spcPct val="0"/>
-              </a:spcBef>
-              <a:defRPr/>
-            </a:pPr>
-            <a:r>
-              <a:rPr lang="en-US" altLang="en-US" sz="2000" dirty="0">
-                <a:solidFill>
-                  <a:srgbClr val="404040"/>
-                </a:solidFill>
-              </a:rPr>
-              <a:t>Do not retry indefinitely. </a:t>
-            </a:r>
-          </a:p>
-          <a:p>
-            <a:pPr lvl="2" indent="-342900">
-              <a:spcBef>
-                <a:spcPct val="0"/>
-              </a:spcBef>
-              <a:defRPr/>
-            </a:pPr>
-            <a:r>
-              <a:rPr lang="en-US" altLang="en-US" sz="2000" dirty="0">
-                <a:solidFill>
-                  <a:srgbClr val="404040"/>
-                </a:solidFill>
-              </a:rPr>
-              <a:t>If the API call is still failing after the set number of retries, it’s better to communicate the failure.</a:t>
-            </a:r>
-          </a:p>
-          <a:p>
-            <a:pPr marL="400050" lvl="1" indent="0">
-              <a:spcBef>
-                <a:spcPct val="0"/>
-              </a:spcBef>
-              <a:buFontTx/>
-              <a:buChar char="•"/>
-              <a:defRPr/>
-            </a:pPr>
-            <a:endParaRPr lang="en-US" altLang="en-US" sz="2000" b="1" dirty="0">
-              <a:solidFill>
-                <a:srgbClr val="404040"/>
-              </a:solidFill>
-            </a:endParaRPr>
-          </a:p>
-          <a:p>
-            <a:pPr marL="400050" lvl="1" indent="0">
-              <a:spcBef>
-                <a:spcPct val="0"/>
-              </a:spcBef>
-              <a:buFontTx/>
-              <a:buChar char="•"/>
-              <a:defRPr/>
-            </a:pPr>
-            <a:r>
-              <a:rPr lang="en-US" altLang="en-US" sz="2000" b="1" dirty="0">
-                <a:solidFill>
-                  <a:srgbClr val="404040"/>
-                </a:solidFill>
-              </a:rPr>
-              <a:t>Retry only for transient/server-side errors</a:t>
-            </a:r>
-            <a:r>
-              <a:rPr lang="en-US" altLang="en-US" sz="2000" dirty="0">
-                <a:solidFill>
-                  <a:srgbClr val="404040"/>
-                </a:solidFill>
-              </a:rPr>
-              <a:t>: </a:t>
-            </a:r>
-          </a:p>
-          <a:p>
-            <a:pPr lvl="2" indent="-342900">
-              <a:spcBef>
-                <a:spcPct val="0"/>
-              </a:spcBef>
-              <a:defRPr/>
-            </a:pPr>
-            <a:r>
-              <a:rPr lang="en-US" altLang="en-US" sz="2000" dirty="0">
-                <a:solidFill>
-                  <a:srgbClr val="404040"/>
-                </a:solidFill>
-              </a:rPr>
-              <a:t>Transient errors are temporary and are most likely resolved by retrying a few times. </a:t>
-            </a:r>
-          </a:p>
-          <a:p>
-            <a:pPr lvl="2" indent="-342900">
-              <a:spcBef>
-                <a:spcPct val="0"/>
-              </a:spcBef>
-              <a:defRPr/>
-            </a:pPr>
-            <a:r>
-              <a:rPr lang="en-US" altLang="en-US" sz="2000" dirty="0">
-                <a:solidFill>
-                  <a:srgbClr val="404040"/>
-                </a:solidFill>
-              </a:rPr>
-              <a:t>Do not retry for failures caused by invalid data or authentication errors since retries would not help here.</a:t>
-            </a:r>
-          </a:p>
-          <a:p>
-            <a:pPr marL="400050" lvl="1" indent="0">
-              <a:spcBef>
-                <a:spcPct val="0"/>
-              </a:spcBef>
-              <a:buFontTx/>
-              <a:buChar char="•"/>
-              <a:defRPr/>
-            </a:pPr>
-            <a:endParaRPr lang="en-US" altLang="en-US" sz="2000" b="1" dirty="0">
-              <a:solidFill>
-                <a:srgbClr val="404040"/>
-              </a:solidFill>
-            </a:endParaRPr>
-          </a:p>
-          <a:p>
-            <a:pPr marL="400050" lvl="1" indent="0">
-              <a:spcBef>
-                <a:spcPct val="0"/>
-              </a:spcBef>
-              <a:buFontTx/>
-              <a:buChar char="•"/>
-              <a:defRPr/>
-            </a:pPr>
-            <a:r>
-              <a:rPr lang="en-US" altLang="en-US" sz="2000" b="1" dirty="0">
-                <a:solidFill>
-                  <a:srgbClr val="404040"/>
-                </a:solidFill>
-              </a:rPr>
-              <a:t>Watch out for time spent</a:t>
-            </a:r>
-            <a:r>
-              <a:rPr lang="en-US" altLang="en-US" sz="2000" dirty="0">
-                <a:solidFill>
-                  <a:srgbClr val="404040"/>
-                </a:solidFill>
-              </a:rPr>
-              <a:t>: </a:t>
-            </a:r>
-          </a:p>
-          <a:p>
-            <a:pPr marL="800100" lvl="2" indent="0">
-              <a:spcBef>
-                <a:spcPct val="0"/>
-              </a:spcBef>
-              <a:defRPr/>
-            </a:pPr>
-            <a:r>
-              <a:rPr lang="en-US" altLang="en-US" sz="2000" dirty="0">
-                <a:solidFill>
-                  <a:srgbClr val="404040"/>
-                </a:solidFill>
-              </a:rPr>
-              <a:t>We must remember to balance resilience and user experience. You don’t want users to wait too long while retrying the request behind the scenes. </a:t>
-            </a:r>
-          </a:p>
-          <a:p>
-            <a:pPr>
-              <a:defRPr/>
-            </a:pPr>
-            <a:endParaRPr lang="en-US" sz="2000" dirty="0"/>
-          </a:p>
-        </p:txBody>
-      </p:sp>
-    </p:spTree>
-  </p:cSld>
-  <p:clrMapOvr>
-    <a:masterClrMapping/>
-  </p:clrMapOvr>
-</p:sld>
-</file>
-
-<file path=ppt/slides/slide109.xml><?xml version="1.0" encoding="utf-8"?>
-<p:sld xmlns:a="http://schemas.openxmlformats.org/drawingml/2006/main" xmlns:r="http://schemas.openxmlformats.org/officeDocument/2006/relationships" xmlns:p="http://schemas.openxmlformats.org/presentationml/2006/main">
-  <p:cSld>
-    <p:spTree>
-      <p:nvGrpSpPr>
-        <p:cNvPr id="1" name=""/>
-        <p:cNvGrpSpPr/>
-        <p:nvPr/>
-      </p:nvGrpSpPr>
-      <p:grpSpPr>
-        <a:xfrm>
-          <a:off x="0" y="0"/>
-          <a:ext cx="0" cy="0"/>
-          <a:chOff x="0" y="0"/>
-          <a:chExt cx="0" cy="0"/>
-        </a:xfrm>
-      </p:grpSpPr>
-      <p:sp>
-        <p:nvSpPr>
-          <p:cNvPr id="128001" name="Title 1">
-            <a:extLst>
-              <a:ext uri="{FF2B5EF4-FFF2-40B4-BE49-F238E27FC236}">
-                <a16:creationId xmlns:a16="http://schemas.microsoft.com/office/drawing/2014/main" id="{3ABD852E-69A5-423F-5004-7C1A66714E5D}"/>
-              </a:ext>
-            </a:extLst>
-          </p:cNvPr>
-          <p:cNvSpPr>
-            <a:spLocks noGrp="1" noChangeArrowheads="1"/>
-          </p:cNvSpPr>
-          <p:nvPr>
-            <p:ph type="title"/>
-          </p:nvPr>
-        </p:nvSpPr>
-        <p:spPr/>
-        <p:txBody>
-          <a:bodyPr/>
-          <a:lstStyle/>
-          <a:p>
-            <a:r>
-              <a:rPr lang="en-US" altLang="en-US"/>
-              <a:t>Retry Configuration</a:t>
-            </a:r>
-          </a:p>
-        </p:txBody>
-      </p:sp>
-      <p:graphicFrame>
-        <p:nvGraphicFramePr>
-          <p:cNvPr id="4" name="Content Placeholder 3">
-            <a:extLst>
-              <a:ext uri="{FF2B5EF4-FFF2-40B4-BE49-F238E27FC236}">
-                <a16:creationId xmlns:a16="http://schemas.microsoft.com/office/drawing/2014/main" id="{E8E0849F-174C-E92C-EA6C-36487533A7A7}"/>
-              </a:ext>
-            </a:extLst>
-          </p:cNvPr>
-          <p:cNvGraphicFramePr>
-            <a:graphicFrameLocks noGrp="1"/>
-          </p:cNvGraphicFramePr>
-          <p:nvPr>
-            <p:ph idx="1"/>
-          </p:nvPr>
-        </p:nvGraphicFramePr>
-        <p:xfrm>
-          <a:off x="457200" y="1066800"/>
-          <a:ext cx="8229600" cy="5105400"/>
-        </p:xfrm>
-        <a:graphic>
-          <a:graphicData uri="http://schemas.openxmlformats.org/drawingml/2006/table">
-            <a:tbl>
-              <a:tblPr/>
-              <a:tblGrid>
-                <a:gridCol w="4114800">
-                  <a:extLst>
-                    <a:ext uri="{9D8B030D-6E8A-4147-A177-3AD203B41FA5}">
-                      <a16:colId xmlns:a16="http://schemas.microsoft.com/office/drawing/2014/main" val="20000"/>
-                    </a:ext>
-                  </a:extLst>
-                </a:gridCol>
-                <a:gridCol w="4114800">
-                  <a:extLst>
-                    <a:ext uri="{9D8B030D-6E8A-4147-A177-3AD203B41FA5}">
-                      <a16:colId xmlns:a16="http://schemas.microsoft.com/office/drawing/2014/main" val="20001"/>
-                    </a:ext>
-                  </a:extLst>
-                </a:gridCol>
-              </a:tblGrid>
-              <a:tr h="249044">
-                <a:tc>
-                  <a:txBody>
-                    <a:bodyPr/>
-                    <a:lstStyle/>
-                    <a:p>
-                      <a:r>
-                        <a:rPr lang="en-IN" sz="1200" b="1">
-                          <a:effectLst/>
-                        </a:rPr>
-                        <a:t>Retry Configuration</a:t>
-                      </a:r>
-                    </a:p>
-                  </a:txBody>
-                  <a:tcPr marL="61700" marR="61700" marT="30850" marB="30850" anchor="ctr">
-                    <a:lnL w="9525" cap="flat" cmpd="sng" algn="ctr">
-                      <a:solidFill>
-                        <a:srgbClr val="3006DD"/>
-                      </a:solidFill>
-                      <a:prstDash val="solid"/>
-                      <a:round/>
-                      <a:headEnd type="none" w="med" len="med"/>
-                      <a:tailEnd type="none" w="med" len="med"/>
-                    </a:lnL>
-                    <a:lnR w="9525" cap="flat" cmpd="sng" algn="ctr">
-                      <a:solidFill>
-                        <a:srgbClr val="3006DD"/>
-                      </a:solidFill>
-                      <a:prstDash val="solid"/>
-                      <a:round/>
-                      <a:headEnd type="none" w="med" len="med"/>
-                      <a:tailEnd type="none" w="med" len="med"/>
-                    </a:lnR>
-                    <a:lnT w="9525" cap="flat" cmpd="sng" algn="ctr">
-                      <a:solidFill>
-                        <a:srgbClr val="3006DD"/>
-                      </a:solidFill>
-                      <a:prstDash val="solid"/>
-                      <a:round/>
-                      <a:headEnd type="none" w="med" len="med"/>
-                      <a:tailEnd type="none" w="med" len="med"/>
-                    </a:lnT>
-                    <a:lnB w="9525" cap="flat" cmpd="sng" algn="ctr">
-                      <a:solidFill>
-                        <a:srgbClr val="3006DD"/>
-                      </a:solidFill>
-                      <a:prstDash val="solid"/>
-                      <a:round/>
-                      <a:headEnd type="none" w="med" len="med"/>
-                      <a:tailEnd type="none" w="med" len="med"/>
-                    </a:lnB>
-                    <a:noFill/>
-                  </a:tcPr>
-                </a:tc>
-                <a:tc>
-                  <a:txBody>
-                    <a:bodyPr/>
-                    <a:lstStyle/>
-                    <a:p>
-                      <a:r>
-                        <a:rPr lang="en-IN" sz="1200" b="1">
-                          <a:effectLst/>
-                        </a:rPr>
-                        <a:t>What does it do?</a:t>
-                      </a:r>
-                    </a:p>
-                  </a:txBody>
-                  <a:tcPr marL="61700" marR="61700" marT="30850" marB="30850" anchor="ctr">
-                    <a:lnL w="9525" cap="flat" cmpd="sng" algn="ctr">
-                      <a:solidFill>
-                        <a:srgbClr val="3006DD"/>
-                      </a:solidFill>
-                      <a:prstDash val="solid"/>
-                      <a:round/>
-                      <a:headEnd type="none" w="med" len="med"/>
-                      <a:tailEnd type="none" w="med" len="med"/>
-                    </a:lnL>
-                    <a:lnR w="9525" cap="flat" cmpd="sng" algn="ctr">
-                      <a:solidFill>
-                        <a:srgbClr val="3006DD"/>
-                      </a:solidFill>
-                      <a:prstDash val="solid"/>
-                      <a:round/>
-                      <a:headEnd type="none" w="med" len="med"/>
-                      <a:tailEnd type="none" w="med" len="med"/>
-                    </a:lnR>
-                    <a:lnT w="9525" cap="flat" cmpd="sng" algn="ctr">
-                      <a:solidFill>
-                        <a:srgbClr val="3006DD"/>
-                      </a:solidFill>
-                      <a:prstDash val="solid"/>
-                      <a:round/>
-                      <a:headEnd type="none" w="med" len="med"/>
-                      <a:tailEnd type="none" w="med" len="med"/>
-                    </a:lnT>
-                    <a:lnB w="9525" cap="flat" cmpd="sng" algn="ctr">
-                      <a:solidFill>
-                        <a:srgbClr val="3006DD"/>
-                      </a:solidFill>
-                      <a:prstDash val="solid"/>
-                      <a:round/>
-                      <a:headEnd type="none" w="med" len="med"/>
-                      <a:tailEnd type="none" w="med" len="med"/>
-                    </a:lnB>
-                    <a:noFill/>
-                  </a:tcPr>
-                </a:tc>
-                <a:extLst>
-                  <a:ext uri="{0D108BD9-81ED-4DB2-BD59-A6C34878D82A}">
-                    <a16:rowId xmlns:a16="http://schemas.microsoft.com/office/drawing/2014/main" val="10000"/>
-                  </a:ext>
-                </a:extLst>
-              </a:tr>
-              <a:tr h="435827">
-                <a:tc>
-                  <a:txBody>
-                    <a:bodyPr/>
-                    <a:lstStyle/>
-                    <a:p>
-                      <a:r>
-                        <a:rPr lang="en-IN" sz="1200">
-                          <a:effectLst/>
-                        </a:rPr>
-                        <a:t>webClient.get().retrieve()</a:t>
-                      </a:r>
-                      <a:br>
-                        <a:rPr lang="en-IN" sz="1200">
-                          <a:effectLst/>
-                        </a:rPr>
-                      </a:br>
-                      <a:r>
-                        <a:rPr lang="en-IN" sz="1200">
-                          <a:effectLst/>
-                        </a:rPr>
-                        <a:t>.bodyToMono(String.class);</a:t>
-                      </a:r>
-                    </a:p>
-                  </a:txBody>
-                  <a:tcPr marL="61700" marR="61700" marT="30850" marB="30850" anchor="ctr">
-                    <a:lnL w="9525" cap="flat" cmpd="sng" algn="ctr">
-                      <a:solidFill>
-                        <a:srgbClr val="3006DD"/>
-                      </a:solidFill>
-                      <a:prstDash val="solid"/>
-                      <a:round/>
-                      <a:headEnd type="none" w="med" len="med"/>
-                      <a:tailEnd type="none" w="med" len="med"/>
-                    </a:lnL>
-                    <a:lnR w="9525" cap="flat" cmpd="sng" algn="ctr">
-                      <a:solidFill>
-                        <a:srgbClr val="3006DD"/>
-                      </a:solidFill>
-                      <a:prstDash val="solid"/>
-                      <a:round/>
-                      <a:headEnd type="none" w="med" len="med"/>
-                      <a:tailEnd type="none" w="med" len="med"/>
-                    </a:lnR>
-                    <a:lnT w="9525" cap="flat" cmpd="sng" algn="ctr">
-                      <a:solidFill>
-                        <a:srgbClr val="3006DD"/>
-                      </a:solidFill>
-                      <a:prstDash val="solid"/>
-                      <a:round/>
-                      <a:headEnd type="none" w="med" len="med"/>
-                      <a:tailEnd type="none" w="med" len="med"/>
-                    </a:lnT>
-                    <a:lnB w="9525" cap="flat" cmpd="sng" algn="ctr">
-                      <a:solidFill>
-                        <a:srgbClr val="3006DD"/>
-                      </a:solidFill>
-                      <a:prstDash val="solid"/>
-                      <a:round/>
-                      <a:headEnd type="none" w="med" len="med"/>
-                      <a:tailEnd type="none" w="med" len="med"/>
-                    </a:lnB>
-                    <a:noFill/>
-                  </a:tcPr>
-                </a:tc>
-                <a:tc>
-                  <a:txBody>
-                    <a:bodyPr/>
-                    <a:lstStyle/>
-                    <a:p>
-                      <a:r>
-                        <a:rPr lang="en-IN" sz="1200">
-                          <a:effectLst/>
-                        </a:rPr>
-                        <a:t>No retry</a:t>
-                      </a:r>
-                    </a:p>
-                  </a:txBody>
-                  <a:tcPr marL="61700" marR="61700" marT="30850" marB="30850" anchor="ctr">
-                    <a:lnL w="9525" cap="flat" cmpd="sng" algn="ctr">
-                      <a:solidFill>
-                        <a:srgbClr val="3006DD"/>
-                      </a:solidFill>
-                      <a:prstDash val="solid"/>
-                      <a:round/>
-                      <a:headEnd type="none" w="med" len="med"/>
-                      <a:tailEnd type="none" w="med" len="med"/>
-                    </a:lnL>
-                    <a:lnR w="9525" cap="flat" cmpd="sng" algn="ctr">
-                      <a:solidFill>
-                        <a:srgbClr val="3006DD"/>
-                      </a:solidFill>
-                      <a:prstDash val="solid"/>
-                      <a:round/>
-                      <a:headEnd type="none" w="med" len="med"/>
-                      <a:tailEnd type="none" w="med" len="med"/>
-                    </a:lnR>
-                    <a:lnT w="9525" cap="flat" cmpd="sng" algn="ctr">
-                      <a:solidFill>
-                        <a:srgbClr val="3006DD"/>
-                      </a:solidFill>
-                      <a:prstDash val="solid"/>
-                      <a:round/>
-                      <a:headEnd type="none" w="med" len="med"/>
-                      <a:tailEnd type="none" w="med" len="med"/>
-                    </a:lnT>
-                    <a:lnB w="9525" cap="flat" cmpd="sng" algn="ctr">
-                      <a:solidFill>
-                        <a:srgbClr val="3006DD"/>
-                      </a:solidFill>
-                      <a:prstDash val="solid"/>
-                      <a:round/>
-                      <a:headEnd type="none" w="med" len="med"/>
-                      <a:tailEnd type="none" w="med" len="med"/>
-                    </a:lnB>
-                    <a:noFill/>
-                  </a:tcPr>
-                </a:tc>
-                <a:extLst>
-                  <a:ext uri="{0D108BD9-81ED-4DB2-BD59-A6C34878D82A}">
-                    <a16:rowId xmlns:a16="http://schemas.microsoft.com/office/drawing/2014/main" val="10001"/>
-                  </a:ext>
-                </a:extLst>
-              </a:tr>
-              <a:tr h="435827">
-                <a:tc>
-                  <a:txBody>
-                    <a:bodyPr/>
-                    <a:lstStyle/>
-                    <a:p>
-                      <a:r>
-                        <a:rPr lang="en-IN" sz="1200">
-                          <a:effectLst/>
-                        </a:rPr>
-                        <a:t>webClient.get().retrieve().bodyToMono(String.class).retry();</a:t>
-                      </a:r>
-                    </a:p>
-                  </a:txBody>
-                  <a:tcPr marL="61700" marR="61700" marT="30850" marB="30850" anchor="ctr">
-                    <a:lnL w="9525" cap="flat" cmpd="sng" algn="ctr">
-                      <a:solidFill>
-                        <a:srgbClr val="3006DD"/>
-                      </a:solidFill>
-                      <a:prstDash val="solid"/>
-                      <a:round/>
-                      <a:headEnd type="none" w="med" len="med"/>
-                      <a:tailEnd type="none" w="med" len="med"/>
-                    </a:lnL>
-                    <a:lnR w="9525" cap="flat" cmpd="sng" algn="ctr">
-                      <a:solidFill>
-                        <a:srgbClr val="3006DD"/>
-                      </a:solidFill>
-                      <a:prstDash val="solid"/>
-                      <a:round/>
-                      <a:headEnd type="none" w="med" len="med"/>
-                      <a:tailEnd type="none" w="med" len="med"/>
-                    </a:lnR>
-                    <a:lnT w="9525" cap="flat" cmpd="sng" algn="ctr">
-                      <a:solidFill>
-                        <a:srgbClr val="3006DD"/>
-                      </a:solidFill>
-                      <a:prstDash val="solid"/>
-                      <a:round/>
-                      <a:headEnd type="none" w="med" len="med"/>
-                      <a:tailEnd type="none" w="med" len="med"/>
-                    </a:lnT>
-                    <a:lnB w="9525" cap="flat" cmpd="sng" algn="ctr">
-                      <a:solidFill>
-                        <a:srgbClr val="3006DD"/>
-                      </a:solidFill>
-                      <a:prstDash val="solid"/>
-                      <a:round/>
-                      <a:headEnd type="none" w="med" len="med"/>
-                      <a:tailEnd type="none" w="med" len="med"/>
-                    </a:lnB>
-                    <a:noFill/>
-                  </a:tcPr>
-                </a:tc>
-                <a:tc>
-                  <a:txBody>
-                    <a:bodyPr/>
-                    <a:lstStyle/>
-                    <a:p>
-                      <a:r>
-                        <a:rPr lang="en-IN" sz="1200">
-                          <a:effectLst/>
-                        </a:rPr>
-                        <a:t>Retry indefinitely</a:t>
-                      </a:r>
-                    </a:p>
-                  </a:txBody>
-                  <a:tcPr marL="61700" marR="61700" marT="30850" marB="30850" anchor="ctr">
-                    <a:lnL w="9525" cap="flat" cmpd="sng" algn="ctr">
-                      <a:solidFill>
-                        <a:srgbClr val="3006DD"/>
-                      </a:solidFill>
-                      <a:prstDash val="solid"/>
-                      <a:round/>
-                      <a:headEnd type="none" w="med" len="med"/>
-                      <a:tailEnd type="none" w="med" len="med"/>
-                    </a:lnL>
-                    <a:lnR w="9525" cap="flat" cmpd="sng" algn="ctr">
-                      <a:solidFill>
-                        <a:srgbClr val="3006DD"/>
-                      </a:solidFill>
-                      <a:prstDash val="solid"/>
-                      <a:round/>
-                      <a:headEnd type="none" w="med" len="med"/>
-                      <a:tailEnd type="none" w="med" len="med"/>
-                    </a:lnR>
-                    <a:lnT w="9525" cap="flat" cmpd="sng" algn="ctr">
-                      <a:solidFill>
-                        <a:srgbClr val="3006DD"/>
-                      </a:solidFill>
-                      <a:prstDash val="solid"/>
-                      <a:round/>
-                      <a:headEnd type="none" w="med" len="med"/>
-                      <a:tailEnd type="none" w="med" len="med"/>
-                    </a:lnT>
-                    <a:lnB w="9525" cap="flat" cmpd="sng" algn="ctr">
-                      <a:solidFill>
-                        <a:srgbClr val="3006DD"/>
-                      </a:solidFill>
-                      <a:prstDash val="solid"/>
-                      <a:round/>
-                      <a:headEnd type="none" w="med" len="med"/>
-                      <a:tailEnd type="none" w="med" len="med"/>
-                    </a:lnB>
-                    <a:noFill/>
-                  </a:tcPr>
-                </a:tc>
-                <a:extLst>
-                  <a:ext uri="{0D108BD9-81ED-4DB2-BD59-A6C34878D82A}">
-                    <a16:rowId xmlns:a16="http://schemas.microsoft.com/office/drawing/2014/main" val="10002"/>
-                  </a:ext>
-                </a:extLst>
-              </a:tr>
-              <a:tr h="249044">
-                <a:tc>
-                  <a:txBody>
-                    <a:bodyPr/>
-                    <a:lstStyle/>
-                    <a:p>
-                      <a:r>
-                        <a:rPr lang="en-IN" sz="1200">
-                          <a:effectLst/>
-                        </a:rPr>
-                        <a:t>.retry(3);</a:t>
-                      </a:r>
-                    </a:p>
-                  </a:txBody>
-                  <a:tcPr marL="61700" marR="61700" marT="30850" marB="30850" anchor="ctr">
-                    <a:lnL w="9525" cap="flat" cmpd="sng" algn="ctr">
-                      <a:solidFill>
-                        <a:srgbClr val="3006DD"/>
-                      </a:solidFill>
-                      <a:prstDash val="solid"/>
-                      <a:round/>
-                      <a:headEnd type="none" w="med" len="med"/>
-                      <a:tailEnd type="none" w="med" len="med"/>
-                    </a:lnL>
-                    <a:lnR w="9525" cap="flat" cmpd="sng" algn="ctr">
-                      <a:solidFill>
-                        <a:srgbClr val="3006DD"/>
-                      </a:solidFill>
-                      <a:prstDash val="solid"/>
-                      <a:round/>
-                      <a:headEnd type="none" w="med" len="med"/>
-                      <a:tailEnd type="none" w="med" len="med"/>
-                    </a:lnR>
-                    <a:lnT w="9525" cap="flat" cmpd="sng" algn="ctr">
-                      <a:solidFill>
-                        <a:srgbClr val="3006DD"/>
-                      </a:solidFill>
-                      <a:prstDash val="solid"/>
-                      <a:round/>
-                      <a:headEnd type="none" w="med" len="med"/>
-                      <a:tailEnd type="none" w="med" len="med"/>
-                    </a:lnT>
-                    <a:lnB w="9525" cap="flat" cmpd="sng" algn="ctr">
-                      <a:solidFill>
-                        <a:srgbClr val="3006DD"/>
-                      </a:solidFill>
-                      <a:prstDash val="solid"/>
-                      <a:round/>
-                      <a:headEnd type="none" w="med" len="med"/>
-                      <a:tailEnd type="none" w="med" len="med"/>
-                    </a:lnB>
-                    <a:noFill/>
-                  </a:tcPr>
-                </a:tc>
-                <a:tc>
-                  <a:txBody>
-                    <a:bodyPr/>
-                    <a:lstStyle/>
-                    <a:p>
-                      <a:r>
-                        <a:rPr lang="en-IN" sz="1200">
-                          <a:effectLst/>
-                        </a:rPr>
-                        <a:t>Retry 3 times before failing</a:t>
-                      </a:r>
-                    </a:p>
-                  </a:txBody>
-                  <a:tcPr marL="61700" marR="61700" marT="30850" marB="30850" anchor="ctr">
-                    <a:lnL w="9525" cap="flat" cmpd="sng" algn="ctr">
-                      <a:solidFill>
-                        <a:srgbClr val="3006DD"/>
-                      </a:solidFill>
-                      <a:prstDash val="solid"/>
-                      <a:round/>
-                      <a:headEnd type="none" w="med" len="med"/>
-                      <a:tailEnd type="none" w="med" len="med"/>
-                    </a:lnL>
-                    <a:lnR w="9525" cap="flat" cmpd="sng" algn="ctr">
-                      <a:solidFill>
-                        <a:srgbClr val="3006DD"/>
-                      </a:solidFill>
-                      <a:prstDash val="solid"/>
-                      <a:round/>
-                      <a:headEnd type="none" w="med" len="med"/>
-                      <a:tailEnd type="none" w="med" len="med"/>
-                    </a:lnR>
-                    <a:lnT w="9525" cap="flat" cmpd="sng" algn="ctr">
-                      <a:solidFill>
-                        <a:srgbClr val="3006DD"/>
-                      </a:solidFill>
-                      <a:prstDash val="solid"/>
-                      <a:round/>
-                      <a:headEnd type="none" w="med" len="med"/>
-                      <a:tailEnd type="none" w="med" len="med"/>
-                    </a:lnT>
-                    <a:lnB w="9525" cap="flat" cmpd="sng" algn="ctr">
-                      <a:solidFill>
-                        <a:srgbClr val="3006DD"/>
-                      </a:solidFill>
-                      <a:prstDash val="solid"/>
-                      <a:round/>
-                      <a:headEnd type="none" w="med" len="med"/>
-                      <a:tailEnd type="none" w="med" len="med"/>
-                    </a:lnB>
-                    <a:noFill/>
-                  </a:tcPr>
-                </a:tc>
-                <a:extLst>
-                  <a:ext uri="{0D108BD9-81ED-4DB2-BD59-A6C34878D82A}">
-                    <a16:rowId xmlns:a16="http://schemas.microsoft.com/office/drawing/2014/main" val="10003"/>
-                  </a:ext>
-                </a:extLst>
-              </a:tr>
-              <a:tr h="435827">
-                <a:tc>
-                  <a:txBody>
-                    <a:bodyPr/>
-                    <a:lstStyle/>
-                    <a:p>
-                      <a:r>
-                        <a:rPr lang="en-IN" sz="1200" dirty="0">
-                          <a:effectLst/>
-                        </a:rPr>
-                        <a:t>.</a:t>
-                      </a:r>
-                      <a:r>
-                        <a:rPr lang="en-IN" sz="1200" dirty="0" err="1">
-                          <a:effectLst/>
-                        </a:rPr>
-                        <a:t>retryWhen</a:t>
-                      </a:r>
-                      <a:r>
-                        <a:rPr lang="en-IN" sz="1200" dirty="0">
-                          <a:effectLst/>
-                        </a:rPr>
-                        <a:t>(</a:t>
-                      </a:r>
-                      <a:r>
-                        <a:rPr lang="en-IN" sz="1200" dirty="0" err="1">
-                          <a:effectLst/>
-                        </a:rPr>
-                        <a:t>Retry.max</a:t>
-                      </a:r>
-                      <a:r>
-                        <a:rPr lang="en-IN" sz="1200" dirty="0">
-                          <a:effectLst/>
-                        </a:rPr>
-                        <a:t>(3).</a:t>
-                      </a:r>
-                      <a:r>
-                        <a:rPr lang="en-IN" sz="1200" dirty="0" err="1">
-                          <a:effectLst/>
-                        </a:rPr>
-                        <a:t>doBeforeRetry</a:t>
-                      </a:r>
-                      <a:r>
-                        <a:rPr lang="en-IN" sz="1200" dirty="0">
-                          <a:effectLst/>
-                        </a:rPr>
-                        <a:t>(…)));</a:t>
-                      </a:r>
-                    </a:p>
-                  </a:txBody>
-                  <a:tcPr marL="61700" marR="61700" marT="30850" marB="30850" anchor="ctr">
-                    <a:lnL w="9525" cap="flat" cmpd="sng" algn="ctr">
-                      <a:solidFill>
-                        <a:srgbClr val="3006DD"/>
-                      </a:solidFill>
-                      <a:prstDash val="solid"/>
-                      <a:round/>
-                      <a:headEnd type="none" w="med" len="med"/>
-                      <a:tailEnd type="none" w="med" len="med"/>
-                    </a:lnL>
-                    <a:lnR w="9525" cap="flat" cmpd="sng" algn="ctr">
-                      <a:solidFill>
-                        <a:srgbClr val="3006DD"/>
-                      </a:solidFill>
-                      <a:prstDash val="solid"/>
-                      <a:round/>
-                      <a:headEnd type="none" w="med" len="med"/>
-                      <a:tailEnd type="none" w="med" len="med"/>
-                    </a:lnR>
-                    <a:lnT w="9525" cap="flat" cmpd="sng" algn="ctr">
-                      <a:solidFill>
-                        <a:srgbClr val="3006DD"/>
-                      </a:solidFill>
-                      <a:prstDash val="solid"/>
-                      <a:round/>
-                      <a:headEnd type="none" w="med" len="med"/>
-                      <a:tailEnd type="none" w="med" len="med"/>
-                    </a:lnT>
-                    <a:lnB w="9525" cap="flat" cmpd="sng" algn="ctr">
-                      <a:solidFill>
-                        <a:srgbClr val="3006DD"/>
-                      </a:solidFill>
-                      <a:prstDash val="solid"/>
-                      <a:round/>
-                      <a:headEnd type="none" w="med" len="med"/>
-                      <a:tailEnd type="none" w="med" len="med"/>
-                    </a:lnB>
-                    <a:noFill/>
-                  </a:tcPr>
-                </a:tc>
-                <a:tc>
-                  <a:txBody>
-                    <a:bodyPr/>
-                    <a:lstStyle/>
-                    <a:p>
-                      <a:r>
-                        <a:rPr lang="en-IN" sz="1200">
-                          <a:effectLst/>
-                        </a:rPr>
-                        <a:t>Perform an action before each retry</a:t>
-                      </a:r>
-                    </a:p>
-                  </a:txBody>
-                  <a:tcPr marL="61700" marR="61700" marT="30850" marB="30850" anchor="ctr">
-                    <a:lnL w="9525" cap="flat" cmpd="sng" algn="ctr">
-                      <a:solidFill>
-                        <a:srgbClr val="3006DD"/>
-                      </a:solidFill>
-                      <a:prstDash val="solid"/>
-                      <a:round/>
-                      <a:headEnd type="none" w="med" len="med"/>
-                      <a:tailEnd type="none" w="med" len="med"/>
-                    </a:lnL>
-                    <a:lnR w="9525" cap="flat" cmpd="sng" algn="ctr">
-                      <a:solidFill>
-                        <a:srgbClr val="3006DD"/>
-                      </a:solidFill>
-                      <a:prstDash val="solid"/>
-                      <a:round/>
-                      <a:headEnd type="none" w="med" len="med"/>
-                      <a:tailEnd type="none" w="med" len="med"/>
-                    </a:lnR>
-                    <a:lnT w="9525" cap="flat" cmpd="sng" algn="ctr">
-                      <a:solidFill>
-                        <a:srgbClr val="3006DD"/>
-                      </a:solidFill>
-                      <a:prstDash val="solid"/>
-                      <a:round/>
-                      <a:headEnd type="none" w="med" len="med"/>
-                      <a:tailEnd type="none" w="med" len="med"/>
-                    </a:lnT>
-                    <a:lnB w="9525" cap="flat" cmpd="sng" algn="ctr">
-                      <a:solidFill>
-                        <a:srgbClr val="3006DD"/>
-                      </a:solidFill>
-                      <a:prstDash val="solid"/>
-                      <a:round/>
-                      <a:headEnd type="none" w="med" len="med"/>
-                      <a:tailEnd type="none" w="med" len="med"/>
-                    </a:lnB>
-                    <a:noFill/>
-                  </a:tcPr>
-                </a:tc>
-                <a:extLst>
-                  <a:ext uri="{0D108BD9-81ED-4DB2-BD59-A6C34878D82A}">
-                    <a16:rowId xmlns:a16="http://schemas.microsoft.com/office/drawing/2014/main" val="10004"/>
-                  </a:ext>
-                </a:extLst>
-              </a:tr>
-              <a:tr h="435827">
-                <a:tc>
-                  <a:txBody>
-                    <a:bodyPr/>
-                    <a:lstStyle/>
-                    <a:p>
-                      <a:r>
-                        <a:rPr lang="en-IN" sz="1200">
-                          <a:effectLst/>
-                        </a:rPr>
-                        <a:t>.retryWhen(Retry.fixedDelay(3, Duration.ofSeconds(2)));</a:t>
-                      </a:r>
-                    </a:p>
-                  </a:txBody>
-                  <a:tcPr marL="61700" marR="61700" marT="30850" marB="30850" anchor="ctr">
-                    <a:lnL w="9525" cap="flat" cmpd="sng" algn="ctr">
-                      <a:solidFill>
-                        <a:srgbClr val="3006DD"/>
-                      </a:solidFill>
-                      <a:prstDash val="solid"/>
-                      <a:round/>
-                      <a:headEnd type="none" w="med" len="med"/>
-                      <a:tailEnd type="none" w="med" len="med"/>
-                    </a:lnL>
-                    <a:lnR w="9525" cap="flat" cmpd="sng" algn="ctr">
-                      <a:solidFill>
-                        <a:srgbClr val="3006DD"/>
-                      </a:solidFill>
-                      <a:prstDash val="solid"/>
-                      <a:round/>
-                      <a:headEnd type="none" w="med" len="med"/>
-                      <a:tailEnd type="none" w="med" len="med"/>
-                    </a:lnR>
-                    <a:lnT w="9525" cap="flat" cmpd="sng" algn="ctr">
-                      <a:solidFill>
-                        <a:srgbClr val="3006DD"/>
-                      </a:solidFill>
-                      <a:prstDash val="solid"/>
-                      <a:round/>
-                      <a:headEnd type="none" w="med" len="med"/>
-                      <a:tailEnd type="none" w="med" len="med"/>
-                    </a:lnT>
-                    <a:lnB w="9525" cap="flat" cmpd="sng" algn="ctr">
-                      <a:solidFill>
-                        <a:srgbClr val="3006DD"/>
-                      </a:solidFill>
-                      <a:prstDash val="solid"/>
-                      <a:round/>
-                      <a:headEnd type="none" w="med" len="med"/>
-                      <a:tailEnd type="none" w="med" len="med"/>
-                    </a:lnB>
-                    <a:noFill/>
-                  </a:tcPr>
-                </a:tc>
-                <a:tc>
-                  <a:txBody>
-                    <a:bodyPr/>
-                    <a:lstStyle/>
-                    <a:p>
-                      <a:r>
-                        <a:rPr lang="en-IN" sz="1200">
-                          <a:effectLst/>
-                        </a:rPr>
-                        <a:t>Retry 3 times, and add a delay of 2 seconds before 2nd and 3rd retries.</a:t>
-                      </a:r>
-                    </a:p>
-                  </a:txBody>
-                  <a:tcPr marL="61700" marR="61700" marT="30850" marB="30850" anchor="ctr">
-                    <a:lnL w="9525" cap="flat" cmpd="sng" algn="ctr">
-                      <a:solidFill>
-                        <a:srgbClr val="3006DD"/>
-                      </a:solidFill>
-                      <a:prstDash val="solid"/>
-                      <a:round/>
-                      <a:headEnd type="none" w="med" len="med"/>
-                      <a:tailEnd type="none" w="med" len="med"/>
-                    </a:lnL>
-                    <a:lnR w="9525" cap="flat" cmpd="sng" algn="ctr">
-                      <a:solidFill>
-                        <a:srgbClr val="3006DD"/>
-                      </a:solidFill>
-                      <a:prstDash val="solid"/>
-                      <a:round/>
-                      <a:headEnd type="none" w="med" len="med"/>
-                      <a:tailEnd type="none" w="med" len="med"/>
-                    </a:lnR>
-                    <a:lnT w="9525" cap="flat" cmpd="sng" algn="ctr">
-                      <a:solidFill>
-                        <a:srgbClr val="3006DD"/>
-                      </a:solidFill>
-                      <a:prstDash val="solid"/>
-                      <a:round/>
-                      <a:headEnd type="none" w="med" len="med"/>
-                      <a:tailEnd type="none" w="med" len="med"/>
-                    </a:lnT>
-                    <a:lnB w="9525" cap="flat" cmpd="sng" algn="ctr">
-                      <a:solidFill>
-                        <a:srgbClr val="3006DD"/>
-                      </a:solidFill>
-                      <a:prstDash val="solid"/>
-                      <a:round/>
-                      <a:headEnd type="none" w="med" len="med"/>
-                      <a:tailEnd type="none" w="med" len="med"/>
-                    </a:lnB>
-                    <a:noFill/>
-                  </a:tcPr>
-                </a:tc>
-                <a:extLst>
-                  <a:ext uri="{0D108BD9-81ED-4DB2-BD59-A6C34878D82A}">
-                    <a16:rowId xmlns:a16="http://schemas.microsoft.com/office/drawing/2014/main" val="10005"/>
-                  </a:ext>
-                </a:extLst>
-              </a:tr>
-              <a:tr h="435827">
-                <a:tc>
-                  <a:txBody>
-                    <a:bodyPr/>
-                    <a:lstStyle/>
-                    <a:p>
-                      <a:r>
-                        <a:rPr lang="en-IN" sz="1200">
-                          <a:effectLst/>
-                        </a:rPr>
-                        <a:t>.retryWhen(Retry.backoff (3, Duration.ofSeconds(2)))</a:t>
-                      </a:r>
-                    </a:p>
-                  </a:txBody>
-                  <a:tcPr marL="61700" marR="61700" marT="30850" marB="30850" anchor="ctr">
-                    <a:lnL w="9525" cap="flat" cmpd="sng" algn="ctr">
-                      <a:solidFill>
-                        <a:srgbClr val="3006DD"/>
-                      </a:solidFill>
-                      <a:prstDash val="solid"/>
-                      <a:round/>
-                      <a:headEnd type="none" w="med" len="med"/>
-                      <a:tailEnd type="none" w="med" len="med"/>
-                    </a:lnL>
-                    <a:lnR w="9525" cap="flat" cmpd="sng" algn="ctr">
-                      <a:solidFill>
-                        <a:srgbClr val="3006DD"/>
-                      </a:solidFill>
-                      <a:prstDash val="solid"/>
-                      <a:round/>
-                      <a:headEnd type="none" w="med" len="med"/>
-                      <a:tailEnd type="none" w="med" len="med"/>
-                    </a:lnR>
-                    <a:lnT w="9525" cap="flat" cmpd="sng" algn="ctr">
-                      <a:solidFill>
-                        <a:srgbClr val="3006DD"/>
-                      </a:solidFill>
-                      <a:prstDash val="solid"/>
-                      <a:round/>
-                      <a:headEnd type="none" w="med" len="med"/>
-                      <a:tailEnd type="none" w="med" len="med"/>
-                    </a:lnT>
-                    <a:lnB w="9525" cap="flat" cmpd="sng" algn="ctr">
-                      <a:solidFill>
-                        <a:srgbClr val="3006DD"/>
-                      </a:solidFill>
-                      <a:prstDash val="solid"/>
-                      <a:round/>
-                      <a:headEnd type="none" w="med" len="med"/>
-                      <a:tailEnd type="none" w="med" len="med"/>
-                    </a:lnB>
-                    <a:noFill/>
-                  </a:tcPr>
-                </a:tc>
-                <a:tc>
-                  <a:txBody>
-                    <a:bodyPr/>
-                    <a:lstStyle/>
-                    <a:p>
-                      <a:r>
-                        <a:rPr lang="en-IN" sz="1200">
-                          <a:effectLst/>
-                        </a:rPr>
-                        <a:t>Retry 3 times with each retry attempt with a growing delay</a:t>
-                      </a:r>
-                    </a:p>
-                  </a:txBody>
-                  <a:tcPr marL="61700" marR="61700" marT="30850" marB="30850" anchor="ctr">
-                    <a:lnL w="9525" cap="flat" cmpd="sng" algn="ctr">
-                      <a:solidFill>
-                        <a:srgbClr val="3006DD"/>
-                      </a:solidFill>
-                      <a:prstDash val="solid"/>
-                      <a:round/>
-                      <a:headEnd type="none" w="med" len="med"/>
-                      <a:tailEnd type="none" w="med" len="med"/>
-                    </a:lnL>
-                    <a:lnR w="9525" cap="flat" cmpd="sng" algn="ctr">
-                      <a:solidFill>
-                        <a:srgbClr val="3006DD"/>
-                      </a:solidFill>
-                      <a:prstDash val="solid"/>
-                      <a:round/>
-                      <a:headEnd type="none" w="med" len="med"/>
-                      <a:tailEnd type="none" w="med" len="med"/>
-                    </a:lnR>
-                    <a:lnT w="9525" cap="flat" cmpd="sng" algn="ctr">
-                      <a:solidFill>
-                        <a:srgbClr val="3006DD"/>
-                      </a:solidFill>
-                      <a:prstDash val="solid"/>
-                      <a:round/>
-                      <a:headEnd type="none" w="med" len="med"/>
-                      <a:tailEnd type="none" w="med" len="med"/>
-                    </a:lnT>
-                    <a:lnB w="9525" cap="flat" cmpd="sng" algn="ctr">
-                      <a:solidFill>
-                        <a:srgbClr val="3006DD"/>
-                      </a:solidFill>
-                      <a:prstDash val="solid"/>
-                      <a:round/>
-                      <a:headEnd type="none" w="med" len="med"/>
-                      <a:tailEnd type="none" w="med" len="med"/>
-                    </a:lnB>
-                    <a:noFill/>
-                  </a:tcPr>
-                </a:tc>
-                <a:extLst>
-                  <a:ext uri="{0D108BD9-81ED-4DB2-BD59-A6C34878D82A}">
-                    <a16:rowId xmlns:a16="http://schemas.microsoft.com/office/drawing/2014/main" val="10006"/>
-                  </a:ext>
-                </a:extLst>
-              </a:tr>
-              <a:tr h="622609">
-                <a:tc>
-                  <a:txBody>
-                    <a:bodyPr/>
-                    <a:lstStyle/>
-                    <a:p>
-                      <a:r>
-                        <a:rPr lang="en-IN" sz="1200">
-                          <a:effectLst/>
-                        </a:rPr>
-                        <a:t>.retryWhen(Retry.backoff(3,</a:t>
-                      </a:r>
-                      <a:br>
-                        <a:rPr lang="en-IN" sz="1200">
-                          <a:effectLst/>
-                        </a:rPr>
-                      </a:br>
-                      <a:r>
-                        <a:rPr lang="en-IN" sz="1200">
-                          <a:effectLst/>
-                        </a:rPr>
-                        <a:t>Duration.ofSeconds(2)).jitter(0.75));</a:t>
-                      </a:r>
-                    </a:p>
-                  </a:txBody>
-                  <a:tcPr marL="61700" marR="61700" marT="30850" marB="30850" anchor="ctr">
-                    <a:lnL w="9525" cap="flat" cmpd="sng" algn="ctr">
-                      <a:solidFill>
-                        <a:srgbClr val="3006DD"/>
-                      </a:solidFill>
-                      <a:prstDash val="solid"/>
-                      <a:round/>
-                      <a:headEnd type="none" w="med" len="med"/>
-                      <a:tailEnd type="none" w="med" len="med"/>
-                    </a:lnL>
-                    <a:lnR w="9525" cap="flat" cmpd="sng" algn="ctr">
-                      <a:solidFill>
-                        <a:srgbClr val="3006DD"/>
-                      </a:solidFill>
-                      <a:prstDash val="solid"/>
-                      <a:round/>
-                      <a:headEnd type="none" w="med" len="med"/>
-                      <a:tailEnd type="none" w="med" len="med"/>
-                    </a:lnR>
-                    <a:lnT w="9525" cap="flat" cmpd="sng" algn="ctr">
-                      <a:solidFill>
-                        <a:srgbClr val="3006DD"/>
-                      </a:solidFill>
-                      <a:prstDash val="solid"/>
-                      <a:round/>
-                      <a:headEnd type="none" w="med" len="med"/>
-                      <a:tailEnd type="none" w="med" len="med"/>
-                    </a:lnT>
-                    <a:lnB w="9525" cap="flat" cmpd="sng" algn="ctr">
-                      <a:solidFill>
-                        <a:srgbClr val="3006DD"/>
-                      </a:solidFill>
-                      <a:prstDash val="solid"/>
-                      <a:round/>
-                      <a:headEnd type="none" w="med" len="med"/>
-                      <a:tailEnd type="none" w="med" len="med"/>
-                    </a:lnB>
-                    <a:noFill/>
-                  </a:tcPr>
-                </a:tc>
-                <a:tc>
-                  <a:txBody>
-                    <a:bodyPr/>
-                    <a:lstStyle/>
-                    <a:p>
-                      <a:r>
-                        <a:rPr lang="en-IN" sz="1200">
-                          <a:effectLst/>
-                        </a:rPr>
-                        <a:t>Add random delay with Jitter which prevents replicas from retrying simultaneously</a:t>
-                      </a:r>
-                    </a:p>
-                  </a:txBody>
-                  <a:tcPr marL="61700" marR="61700" marT="30850" marB="30850" anchor="ctr">
-                    <a:lnL w="9525" cap="flat" cmpd="sng" algn="ctr">
-                      <a:solidFill>
-                        <a:srgbClr val="3006DD"/>
-                      </a:solidFill>
-                      <a:prstDash val="solid"/>
-                      <a:round/>
-                      <a:headEnd type="none" w="med" len="med"/>
-                      <a:tailEnd type="none" w="med" len="med"/>
-                    </a:lnL>
-                    <a:lnR w="9525" cap="flat" cmpd="sng" algn="ctr">
-                      <a:solidFill>
-                        <a:srgbClr val="3006DD"/>
-                      </a:solidFill>
-                      <a:prstDash val="solid"/>
-                      <a:round/>
-                      <a:headEnd type="none" w="med" len="med"/>
-                      <a:tailEnd type="none" w="med" len="med"/>
-                    </a:lnR>
-                    <a:lnT w="9525" cap="flat" cmpd="sng" algn="ctr">
-                      <a:solidFill>
-                        <a:srgbClr val="3006DD"/>
-                      </a:solidFill>
-                      <a:prstDash val="solid"/>
-                      <a:round/>
-                      <a:headEnd type="none" w="med" len="med"/>
-                      <a:tailEnd type="none" w="med" len="med"/>
-                    </a:lnT>
-                    <a:lnB w="9525" cap="flat" cmpd="sng" algn="ctr">
-                      <a:solidFill>
-                        <a:srgbClr val="3006DD"/>
-                      </a:solidFill>
-                      <a:prstDash val="solid"/>
-                      <a:round/>
-                      <a:headEnd type="none" w="med" len="med"/>
-                      <a:tailEnd type="none" w="med" len="med"/>
-                    </a:lnB>
-                    <a:noFill/>
-                  </a:tcPr>
-                </a:tc>
-                <a:extLst>
-                  <a:ext uri="{0D108BD9-81ED-4DB2-BD59-A6C34878D82A}">
-                    <a16:rowId xmlns:a16="http://schemas.microsoft.com/office/drawing/2014/main" val="10007"/>
-                  </a:ext>
-                </a:extLst>
-              </a:tr>
-              <a:tr h="622609">
-                <a:tc>
-                  <a:txBody>
-                    <a:bodyPr/>
-                    <a:lstStyle/>
-                    <a:p>
-                      <a:r>
-                        <a:rPr lang="en-IN" sz="1200">
-                          <a:effectLst/>
-                        </a:rPr>
-                        <a:t>.retryWhen(Retry.backoff(3, Duration.ofSeconds(2))</a:t>
-                      </a:r>
-                      <a:br>
-                        <a:rPr lang="en-IN" sz="1200">
-                          <a:effectLst/>
-                        </a:rPr>
-                      </a:br>
-                      <a:r>
-                        <a:rPr lang="en-IN" sz="1200">
-                          <a:effectLst/>
-                        </a:rPr>
-                        <a:t>.onRetryExhaustedThrow(…));</a:t>
-                      </a:r>
-                    </a:p>
-                  </a:txBody>
-                  <a:tcPr marL="61700" marR="61700" marT="30850" marB="30850" anchor="ctr">
-                    <a:lnL w="9525" cap="flat" cmpd="sng" algn="ctr">
-                      <a:solidFill>
-                        <a:srgbClr val="3006DD"/>
-                      </a:solidFill>
-                      <a:prstDash val="solid"/>
-                      <a:round/>
-                      <a:headEnd type="none" w="med" len="med"/>
-                      <a:tailEnd type="none" w="med" len="med"/>
-                    </a:lnL>
-                    <a:lnR w="9525" cap="flat" cmpd="sng" algn="ctr">
-                      <a:solidFill>
-                        <a:srgbClr val="3006DD"/>
-                      </a:solidFill>
-                      <a:prstDash val="solid"/>
-                      <a:round/>
-                      <a:headEnd type="none" w="med" len="med"/>
-                      <a:tailEnd type="none" w="med" len="med"/>
-                    </a:lnR>
-                    <a:lnT w="9525" cap="flat" cmpd="sng" algn="ctr">
-                      <a:solidFill>
-                        <a:srgbClr val="3006DD"/>
-                      </a:solidFill>
-                      <a:prstDash val="solid"/>
-                      <a:round/>
-                      <a:headEnd type="none" w="med" len="med"/>
-                      <a:tailEnd type="none" w="med" len="med"/>
-                    </a:lnT>
-                    <a:lnB w="9525" cap="flat" cmpd="sng" algn="ctr">
-                      <a:solidFill>
-                        <a:srgbClr val="3006DD"/>
-                      </a:solidFill>
-                      <a:prstDash val="solid"/>
-                      <a:round/>
-                      <a:headEnd type="none" w="med" len="med"/>
-                      <a:tailEnd type="none" w="med" len="med"/>
-                    </a:lnB>
-                    <a:noFill/>
-                  </a:tcPr>
-                </a:tc>
-                <a:tc>
-                  <a:txBody>
-                    <a:bodyPr/>
-                    <a:lstStyle/>
-                    <a:p>
-                      <a:r>
-                        <a:rPr lang="en-IN" sz="1200">
-                          <a:effectLst/>
-                        </a:rPr>
-                        <a:t>Throw an </a:t>
-                      </a:r>
-                      <a:r>
-                        <a:rPr lang="en-IN" sz="1200" i="1">
-                          <a:effectLst/>
-                        </a:rPr>
-                        <a:t>Exception</a:t>
-                      </a:r>
-                      <a:r>
-                        <a:rPr lang="en-IN" sz="1200">
-                          <a:effectLst/>
-                        </a:rPr>
-                        <a:t> once the retry limit is reached.</a:t>
-                      </a:r>
-                    </a:p>
-                  </a:txBody>
-                  <a:tcPr marL="61700" marR="61700" marT="30850" marB="30850" anchor="ctr">
-                    <a:lnL w="9525" cap="flat" cmpd="sng" algn="ctr">
-                      <a:solidFill>
-                        <a:srgbClr val="3006DD"/>
-                      </a:solidFill>
-                      <a:prstDash val="solid"/>
-                      <a:round/>
-                      <a:headEnd type="none" w="med" len="med"/>
-                      <a:tailEnd type="none" w="med" len="med"/>
-                    </a:lnL>
-                    <a:lnR w="9525" cap="flat" cmpd="sng" algn="ctr">
-                      <a:solidFill>
-                        <a:srgbClr val="3006DD"/>
-                      </a:solidFill>
-                      <a:prstDash val="solid"/>
-                      <a:round/>
-                      <a:headEnd type="none" w="med" len="med"/>
-                      <a:tailEnd type="none" w="med" len="med"/>
-                    </a:lnR>
-                    <a:lnT w="9525" cap="flat" cmpd="sng" algn="ctr">
-                      <a:solidFill>
-                        <a:srgbClr val="3006DD"/>
-                      </a:solidFill>
-                      <a:prstDash val="solid"/>
-                      <a:round/>
-                      <a:headEnd type="none" w="med" len="med"/>
-                      <a:tailEnd type="none" w="med" len="med"/>
-                    </a:lnT>
-                    <a:lnB w="9525" cap="flat" cmpd="sng" algn="ctr">
-                      <a:solidFill>
-                        <a:srgbClr val="3006DD"/>
-                      </a:solidFill>
-                      <a:prstDash val="solid"/>
-                      <a:round/>
-                      <a:headEnd type="none" w="med" len="med"/>
-                      <a:tailEnd type="none" w="med" len="med"/>
-                    </a:lnB>
-                    <a:noFill/>
-                  </a:tcPr>
-                </a:tc>
-                <a:extLst>
-                  <a:ext uri="{0D108BD9-81ED-4DB2-BD59-A6C34878D82A}">
-                    <a16:rowId xmlns:a16="http://schemas.microsoft.com/office/drawing/2014/main" val="10008"/>
-                  </a:ext>
-                </a:extLst>
-              </a:tr>
-              <a:tr h="1182958">
-                <a:tc>
-                  <a:txBody>
-                    <a:bodyPr/>
-                    <a:lstStyle/>
-                    <a:p>
-                      <a:r>
-                        <a:rPr lang="en-IN" sz="1200">
-                          <a:effectLst/>
-                        </a:rPr>
-                        <a:t>webClient.get().retrieve().onStatus(…)</a:t>
-                      </a:r>
-                      <a:br>
-                        <a:rPr lang="en-IN" sz="1200">
-                          <a:effectLst/>
-                        </a:rPr>
-                      </a:br>
-                      <a:r>
-                        <a:rPr lang="en-IN" sz="1200">
-                          <a:effectLst/>
-                        </a:rPr>
-                        <a:t>.bodyToMono(String.class)</a:t>
-                      </a:r>
-                      <a:br>
-                        <a:rPr lang="en-IN" sz="1200">
-                          <a:effectLst/>
-                        </a:rPr>
-                      </a:br>
-                      <a:r>
-                        <a:rPr lang="en-IN" sz="1200">
-                          <a:effectLst/>
-                        </a:rPr>
-                        <a:t>.retryWhen(Retry.backoff(3, Duration.ofSeconds(2))</a:t>
-                      </a:r>
-                      <a:br>
-                        <a:rPr lang="en-IN" sz="1200">
-                          <a:effectLst/>
-                        </a:rPr>
-                      </a:br>
-                      <a:r>
-                        <a:rPr lang="en-IN" sz="1200">
-                          <a:effectLst/>
-                        </a:rPr>
-                        <a:t>.filter(ex -&gt; ex instanceof ServiceException));</a:t>
-                      </a:r>
-                    </a:p>
-                  </a:txBody>
-                  <a:tcPr marL="61700" marR="61700" marT="30850" marB="30850" anchor="ctr">
-                    <a:lnL w="9525" cap="flat" cmpd="sng" algn="ctr">
-                      <a:solidFill>
-                        <a:srgbClr val="3006DD"/>
-                      </a:solidFill>
-                      <a:prstDash val="solid"/>
-                      <a:round/>
-                      <a:headEnd type="none" w="med" len="med"/>
-                      <a:tailEnd type="none" w="med" len="med"/>
-                    </a:lnL>
-                    <a:lnR w="9525" cap="flat" cmpd="sng" algn="ctr">
-                      <a:solidFill>
-                        <a:srgbClr val="3006DD"/>
-                      </a:solidFill>
-                      <a:prstDash val="solid"/>
-                      <a:round/>
-                      <a:headEnd type="none" w="med" len="med"/>
-                      <a:tailEnd type="none" w="med" len="med"/>
-                    </a:lnR>
-                    <a:lnT w="9525" cap="flat" cmpd="sng" algn="ctr">
-                      <a:solidFill>
-                        <a:srgbClr val="3006DD"/>
-                      </a:solidFill>
-                      <a:prstDash val="solid"/>
-                      <a:round/>
-                      <a:headEnd type="none" w="med" len="med"/>
-                      <a:tailEnd type="none" w="med" len="med"/>
-                    </a:lnT>
-                    <a:lnB w="9525" cap="flat" cmpd="sng" algn="ctr">
-                      <a:solidFill>
-                        <a:srgbClr val="3006DD"/>
-                      </a:solidFill>
-                      <a:prstDash val="solid"/>
-                      <a:round/>
-                      <a:headEnd type="none" w="med" len="med"/>
-                      <a:tailEnd type="none" w="med" len="med"/>
-                    </a:lnB>
-                    <a:noFill/>
-                  </a:tcPr>
-                </a:tc>
-                <a:tc>
-                  <a:txBody>
-                    <a:bodyPr/>
-                    <a:lstStyle/>
-                    <a:p>
-                      <a:r>
-                        <a:rPr lang="en-IN" sz="1200" dirty="0">
-                          <a:effectLst/>
-                        </a:rPr>
-                        <a:t>Retry on a specific exception</a:t>
-                      </a:r>
-                    </a:p>
-                  </a:txBody>
-                  <a:tcPr marL="61700" marR="61700" marT="30850" marB="30850" anchor="ctr">
-                    <a:lnL w="9525" cap="flat" cmpd="sng" algn="ctr">
-                      <a:solidFill>
-                        <a:srgbClr val="3006DD"/>
-                      </a:solidFill>
-                      <a:prstDash val="solid"/>
-                      <a:round/>
-                      <a:headEnd type="none" w="med" len="med"/>
-                      <a:tailEnd type="none" w="med" len="med"/>
-                    </a:lnL>
-                    <a:lnR w="9525" cap="flat" cmpd="sng" algn="ctr">
-                      <a:solidFill>
-                        <a:srgbClr val="3006DD"/>
-                      </a:solidFill>
-                      <a:prstDash val="solid"/>
-                      <a:round/>
-                      <a:headEnd type="none" w="med" len="med"/>
-                      <a:tailEnd type="none" w="med" len="med"/>
-                    </a:lnR>
-                    <a:lnT w="9525" cap="flat" cmpd="sng" algn="ctr">
-                      <a:solidFill>
-                        <a:srgbClr val="3006DD"/>
-                      </a:solidFill>
-                      <a:prstDash val="solid"/>
-                      <a:round/>
-                      <a:headEnd type="none" w="med" len="med"/>
-                      <a:tailEnd type="none" w="med" len="med"/>
-                    </a:lnT>
-                    <a:lnB w="9525" cap="flat" cmpd="sng" algn="ctr">
-                      <a:solidFill>
-                        <a:srgbClr val="3006DD"/>
-                      </a:solidFill>
-                      <a:prstDash val="solid"/>
-                      <a:round/>
-                      <a:headEnd type="none" w="med" len="med"/>
-                      <a:tailEnd type="none" w="med" len="med"/>
-                    </a:lnB>
-                    <a:noFill/>
-                  </a:tcPr>
-                </a:tc>
-                <a:extLst>
-                  <a:ext uri="{0D108BD9-81ED-4DB2-BD59-A6C34878D82A}">
-                    <a16:rowId xmlns:a16="http://schemas.microsoft.com/office/drawing/2014/main" val="10009"/>
-                  </a:ext>
-                </a:extLst>
-              </a:tr>
-            </a:tbl>
-          </a:graphicData>
-        </a:graphic>
-      </p:graphicFrame>
     </p:spTree>
   </p:cSld>
   <p:clrMapOvr>
@@ -10731,614 +10598,6 @@
           <a:lstStyle/>
           <a:p>
             <a:endParaRPr lang="en-US" altLang="en-US"/>
-          </a:p>
-        </p:txBody>
-      </p:sp>
-    </p:spTree>
-  </p:cSld>
-  <p:clrMapOvr>
-    <a:masterClrMapping/>
-  </p:clrMapOvr>
-</p:sld>
-</file>
-
-<file path=ppt/slides/slide110.xml><?xml version="1.0" encoding="utf-8"?>
-<p:sld xmlns:a="http://schemas.openxmlformats.org/drawingml/2006/main" xmlns:r="http://schemas.openxmlformats.org/officeDocument/2006/relationships" xmlns:p="http://schemas.openxmlformats.org/presentationml/2006/main">
-  <p:cSld>
-    <p:spTree>
-      <p:nvGrpSpPr>
-        <p:cNvPr id="1" name=""/>
-        <p:cNvGrpSpPr/>
-        <p:nvPr/>
-      </p:nvGrpSpPr>
-      <p:grpSpPr>
-        <a:xfrm>
-          <a:off x="0" y="0"/>
-          <a:ext cx="0" cy="0"/>
-          <a:chOff x="0" y="0"/>
-          <a:chExt cx="0" cy="0"/>
-        </a:xfrm>
-      </p:grpSpPr>
-      <p:sp>
-        <p:nvSpPr>
-          <p:cNvPr id="129025" name="Title 1">
-            <a:extLst>
-              <a:ext uri="{FF2B5EF4-FFF2-40B4-BE49-F238E27FC236}">
-                <a16:creationId xmlns:a16="http://schemas.microsoft.com/office/drawing/2014/main" id="{E5B044EA-A49A-CF0A-B56C-F2B9E15DCFD0}"/>
-              </a:ext>
-            </a:extLst>
-          </p:cNvPr>
-          <p:cNvSpPr>
-            <a:spLocks noGrp="1" noChangeArrowheads="1"/>
-          </p:cNvSpPr>
-          <p:nvPr>
-            <p:ph type="title"/>
-          </p:nvPr>
-        </p:nvSpPr>
-        <p:spPr/>
-        <p:txBody>
-          <a:bodyPr/>
-          <a:lstStyle/>
-          <a:p>
-            <a:r>
-              <a:rPr lang="en-US" altLang="en-US"/>
-              <a:t>Retry</a:t>
-            </a:r>
-          </a:p>
-        </p:txBody>
-      </p:sp>
-      <p:sp>
-        <p:nvSpPr>
-          <p:cNvPr id="129026" name="Content Placeholder 2">
-            <a:extLst>
-              <a:ext uri="{FF2B5EF4-FFF2-40B4-BE49-F238E27FC236}">
-                <a16:creationId xmlns:a16="http://schemas.microsoft.com/office/drawing/2014/main" id="{269C25C3-131A-50D6-65E5-1CE172E736E2}"/>
-              </a:ext>
-            </a:extLst>
-          </p:cNvPr>
-          <p:cNvSpPr>
-            <a:spLocks noGrp="1" noChangeArrowheads="1"/>
-          </p:cNvSpPr>
-          <p:nvPr>
-            <p:ph idx="1"/>
-          </p:nvPr>
-        </p:nvSpPr>
-        <p:spPr/>
-        <p:txBody>
-          <a:bodyPr/>
-          <a:lstStyle/>
-          <a:p>
-            <a:pPr marL="457200" lvl="1" indent="0">
-              <a:lnSpc>
-                <a:spcPct val="150000"/>
-              </a:lnSpc>
-              <a:buFontTx/>
-              <a:buNone/>
-            </a:pPr>
-            <a:r>
-              <a:rPr lang="en-IN" altLang="en-US" sz="1800" b="1"/>
-              <a:t>return</a:t>
-            </a:r>
-            <a:r>
-              <a:rPr lang="en-IN" altLang="en-US" sz="1800"/>
-              <a:t> webClient.get() </a:t>
-            </a:r>
-          </a:p>
-          <a:p>
-            <a:pPr marL="457200" lvl="1" indent="0">
-              <a:lnSpc>
-                <a:spcPct val="150000"/>
-              </a:lnSpc>
-              <a:buFontTx/>
-              <a:buNone/>
-            </a:pPr>
-            <a:r>
-              <a:rPr lang="en-IN" altLang="en-US" sz="1800"/>
-              <a:t>.retrieve() </a:t>
-            </a:r>
-          </a:p>
-          <a:p>
-            <a:pPr marL="457200" lvl="1" indent="0">
-              <a:lnSpc>
-                <a:spcPct val="150000"/>
-              </a:lnSpc>
-              <a:buFontTx/>
-              <a:buNone/>
-            </a:pPr>
-            <a:r>
-              <a:rPr lang="en-IN" altLang="en-US" sz="1800"/>
-              <a:t>.bodyToMono(String.</a:t>
-            </a:r>
-            <a:r>
-              <a:rPr lang="en-IN" altLang="en-US" sz="1800" b="1"/>
-              <a:t>class</a:t>
-            </a:r>
-            <a:r>
-              <a:rPr lang="en-IN" altLang="en-US" sz="1800"/>
-              <a:t>) </a:t>
-            </a:r>
-          </a:p>
-          <a:p>
-            <a:pPr marL="457200" lvl="1" indent="0">
-              <a:lnSpc>
-                <a:spcPct val="150000"/>
-              </a:lnSpc>
-              <a:buFontTx/>
-              <a:buNone/>
-            </a:pPr>
-            <a:r>
-              <a:rPr lang="en-IN" altLang="en-US" sz="1800"/>
-              <a:t>.retryWhen(Retry.max(3) </a:t>
-            </a:r>
-          </a:p>
-          <a:p>
-            <a:pPr marL="457200" lvl="1" indent="0">
-              <a:lnSpc>
-                <a:spcPct val="150000"/>
-              </a:lnSpc>
-              <a:buFontTx/>
-              <a:buNone/>
-            </a:pPr>
-            <a:r>
-              <a:rPr lang="en-IN" altLang="en-US" sz="1800"/>
-              <a:t>.doBeforeRetry(x -&gt; logger.info("Retrying " + x.totalRetries()))) }</a:t>
-            </a:r>
-          </a:p>
-          <a:p>
-            <a:pPr marL="457200" lvl="1" indent="0">
-              <a:lnSpc>
-                <a:spcPct val="150000"/>
-              </a:lnSpc>
-              <a:buFontTx/>
-              <a:buNone/>
-            </a:pPr>
-            <a:endParaRPr lang="en-IN" altLang="en-US" sz="1800"/>
-          </a:p>
-          <a:p>
-            <a:pPr marL="457200" lvl="1" indent="0">
-              <a:lnSpc>
-                <a:spcPct val="150000"/>
-              </a:lnSpc>
-              <a:buFontTx/>
-              <a:buNone/>
-            </a:pPr>
-            <a:r>
-              <a:rPr lang="en-IN" altLang="en-US" sz="1800" b="1"/>
-              <a:t> return client.get().uri("http://localhost:4040/info")</a:t>
-            </a:r>
-            <a:br>
-              <a:rPr lang="en-IN" altLang="en-US" sz="1800" b="1"/>
-            </a:br>
-            <a:r>
-              <a:rPr lang="en-IN" altLang="en-US" sz="1800" b="1"/>
-              <a:t>                .retrieve()</a:t>
-            </a:r>
-            <a:br>
-              <a:rPr lang="en-IN" altLang="en-US" sz="1800" b="1"/>
-            </a:br>
-            <a:r>
-              <a:rPr lang="en-IN" altLang="en-US" sz="1800" b="1"/>
-              <a:t>.bodyToMono(String.class)</a:t>
-            </a:r>
-            <a:br>
-              <a:rPr lang="en-IN" altLang="en-US" sz="1800" b="1"/>
-            </a:br>
-            <a:r>
-              <a:rPr lang="en-IN" altLang="en-US" sz="1800" b="1"/>
-              <a:t>                    .retry(5).log();</a:t>
-            </a:r>
-            <a:br>
-              <a:rPr lang="en-IN" altLang="en-US" sz="1800" b="1"/>
-            </a:br>
-            <a:endParaRPr lang="en-US" altLang="en-US" sz="1800" b="1"/>
-          </a:p>
-          <a:p>
-            <a:pPr marL="457200" lvl="1" indent="0">
-              <a:lnSpc>
-                <a:spcPct val="150000"/>
-              </a:lnSpc>
-              <a:buFontTx/>
-              <a:buNone/>
-            </a:pPr>
-            <a:endParaRPr lang="en-US" altLang="en-US" sz="2000"/>
-          </a:p>
-        </p:txBody>
-      </p:sp>
-    </p:spTree>
-  </p:cSld>
-  <p:clrMapOvr>
-    <a:masterClrMapping/>
-  </p:clrMapOvr>
-</p:sld>
-</file>
-
-<file path=ppt/slides/slide111.xml><?xml version="1.0" encoding="utf-8"?>
-<p:sld xmlns:a="http://schemas.openxmlformats.org/drawingml/2006/main" xmlns:r="http://schemas.openxmlformats.org/officeDocument/2006/relationships" xmlns:p="http://schemas.openxmlformats.org/presentationml/2006/main">
-  <p:cSld>
-    <p:spTree>
-      <p:nvGrpSpPr>
-        <p:cNvPr id="1" name=""/>
-        <p:cNvGrpSpPr/>
-        <p:nvPr/>
-      </p:nvGrpSpPr>
-      <p:grpSpPr>
-        <a:xfrm>
-          <a:off x="0" y="0"/>
-          <a:ext cx="0" cy="0"/>
-          <a:chOff x="0" y="0"/>
-          <a:chExt cx="0" cy="0"/>
-        </a:xfrm>
-      </p:grpSpPr>
-      <p:sp>
-        <p:nvSpPr>
-          <p:cNvPr id="130049" name="Title 1">
-            <a:extLst>
-              <a:ext uri="{FF2B5EF4-FFF2-40B4-BE49-F238E27FC236}">
-                <a16:creationId xmlns:a16="http://schemas.microsoft.com/office/drawing/2014/main" id="{1A93F93F-7CBD-FB04-CDF1-D4378D28BAD5}"/>
-              </a:ext>
-            </a:extLst>
-          </p:cNvPr>
-          <p:cNvSpPr>
-            <a:spLocks noGrp="1" noChangeArrowheads="1"/>
-          </p:cNvSpPr>
-          <p:nvPr>
-            <p:ph type="title"/>
-          </p:nvPr>
-        </p:nvSpPr>
-        <p:spPr/>
-        <p:txBody>
-          <a:bodyPr/>
-          <a:lstStyle/>
-          <a:p>
-            <a:r>
-              <a:rPr lang="en-US" altLang="en-US"/>
-              <a:t>Retry</a:t>
-            </a:r>
-          </a:p>
-        </p:txBody>
-      </p:sp>
-      <p:sp>
-        <p:nvSpPr>
-          <p:cNvPr id="3" name="Content Placeholder 2">
-            <a:extLst>
-              <a:ext uri="{FF2B5EF4-FFF2-40B4-BE49-F238E27FC236}">
-                <a16:creationId xmlns:a16="http://schemas.microsoft.com/office/drawing/2014/main" id="{1E738C1F-3292-DC95-E84E-870F58453EEF}"/>
-              </a:ext>
-            </a:extLst>
-          </p:cNvPr>
-          <p:cNvSpPr>
-            <a:spLocks noGrp="1"/>
-          </p:cNvSpPr>
-          <p:nvPr>
-            <p:ph idx="1"/>
-          </p:nvPr>
-        </p:nvSpPr>
-        <p:spPr/>
-        <p:txBody>
-          <a:bodyPr/>
-          <a:lstStyle/>
-          <a:p>
-            <a:pPr>
-              <a:defRPr/>
-            </a:pPr>
-            <a:r>
-              <a:rPr lang="en-IN" sz="2000" dirty="0"/>
-              <a:t>return   </a:t>
-            </a:r>
-            <a:r>
-              <a:rPr lang="en-IN" sz="2000" dirty="0" err="1"/>
-              <a:t>client.get</a:t>
-            </a:r>
-            <a:r>
-              <a:rPr lang="en-IN" sz="2000" dirty="0"/>
-              <a:t>().</a:t>
-            </a:r>
-            <a:r>
-              <a:rPr lang="en-IN" sz="2000" dirty="0" err="1"/>
-              <a:t>uri</a:t>
-            </a:r>
-            <a:r>
-              <a:rPr lang="en-IN" sz="2000" dirty="0"/>
-              <a:t>("http://localhost:4040/info")</a:t>
-            </a:r>
-            <a:br>
-              <a:rPr lang="en-IN" sz="2000" dirty="0"/>
-            </a:br>
-            <a:r>
-              <a:rPr lang="en-IN" sz="2000" dirty="0"/>
-              <a:t>          .retrieve().</a:t>
-            </a:r>
-            <a:br>
-              <a:rPr lang="en-IN" sz="2000" dirty="0"/>
-            </a:br>
-            <a:r>
-              <a:rPr lang="en-IN" sz="2000" dirty="0"/>
-              <a:t>     </a:t>
-            </a:r>
-            <a:r>
-              <a:rPr lang="en-IN" sz="2000" dirty="0" err="1"/>
-              <a:t>bodyToMono</a:t>
-            </a:r>
-            <a:r>
-              <a:rPr lang="en-IN" sz="2000" dirty="0"/>
-              <a:t>(</a:t>
-            </a:r>
-            <a:r>
-              <a:rPr lang="en-IN" sz="2000" dirty="0" err="1"/>
-              <a:t>String.class</a:t>
-            </a:r>
-            <a:r>
-              <a:rPr lang="en-IN" sz="2000" dirty="0"/>
-              <a:t>).log().timeout(</a:t>
-            </a:r>
-            <a:r>
-              <a:rPr lang="en-IN" sz="2000" dirty="0" err="1"/>
-              <a:t>Duration.</a:t>
-            </a:r>
-            <a:r>
-              <a:rPr lang="en-IN" sz="2000" i="1" dirty="0" err="1"/>
-              <a:t>ofSeconds</a:t>
-            </a:r>
-            <a:r>
-              <a:rPr lang="en-IN" sz="2000" dirty="0"/>
-              <a:t>(50))</a:t>
-            </a:r>
-            <a:br>
-              <a:rPr lang="en-IN" sz="2000" dirty="0"/>
-            </a:br>
-            <a:r>
-              <a:rPr lang="en-IN" sz="2000" dirty="0"/>
-              <a:t>        .</a:t>
-            </a:r>
-            <a:r>
-              <a:rPr lang="en-IN" sz="2000" dirty="0" err="1"/>
-              <a:t>onErrorResume</a:t>
-            </a:r>
-            <a:r>
-              <a:rPr lang="en-IN" sz="2000" dirty="0"/>
-              <a:t>( </a:t>
-            </a:r>
-            <a:r>
-              <a:rPr lang="en-IN" sz="2000" dirty="0" err="1"/>
-              <a:t>ConnectTimeoutException.class,e</a:t>
-            </a:r>
-            <a:r>
-              <a:rPr lang="en-IN" sz="2000" dirty="0"/>
-              <a:t> -&gt;  	</a:t>
-            </a:r>
-            <a:r>
-              <a:rPr lang="en-IN" sz="2000" dirty="0" err="1"/>
-              <a:t>Mono.</a:t>
-            </a:r>
-            <a:r>
-              <a:rPr lang="en-IN" sz="2000" i="1" dirty="0" err="1"/>
-              <a:t>just</a:t>
-            </a:r>
-            <a:r>
-              <a:rPr lang="en-IN" sz="2000" dirty="0"/>
-              <a:t>("Fallback"));</a:t>
-            </a:r>
-          </a:p>
-          <a:p>
-            <a:pPr>
-              <a:defRPr/>
-            </a:pPr>
-            <a:endParaRPr lang="en-IN" sz="2000" dirty="0"/>
-          </a:p>
-          <a:p>
-            <a:pPr>
-              <a:defRPr/>
-            </a:pPr>
-            <a:endParaRPr lang="en-IN" sz="2000" dirty="0"/>
-          </a:p>
-          <a:p>
-            <a:pPr marL="457200" lvl="1" indent="0">
-              <a:buFontTx/>
-              <a:buNone/>
-              <a:defRPr/>
-            </a:pPr>
-            <a:r>
-              <a:rPr lang="en-IN" sz="2000" b="1" dirty="0">
-                <a:solidFill>
-                  <a:srgbClr val="395FB0"/>
-                </a:solidFill>
-              </a:rPr>
-              <a:t>return</a:t>
-            </a:r>
-            <a:r>
-              <a:rPr lang="en-IN" sz="2000" dirty="0">
-                <a:solidFill>
-                  <a:srgbClr val="404040"/>
-                </a:solidFill>
-              </a:rPr>
-              <a:t> </a:t>
-            </a:r>
-            <a:r>
-              <a:rPr lang="en-IN" sz="2000" dirty="0" err="1">
-                <a:solidFill>
-                  <a:srgbClr val="404040"/>
-                </a:solidFill>
-              </a:rPr>
-              <a:t>webClient.get</a:t>
-            </a:r>
-            <a:r>
-              <a:rPr lang="en-IN" sz="2000" dirty="0">
-                <a:solidFill>
-                  <a:srgbClr val="404040"/>
-                </a:solidFill>
-              </a:rPr>
-              <a:t>() .retrieve() </a:t>
-            </a:r>
-          </a:p>
-          <a:p>
-            <a:pPr marL="457200" lvl="1" indent="0">
-              <a:buFontTx/>
-              <a:buNone/>
-              <a:defRPr/>
-            </a:pPr>
-            <a:r>
-              <a:rPr lang="en-IN" sz="2000" dirty="0">
-                <a:solidFill>
-                  <a:srgbClr val="404040"/>
-                </a:solidFill>
-              </a:rPr>
-              <a:t>.</a:t>
-            </a:r>
-            <a:r>
-              <a:rPr lang="en-IN" sz="2000" dirty="0" err="1">
-                <a:solidFill>
-                  <a:srgbClr val="404040"/>
-                </a:solidFill>
-              </a:rPr>
-              <a:t>bodyToMono</a:t>
-            </a:r>
-            <a:r>
-              <a:rPr lang="en-IN" sz="2000" dirty="0">
-                <a:solidFill>
-                  <a:srgbClr val="404040"/>
-                </a:solidFill>
-              </a:rPr>
-              <a:t>(</a:t>
-            </a:r>
-            <a:r>
-              <a:rPr lang="en-IN" sz="2000" dirty="0" err="1">
-                <a:solidFill>
-                  <a:srgbClr val="404040"/>
-                </a:solidFill>
-              </a:rPr>
-              <a:t>String.</a:t>
-            </a:r>
-            <a:r>
-              <a:rPr lang="en-IN" sz="2000" b="1" dirty="0" err="1">
-                <a:solidFill>
-                  <a:srgbClr val="395FB0"/>
-                </a:solidFill>
-              </a:rPr>
-              <a:t>class</a:t>
-            </a:r>
-            <a:r>
-              <a:rPr lang="en-IN" sz="2000" dirty="0">
-                <a:solidFill>
-                  <a:srgbClr val="404040"/>
-                </a:solidFill>
-              </a:rPr>
-              <a:t>) </a:t>
-            </a:r>
-          </a:p>
-          <a:p>
-            <a:pPr marL="457200" lvl="1" indent="0">
-              <a:buFontTx/>
-              <a:buNone/>
-              <a:defRPr/>
-            </a:pPr>
-            <a:r>
-              <a:rPr lang="en-IN" sz="2000" dirty="0">
-                <a:solidFill>
-                  <a:srgbClr val="404040"/>
-                </a:solidFill>
-              </a:rPr>
-              <a:t>.timeout(</a:t>
-            </a:r>
-            <a:r>
-              <a:rPr lang="en-IN" sz="2000" dirty="0" err="1">
-                <a:solidFill>
-                  <a:srgbClr val="404040"/>
-                </a:solidFill>
-              </a:rPr>
-              <a:t>Duration.ofSeconds</a:t>
-            </a:r>
-            <a:r>
-              <a:rPr lang="en-IN" sz="2000" dirty="0">
-                <a:solidFill>
-                  <a:srgbClr val="404040"/>
-                </a:solidFill>
-              </a:rPr>
-              <a:t>(2)) </a:t>
-            </a:r>
-          </a:p>
-          <a:p>
-            <a:pPr marL="457200" lvl="1" indent="0">
-              <a:buFontTx/>
-              <a:buNone/>
-              <a:defRPr/>
-            </a:pPr>
-            <a:r>
-              <a:rPr lang="en-IN" sz="2000" dirty="0">
-                <a:solidFill>
-                  <a:srgbClr val="404040"/>
-                </a:solidFill>
-              </a:rPr>
-              <a:t>.</a:t>
-            </a:r>
-            <a:r>
-              <a:rPr lang="en-IN" sz="2000" dirty="0" err="1">
-                <a:solidFill>
-                  <a:srgbClr val="404040"/>
-                </a:solidFill>
-              </a:rPr>
-              <a:t>retryWhen</a:t>
-            </a:r>
-            <a:r>
-              <a:rPr lang="en-IN" sz="2000" dirty="0">
-                <a:solidFill>
-                  <a:srgbClr val="404040"/>
-                </a:solidFill>
-              </a:rPr>
-              <a:t>(</a:t>
-            </a:r>
-            <a:r>
-              <a:rPr lang="en-IN" sz="2000" dirty="0" err="1">
-                <a:solidFill>
-                  <a:srgbClr val="404040"/>
-                </a:solidFill>
-              </a:rPr>
-              <a:t>Retry.backoff</a:t>
-            </a:r>
-            <a:r>
-              <a:rPr lang="en-IN" sz="2000" dirty="0">
-                <a:solidFill>
-                  <a:srgbClr val="404040"/>
-                </a:solidFill>
-              </a:rPr>
-              <a:t>(3, </a:t>
-            </a:r>
-            <a:r>
-              <a:rPr lang="en-IN" sz="2000" dirty="0" err="1">
-                <a:solidFill>
-                  <a:srgbClr val="404040"/>
-                </a:solidFill>
-              </a:rPr>
-              <a:t>Duration.ofSeconds</a:t>
-            </a:r>
-            <a:r>
-              <a:rPr lang="en-IN" sz="2000" dirty="0">
-                <a:solidFill>
-                  <a:srgbClr val="404040"/>
-                </a:solidFill>
-              </a:rPr>
-              <a:t>(2))); </a:t>
-            </a:r>
-            <a:br>
-              <a:rPr lang="en-IN" sz="2000" dirty="0"/>
-            </a:br>
-            <a:endParaRPr lang="en-US" sz="2000" dirty="0"/>
-          </a:p>
-          <a:p>
-            <a:pPr marL="0" indent="0">
-              <a:buFontTx/>
-              <a:buNone/>
-              <a:defRPr/>
-            </a:pPr>
-            <a:br>
-              <a:rPr lang="en-IN" sz="2000" dirty="0"/>
-            </a:br>
-            <a:endParaRPr lang="en-IN" sz="2000" dirty="0"/>
-          </a:p>
-          <a:p>
-            <a:pPr>
-              <a:defRPr/>
-            </a:pPr>
-            <a:endParaRPr lang="en-US" dirty="0"/>
           </a:p>
         </p:txBody>
       </p:sp>
@@ -23430,6 +22689,366 @@
       </p:grpSpPr>
       <p:sp>
         <p:nvSpPr>
+          <p:cNvPr id="81921" name="Title 1">
+            <a:extLst>
+              <a:ext uri="{FF2B5EF4-FFF2-40B4-BE49-F238E27FC236}">
+                <a16:creationId xmlns:a16="http://schemas.microsoft.com/office/drawing/2014/main" id="{9F2B2865-2D33-F7D2-E060-E94DF7355A37}"/>
+              </a:ext>
+            </a:extLst>
+          </p:cNvPr>
+          <p:cNvSpPr>
+            <a:spLocks noGrp="1" noChangeArrowheads="1"/>
+          </p:cNvSpPr>
+          <p:nvPr>
+            <p:ph type="title"/>
+          </p:nvPr>
+        </p:nvSpPr>
+        <p:spPr/>
+        <p:txBody>
+          <a:bodyPr/>
+          <a:lstStyle/>
+          <a:p>
+            <a:r>
+              <a:rPr lang="en-US" altLang="en-US"/>
+              <a:t>Configuring With Web Client</a:t>
+            </a:r>
+            <a:endParaRPr lang="en-IN" altLang="en-US"/>
+          </a:p>
+        </p:txBody>
+      </p:sp>
+      <p:sp>
+        <p:nvSpPr>
+          <p:cNvPr id="81922" name="Content Placeholder 2">
+            <a:extLst>
+              <a:ext uri="{FF2B5EF4-FFF2-40B4-BE49-F238E27FC236}">
+                <a16:creationId xmlns:a16="http://schemas.microsoft.com/office/drawing/2014/main" id="{39C55AF1-DC6C-BA58-23F0-F65AB9410E19}"/>
+              </a:ext>
+            </a:extLst>
+          </p:cNvPr>
+          <p:cNvSpPr>
+            <a:spLocks noGrp="1" noChangeArrowheads="1"/>
+          </p:cNvSpPr>
+          <p:nvPr>
+            <p:ph idx="1"/>
+          </p:nvPr>
+        </p:nvSpPr>
+        <p:spPr/>
+        <p:txBody>
+          <a:bodyPr/>
+          <a:lstStyle/>
+          <a:p>
+            <a:pPr marL="457200" lvl="1" indent="0">
+              <a:buFontTx/>
+              <a:buNone/>
+            </a:pPr>
+            <a:r>
+              <a:rPr lang="en-IN" altLang="en-US" b="1" dirty="0">
+                <a:solidFill>
+                  <a:srgbClr val="7F0055"/>
+                </a:solidFill>
+                <a:latin typeface="Consolas" panose="020B0609020204030204" pitchFamily="49" charset="0"/>
+              </a:rPr>
+              <a:t>import </a:t>
+            </a:r>
+            <a:r>
+              <a:rPr lang="en-IN" altLang="en-US" b="1" dirty="0">
+                <a:solidFill>
+                  <a:srgbClr val="000000"/>
+                </a:solidFill>
+                <a:latin typeface="Consolas" panose="020B0609020204030204" pitchFamily="49" charset="0"/>
+              </a:rPr>
+              <a:t>org.springframework.cloud.circuitbreaker.resilience4j.*;</a:t>
+            </a:r>
+          </a:p>
+          <a:p>
+            <a:pPr marL="457200" lvl="1" indent="0">
+              <a:buFontTx/>
+              <a:buNone/>
+            </a:pPr>
+            <a:endParaRPr lang="en-IN" altLang="en-US" sz="1800" dirty="0">
+              <a:solidFill>
+                <a:srgbClr val="646464"/>
+              </a:solidFill>
+            </a:endParaRPr>
+          </a:p>
+          <a:p>
+            <a:pPr marL="457200" lvl="1" indent="0">
+              <a:buFontTx/>
+              <a:buNone/>
+            </a:pPr>
+            <a:r>
+              <a:rPr lang="en-IN" altLang="en-US" sz="1800" dirty="0">
+                <a:solidFill>
+                  <a:srgbClr val="646464"/>
+                </a:solidFill>
+              </a:rPr>
+              <a:t>@Bean</a:t>
+            </a:r>
+          </a:p>
+          <a:p>
+            <a:pPr marL="457200" lvl="1" indent="0">
+              <a:buFontTx/>
+              <a:buNone/>
+            </a:pPr>
+            <a:r>
+              <a:rPr lang="en-IN" altLang="en-US" sz="1800" b="1" dirty="0">
+                <a:solidFill>
+                  <a:srgbClr val="7F0055"/>
+                </a:solidFill>
+              </a:rPr>
+              <a:t>public</a:t>
+            </a:r>
+            <a:r>
+              <a:rPr lang="en-IN" altLang="en-US" sz="1800" b="1" dirty="0">
+                <a:solidFill>
+                  <a:srgbClr val="000000"/>
+                </a:solidFill>
+              </a:rPr>
+              <a:t> Customizer&lt;ReactiveResilience4JCircuitBreakerFactory&gt; </a:t>
+            </a:r>
+            <a:r>
+              <a:rPr lang="en-IN" altLang="en-US" sz="1800" b="1" dirty="0" err="1">
+                <a:solidFill>
+                  <a:srgbClr val="000000"/>
+                </a:solidFill>
+              </a:rPr>
+              <a:t>defaultCustomizer</a:t>
+            </a:r>
+            <a:r>
+              <a:rPr lang="en-IN" altLang="en-US" sz="1800" b="1" dirty="0">
+                <a:solidFill>
+                  <a:srgbClr val="000000"/>
+                </a:solidFill>
+              </a:rPr>
+              <a:t>(){</a:t>
+            </a:r>
+          </a:p>
+          <a:p>
+            <a:pPr marL="457200" lvl="1" indent="0">
+              <a:buFontTx/>
+              <a:buNone/>
+            </a:pPr>
+            <a:endParaRPr lang="en-IN" altLang="en-US" sz="1800" dirty="0"/>
+          </a:p>
+          <a:p>
+            <a:pPr marL="457200" lvl="1" indent="0">
+              <a:buFontTx/>
+              <a:buNone/>
+            </a:pPr>
+            <a:r>
+              <a:rPr lang="en-US" altLang="en-US" sz="1800" b="1" dirty="0">
+                <a:solidFill>
+                  <a:srgbClr val="7F0055"/>
+                </a:solidFill>
+              </a:rPr>
+              <a:t>return</a:t>
+            </a:r>
+            <a:r>
+              <a:rPr lang="en-US" altLang="en-US" sz="1800" b="1" dirty="0">
+                <a:solidFill>
+                  <a:srgbClr val="000000"/>
+                </a:solidFill>
+              </a:rPr>
+              <a:t> </a:t>
+            </a:r>
+            <a:r>
+              <a:rPr lang="en-US" altLang="en-US" sz="1800" b="1" dirty="0">
+                <a:solidFill>
+                  <a:srgbClr val="6A3E3E"/>
+                </a:solidFill>
+              </a:rPr>
+              <a:t>factory</a:t>
+            </a:r>
+            <a:r>
+              <a:rPr lang="en-US" altLang="en-US" sz="1800" b="1" dirty="0">
+                <a:solidFill>
+                  <a:srgbClr val="000000"/>
+                </a:solidFill>
+              </a:rPr>
+              <a:t> -&gt; </a:t>
+            </a:r>
+            <a:r>
+              <a:rPr lang="en-US" altLang="en-US" sz="1800" b="1" dirty="0" err="1">
+                <a:solidFill>
+                  <a:srgbClr val="6A3E3E"/>
+                </a:solidFill>
+              </a:rPr>
+              <a:t>factory</a:t>
+            </a:r>
+            <a:r>
+              <a:rPr lang="en-US" altLang="en-US" sz="1800" b="1" dirty="0" err="1">
+                <a:solidFill>
+                  <a:srgbClr val="000000"/>
+                </a:solidFill>
+              </a:rPr>
+              <a:t>.configureDefault</a:t>
+            </a:r>
+            <a:r>
+              <a:rPr lang="en-US" altLang="en-US" sz="1800" b="1" dirty="0">
+                <a:solidFill>
+                  <a:srgbClr val="000000"/>
+                </a:solidFill>
+              </a:rPr>
+              <a:t>(</a:t>
+            </a:r>
+            <a:r>
+              <a:rPr lang="en-US" altLang="en-US" sz="1800" b="1" dirty="0">
+                <a:solidFill>
+                  <a:srgbClr val="6A3E3E"/>
+                </a:solidFill>
+              </a:rPr>
+              <a:t>id</a:t>
+            </a:r>
+            <a:r>
+              <a:rPr lang="en-US" altLang="en-US" sz="1800" b="1" dirty="0">
+                <a:solidFill>
+                  <a:srgbClr val="000000"/>
+                </a:solidFill>
+              </a:rPr>
+              <a:t> -&gt; </a:t>
+            </a:r>
+            <a:r>
+              <a:rPr lang="en-US" altLang="en-US" sz="1800" b="1" dirty="0">
+                <a:solidFill>
+                  <a:srgbClr val="7F0055"/>
+                </a:solidFill>
+              </a:rPr>
+              <a:t>new</a:t>
+            </a:r>
+            <a:r>
+              <a:rPr lang="en-US" altLang="en-US" sz="1800" b="1" dirty="0">
+                <a:solidFill>
+                  <a:srgbClr val="000000"/>
+                </a:solidFill>
+              </a:rPr>
+              <a:t> Resilience4JConfigBuilder(</a:t>
+            </a:r>
+            <a:r>
+              <a:rPr lang="en-US" altLang="en-US" sz="1800" b="1" dirty="0">
+                <a:solidFill>
+                  <a:srgbClr val="6A3E3E"/>
+                </a:solidFill>
+              </a:rPr>
+              <a:t>id</a:t>
+            </a:r>
+            <a:r>
+              <a:rPr lang="en-US" altLang="en-US" sz="1800" b="1" dirty="0">
+                <a:solidFill>
+                  <a:srgbClr val="000000"/>
+                </a:solidFill>
+              </a:rPr>
+              <a:t>)</a:t>
+            </a:r>
+          </a:p>
+          <a:p>
+            <a:pPr marL="457200" lvl="1" indent="0">
+              <a:buFontTx/>
+              <a:buNone/>
+            </a:pPr>
+            <a:r>
+              <a:rPr lang="en-IN" altLang="en-US" sz="1800" dirty="0">
+                <a:solidFill>
+                  <a:srgbClr val="000000"/>
+                </a:solidFill>
+              </a:rPr>
+              <a:t>.</a:t>
+            </a:r>
+            <a:r>
+              <a:rPr lang="en-IN" altLang="en-US" sz="1800" dirty="0" err="1">
+                <a:solidFill>
+                  <a:srgbClr val="000000"/>
+                </a:solidFill>
+              </a:rPr>
+              <a:t>circuitBreakerConfig</a:t>
+            </a:r>
+            <a:r>
+              <a:rPr lang="en-IN" altLang="en-US" sz="1800" dirty="0">
+                <a:solidFill>
+                  <a:srgbClr val="000000"/>
+                </a:solidFill>
+              </a:rPr>
+              <a:t>(</a:t>
+            </a:r>
+            <a:r>
+              <a:rPr lang="en-IN" altLang="en-US" sz="1800" dirty="0" err="1">
+                <a:solidFill>
+                  <a:srgbClr val="000000"/>
+                </a:solidFill>
+              </a:rPr>
+              <a:t>CircuitBreakerConfig.</a:t>
+            </a:r>
+            <a:r>
+              <a:rPr lang="en-IN" altLang="en-US" sz="1800" i="1" dirty="0" err="1">
+                <a:solidFill>
+                  <a:srgbClr val="000000"/>
+                </a:solidFill>
+              </a:rPr>
+              <a:t>ofDefaults</a:t>
+            </a:r>
+            <a:r>
+              <a:rPr lang="en-IN" altLang="en-US" sz="1800" i="1" dirty="0">
+                <a:solidFill>
+                  <a:srgbClr val="000000"/>
+                </a:solidFill>
+              </a:rPr>
+              <a:t>()).build());</a:t>
+            </a:r>
+          </a:p>
+          <a:p>
+            <a:pPr marL="457200" lvl="1" indent="0">
+              <a:buFontTx/>
+              <a:buNone/>
+            </a:pPr>
+            <a:endParaRPr lang="en-IN" altLang="en-US" sz="1800" dirty="0"/>
+          </a:p>
+          <a:p>
+            <a:pPr marL="457200" lvl="1" indent="0">
+              <a:buFontTx/>
+              <a:buNone/>
+            </a:pPr>
+            <a:r>
+              <a:rPr lang="en-IN" altLang="en-US" sz="1800" dirty="0">
+                <a:solidFill>
+                  <a:srgbClr val="000000"/>
+                </a:solidFill>
+              </a:rPr>
+              <a:t>}</a:t>
+            </a:r>
+          </a:p>
+        </p:txBody>
+      </p:sp>
+    </p:spTree>
+    <p:extLst>
+      <p:ext uri="{BB962C8B-B14F-4D97-AF65-F5344CB8AC3E}">
+        <p14:creationId xmlns:p14="http://schemas.microsoft.com/office/powerpoint/2010/main" val="1959501686"/>
+      </p:ext>
+    </p:extLst>
+  </p:cSld>
+  <p:clrMapOvr>
+    <a:masterClrMapping/>
+  </p:clrMapOvr>
+</p:sld>
+</file>
+
+<file path=ppt/slides/slide63.xml><?xml version="1.0" encoding="utf-8"?>
+<p:sld xmlns:a="http://schemas.openxmlformats.org/drawingml/2006/main" xmlns:r="http://schemas.openxmlformats.org/officeDocument/2006/relationships" xmlns:p="http://schemas.openxmlformats.org/presentationml/2006/main">
+  <p:cSld>
+    <p:spTree>
+      <p:nvGrpSpPr>
+        <p:cNvPr id="1" name=""/>
+        <p:cNvGrpSpPr/>
+        <p:nvPr/>
+      </p:nvGrpSpPr>
+      <p:grpSpPr>
+        <a:xfrm>
+          <a:off x="0" y="0"/>
+          <a:ext cx="0" cy="0"/>
+          <a:chOff x="0" y="0"/>
+          <a:chExt cx="0" cy="0"/>
+        </a:xfrm>
+      </p:grpSpPr>
+      <p:sp>
+        <p:nvSpPr>
           <p:cNvPr id="79873" name="Title 1">
             <a:extLst>
               <a:ext uri="{FF2B5EF4-FFF2-40B4-BE49-F238E27FC236}">
@@ -24171,7 +23790,7 @@
 </p:sld>
 </file>
 
-<file path=ppt/slides/slide63.xml><?xml version="1.0" encoding="utf-8"?>
+<file path=ppt/slides/slide64.xml><?xml version="1.0" encoding="utf-8"?>
 <p:sld xmlns:a="http://schemas.openxmlformats.org/drawingml/2006/main" xmlns:r="http://schemas.openxmlformats.org/officeDocument/2006/relationships" xmlns:p="http://schemas.openxmlformats.org/presentationml/2006/main">
   <p:cSld>
     <p:spTree>
@@ -24251,15 +23870,23 @@
               <a:buNone/>
             </a:pPr>
             <a:r>
-              <a:rPr lang="en-IN" altLang="en-US" sz="2000">
+              <a:rPr lang="en-IN" altLang="en-US" sz="2000" dirty="0">
                 <a:solidFill>
                   <a:srgbClr val="646464"/>
                 </a:solidFill>
               </a:rPr>
-              <a:t>@GetMapping</a:t>
-            </a:r>
-            <a:r>
-              <a:rPr lang="en-IN" altLang="en-US" sz="2000">
+              <a:t>@</a:t>
+            </a:r>
+            <a:r>
+              <a:rPr lang="en-IN" altLang="en-US" sz="2000" dirty="0" err="1">
+                <a:solidFill>
+                  <a:srgbClr val="646464"/>
+                </a:solidFill>
+              </a:rPr>
+              <a:t>GetMapping</a:t>
+            </a:r>
+            <a:r>
+              <a:rPr lang="en-IN" altLang="en-US" sz="2000" dirty="0">
                 <a:solidFill>
                   <a:srgbClr val="000000"/>
                 </a:solidFill>
@@ -24267,7 +23894,7 @@
               <a:t>(path = </a:t>
             </a:r>
             <a:r>
-              <a:rPr lang="en-IN" altLang="en-US" sz="2000">
+              <a:rPr lang="en-IN" altLang="en-US" sz="2000" dirty="0">
                 <a:solidFill>
                   <a:srgbClr val="2A00FF"/>
                 </a:solidFill>
@@ -24275,7 +23902,7 @@
               <a:t>"/order"</a:t>
             </a:r>
             <a:r>
-              <a:rPr lang="en-IN" altLang="en-US" sz="2000">
+              <a:rPr lang="en-IN" altLang="en-US" sz="2000" dirty="0">
                 <a:solidFill>
                   <a:srgbClr val="000000"/>
                 </a:solidFill>
@@ -24292,7 +23919,7 @@
               <a:buNone/>
             </a:pPr>
             <a:r>
-              <a:rPr lang="en-IN" altLang="en-US" sz="2000" b="1">
+              <a:rPr lang="en-IN" altLang="en-US" sz="2000" b="1" dirty="0">
                 <a:solidFill>
                   <a:srgbClr val="7F0055"/>
                 </a:solidFill>
@@ -24300,7 +23927,7 @@
               <a:t>public</a:t>
             </a:r>
             <a:r>
-              <a:rPr lang="en-IN" altLang="en-US" sz="2000" b="1">
+              <a:rPr lang="en-IN" altLang="en-US" sz="2000" b="1" dirty="0">
                 <a:solidFill>
                   <a:srgbClr val="000000"/>
                 </a:solidFill>
@@ -24317,7 +23944,7 @@
               <a:buNone/>
             </a:pPr>
             <a:r>
-              <a:rPr lang="en-IN" altLang="en-US" sz="2000">
+              <a:rPr lang="en-IN" altLang="en-US" sz="2000" dirty="0">
                 <a:solidFill>
                   <a:srgbClr val="000000"/>
                 </a:solidFill>
@@ -24325,7 +23952,7 @@
               <a:t>      </a:t>
             </a:r>
             <a:r>
-              <a:rPr lang="en-IN" altLang="en-US" sz="2000" b="1">
+              <a:rPr lang="en-IN" altLang="en-US" sz="2000" b="1" dirty="0">
                 <a:solidFill>
                   <a:srgbClr val="7F0055"/>
                 </a:solidFill>
@@ -24333,7 +23960,7 @@
               <a:t>return</a:t>
             </a:r>
             <a:r>
-              <a:rPr lang="en-IN" altLang="en-US" sz="2000" b="1">
+              <a:rPr lang="en-IN" altLang="en-US" sz="2000" b="1" dirty="0">
                 <a:solidFill>
                   <a:srgbClr val="000000"/>
                 </a:solidFill>
@@ -24341,7 +23968,7 @@
               <a:t> </a:t>
             </a:r>
             <a:r>
-              <a:rPr lang="en-IN" altLang="en-US" sz="2000" b="1">
+              <a:rPr lang="en-IN" altLang="en-US" sz="2000" b="1" dirty="0" err="1">
                 <a:solidFill>
                   <a:srgbClr val="00B0F0"/>
                 </a:solidFill>
@@ -24349,12 +23976,20 @@
               <a:t>circuitBreaker</a:t>
             </a:r>
             <a:r>
-              <a:rPr lang="en-IN" altLang="en-US" sz="2000" b="1">
-                <a:solidFill>
-                  <a:srgbClr val="000000"/>
-                </a:solidFill>
-              </a:rPr>
-              <a:t>.run(</a:t>
+              <a:rPr lang="en-IN" altLang="en-US" sz="2000" b="1" dirty="0" err="1">
+                <a:solidFill>
+                  <a:srgbClr val="000000"/>
+                </a:solidFill>
+              </a:rPr>
+              <a:t>.run</a:t>
+            </a:r>
+            <a:r>
+              <a:rPr lang="en-IN" altLang="en-US" sz="2000" b="1" dirty="0">
+                <a:solidFill>
+                  <a:srgbClr val="000000"/>
+                </a:solidFill>
+              </a:rPr>
+              <a:t>(</a:t>
             </a:r>
           </a:p>
           <a:p>
@@ -24366,7 +24001,7 @@
               <a:buNone/>
             </a:pPr>
             <a:r>
-              <a:rPr lang="en-IN" altLang="en-US" sz="2000" b="1">
+              <a:rPr lang="en-IN" altLang="en-US" sz="2000" b="1" dirty="0">
                 <a:solidFill>
                   <a:srgbClr val="000000"/>
                 </a:solidFill>
@@ -24374,7 +24009,7 @@
               <a:t>    </a:t>
             </a:r>
             <a:r>
-              <a:rPr lang="en-IN" altLang="en-US" sz="2000" b="1">
+              <a:rPr lang="en-IN" altLang="en-US" sz="2000" b="1" dirty="0" err="1">
                 <a:solidFill>
                   <a:srgbClr val="FF0000"/>
                 </a:solidFill>
@@ -24382,12 +24017,20 @@
               <a:t>client</a:t>
             </a:r>
             <a:r>
-              <a:rPr lang="en-IN" altLang="en-US" sz="2000" b="1">
-                <a:solidFill>
-                  <a:srgbClr val="000000"/>
-                </a:solidFill>
-              </a:rPr>
-              <a:t>.get()</a:t>
+              <a:rPr lang="en-IN" altLang="en-US" sz="2000" b="1" dirty="0" err="1">
+                <a:solidFill>
+                  <a:srgbClr val="000000"/>
+                </a:solidFill>
+              </a:rPr>
+              <a:t>.get</a:t>
+            </a:r>
+            <a:r>
+              <a:rPr lang="en-IN" altLang="en-US" sz="2000" b="1" dirty="0">
+                <a:solidFill>
+                  <a:srgbClr val="000000"/>
+                </a:solidFill>
+              </a:rPr>
+              <a:t>()</a:t>
             </a:r>
           </a:p>
           <a:p>
@@ -24399,15 +24042,31 @@
               <a:buNone/>
             </a:pPr>
             <a:r>
-              <a:rPr lang="en-IN" altLang="en-US" sz="2000" b="1">
-                <a:solidFill>
-                  <a:srgbClr val="000000"/>
-                </a:solidFill>
-              </a:rPr>
-              <a:t>	 .uri(</a:t>
-            </a:r>
-            <a:r>
-              <a:rPr lang="en-IN" altLang="en-US" sz="2000" b="1">
+              <a:rPr lang="en-IN" altLang="en-US" sz="2000" b="1" dirty="0">
+                <a:solidFill>
+                  <a:srgbClr val="000000"/>
+                </a:solidFill>
+              </a:rPr>
+              <a:t>	 .</a:t>
+            </a:r>
+            <a:r>
+              <a:rPr lang="en-IN" altLang="en-US" sz="2000" b="1" dirty="0" err="1">
+                <a:solidFill>
+                  <a:srgbClr val="000000"/>
+                </a:solidFill>
+              </a:rPr>
+              <a:t>uri</a:t>
+            </a:r>
+            <a:r>
+              <a:rPr lang="en-IN" altLang="en-US" sz="2000" b="1" dirty="0">
+                <a:solidFill>
+                  <a:srgbClr val="000000"/>
+                </a:solidFill>
+              </a:rPr>
+              <a:t>(</a:t>
+            </a:r>
+            <a:r>
+              <a:rPr lang="en-IN" altLang="en-US" sz="2000" b="1" dirty="0">
                 <a:solidFill>
                   <a:srgbClr val="2A00FF"/>
                 </a:solidFill>
@@ -24415,7 +24074,7 @@
               <a:t>"</a:t>
             </a:r>
             <a:r>
-              <a:rPr lang="en-IN" altLang="en-US" sz="2000">
+              <a:rPr lang="en-IN" altLang="en-US" sz="2000" dirty="0">
                 <a:solidFill>
                   <a:srgbClr val="2A00FF"/>
                 </a:solidFill>
@@ -24423,7 +24082,7 @@
               <a:t>lb://ORDER-SERVICE/orders</a:t>
             </a:r>
             <a:r>
-              <a:rPr lang="en-IN" altLang="en-US" sz="2000" b="1">
+              <a:rPr lang="en-IN" altLang="en-US" sz="2000" b="1" dirty="0">
                 <a:solidFill>
                   <a:srgbClr val="2A00FF"/>
                 </a:solidFill>
@@ -24431,7 +24090,7 @@
               <a:t>"</a:t>
             </a:r>
             <a:r>
-              <a:rPr lang="en-IN" altLang="en-US" sz="2000" b="1">
+              <a:rPr lang="en-IN" altLang="en-US" sz="2000" b="1" dirty="0">
                 <a:solidFill>
                   <a:srgbClr val="000000"/>
                 </a:solidFill>
@@ -24448,7 +24107,7 @@
               <a:buNone/>
             </a:pPr>
             <a:r>
-              <a:rPr lang="en-IN" altLang="en-US" sz="2000" b="1">
+              <a:rPr lang="en-IN" altLang="en-US" sz="2000" b="1" dirty="0">
                 <a:solidFill>
                   <a:srgbClr val="000000"/>
                 </a:solidFill>
@@ -24465,15 +24124,39 @@
               <a:buNone/>
             </a:pPr>
             <a:r>
-              <a:rPr lang="en-IN" altLang="en-US" sz="2000" b="1">
-                <a:solidFill>
-                  <a:srgbClr val="000000"/>
-                </a:solidFill>
-              </a:rPr>
-              <a:t>		  .bodyToMono(String.</a:t>
-            </a:r>
-            <a:r>
-              <a:rPr lang="en-IN" altLang="en-US" sz="2000" b="1">
+              <a:rPr lang="en-IN" altLang="en-US" sz="2000" b="1" dirty="0">
+                <a:solidFill>
+                  <a:srgbClr val="000000"/>
+                </a:solidFill>
+              </a:rPr>
+              <a:t>		  .</a:t>
+            </a:r>
+            <a:r>
+              <a:rPr lang="en-IN" altLang="en-US" sz="2000" b="1" dirty="0" err="1">
+                <a:solidFill>
+                  <a:srgbClr val="000000"/>
+                </a:solidFill>
+              </a:rPr>
+              <a:t>bodyToMono</a:t>
+            </a:r>
+            <a:r>
+              <a:rPr lang="en-IN" altLang="en-US" sz="2000" b="1" dirty="0">
+                <a:solidFill>
+                  <a:srgbClr val="000000"/>
+                </a:solidFill>
+              </a:rPr>
+              <a:t>(</a:t>
+            </a:r>
+            <a:r>
+              <a:rPr lang="en-IN" altLang="en-US" sz="2000" b="1" dirty="0" err="1">
+                <a:solidFill>
+                  <a:srgbClr val="000000"/>
+                </a:solidFill>
+              </a:rPr>
+              <a:t>String.</a:t>
+            </a:r>
+            <a:r>
+              <a:rPr lang="en-IN" altLang="en-US" sz="2000" b="1" dirty="0" err="1">
                 <a:solidFill>
                   <a:srgbClr val="7F0055"/>
                 </a:solidFill>
@@ -24481,7 +24164,7 @@
               <a:t>class</a:t>
             </a:r>
             <a:r>
-              <a:rPr lang="en-IN" altLang="en-US" sz="2000" b="1">
+              <a:rPr lang="en-IN" altLang="en-US" sz="2000" b="1" dirty="0">
                 <a:solidFill>
                   <a:srgbClr val="000000"/>
                 </a:solidFill>
@@ -24498,7 +24181,7 @@
               <a:buNone/>
             </a:pPr>
             <a:r>
-              <a:rPr lang="en-IN" altLang="en-US" sz="2000">
+              <a:rPr lang="en-IN" altLang="en-US" sz="2000" dirty="0">
                 <a:solidFill>
                   <a:srgbClr val="000000"/>
                 </a:solidFill>
@@ -24506,7 +24189,7 @@
               <a:t>      </a:t>
             </a:r>
             <a:r>
-              <a:rPr lang="en-IN" altLang="en-US" sz="2000" b="1">
+              <a:rPr lang="en-IN" altLang="en-US" sz="2000" b="1" dirty="0">
                 <a:solidFill>
                   <a:srgbClr val="00B050"/>
                 </a:solidFill>
@@ -24514,23 +24197,39 @@
               <a:t>throwable</a:t>
             </a:r>
             <a:r>
-              <a:rPr lang="en-IN" altLang="en-US" sz="2000">
-                <a:solidFill>
-                  <a:srgbClr val="000000"/>
-                </a:solidFill>
-              </a:rPr>
-              <a:t> -&gt;  Mono.</a:t>
-            </a:r>
-            <a:r>
-              <a:rPr lang="en-IN" altLang="en-US" sz="2000" i="1">
-                <a:solidFill>
-                  <a:srgbClr val="000000"/>
-                </a:solidFill>
-              </a:rPr>
-              <a:t>just(</a:t>
-            </a:r>
-            <a:r>
-              <a:rPr lang="en-IN" altLang="en-US" sz="2000" i="1">
+              <a:rPr lang="en-IN" altLang="en-US" sz="2000" dirty="0">
+                <a:solidFill>
+                  <a:srgbClr val="000000"/>
+                </a:solidFill>
+              </a:rPr>
+              <a:t> -&gt;  </a:t>
+            </a:r>
+            <a:r>
+              <a:rPr lang="en-IN" altLang="en-US" sz="2000" dirty="0" err="1">
+                <a:solidFill>
+                  <a:srgbClr val="000000"/>
+                </a:solidFill>
+              </a:rPr>
+              <a:t>Mono.</a:t>
+            </a:r>
+            <a:r>
+              <a:rPr lang="en-IN" altLang="en-US" sz="2000" i="1" dirty="0" err="1">
+                <a:solidFill>
+                  <a:srgbClr val="000000"/>
+                </a:solidFill>
+              </a:rPr>
+              <a:t>just</a:t>
+            </a:r>
+            <a:r>
+              <a:rPr lang="en-IN" altLang="en-US" sz="2000" i="1" dirty="0">
+                <a:solidFill>
+                  <a:srgbClr val="000000"/>
+                </a:solidFill>
+              </a:rPr>
+              <a:t>(</a:t>
+            </a:r>
+            <a:r>
+              <a:rPr lang="en-IN" altLang="en-US" sz="2000" i="1" dirty="0">
                 <a:solidFill>
                   <a:srgbClr val="2A00FF"/>
                 </a:solidFill>
@@ -24538,7 +24237,7 @@
               <a:t>"fallback"</a:t>
             </a:r>
             <a:r>
-              <a:rPr lang="en-IN" altLang="en-US" sz="2000" i="1">
+              <a:rPr lang="en-IN" altLang="en-US" sz="2000" i="1" dirty="0">
                 <a:solidFill>
                   <a:srgbClr val="000000"/>
                 </a:solidFill>
@@ -24555,7 +24254,7 @@
               <a:buNone/>
             </a:pPr>
             <a:r>
-              <a:rPr lang="en-IN" altLang="en-US" sz="2000">
+              <a:rPr lang="en-IN" altLang="en-US" sz="2000" dirty="0">
                 <a:solidFill>
                   <a:srgbClr val="000000"/>
                 </a:solidFill>
@@ -24572,7 +24271,7 @@
               <a:buNone/>
             </a:pPr>
             <a:r>
-              <a:rPr lang="en-IN" altLang="en-US" sz="2000">
+              <a:rPr lang="en-IN" altLang="en-US" sz="2000" dirty="0">
                 <a:solidFill>
                   <a:srgbClr val="000000"/>
                 </a:solidFill>
@@ -24580,378 +24279,42 @@
               <a:t>Can also add timeout : </a:t>
             </a:r>
             <a:r>
-              <a:rPr lang="en-IN" altLang="en-US" sz="1800">
-                <a:solidFill>
-                  <a:srgbClr val="000000"/>
-                </a:solidFill>
-                <a:latin typeface="Consolas" panose="020B0609020204030204" pitchFamily="49" charset="0"/>
-              </a:rPr>
-              <a:t>timeout(Duration.</a:t>
-            </a:r>
-            <a:r>
-              <a:rPr lang="en-IN" altLang="en-US" sz="1800" i="1">
-                <a:solidFill>
-                  <a:srgbClr val="000000"/>
-                </a:solidFill>
-                <a:latin typeface="Consolas" panose="020B0609020204030204" pitchFamily="49" charset="0"/>
-              </a:rPr>
-              <a:t>ofMinutes(5));</a:t>
-            </a:r>
-            <a:endParaRPr lang="en-IN" altLang="en-US" sz="2000"/>
-          </a:p>
-        </p:txBody>
-      </p:sp>
-    </p:spTree>
-  </p:cSld>
-  <p:clrMapOvr>
-    <a:masterClrMapping/>
-  </p:clrMapOvr>
-</p:sld>
-</file>
-
-<file path=ppt/slides/slide64.xml><?xml version="1.0" encoding="utf-8"?>
-<p:sld xmlns:a="http://schemas.openxmlformats.org/drawingml/2006/main" xmlns:r="http://schemas.openxmlformats.org/officeDocument/2006/relationships" xmlns:p="http://schemas.openxmlformats.org/presentationml/2006/main">
-  <p:cSld>
-    <p:spTree>
-      <p:nvGrpSpPr>
-        <p:cNvPr id="1" name=""/>
-        <p:cNvGrpSpPr/>
-        <p:nvPr/>
-      </p:nvGrpSpPr>
-      <p:grpSpPr>
-        <a:xfrm>
-          <a:off x="0" y="0"/>
-          <a:ext cx="0" cy="0"/>
-          <a:chOff x="0" y="0"/>
-          <a:chExt cx="0" cy="0"/>
-        </a:xfrm>
-      </p:grpSpPr>
-      <p:sp>
-        <p:nvSpPr>
-          <p:cNvPr id="81921" name="Title 1">
-            <a:extLst>
-              <a:ext uri="{FF2B5EF4-FFF2-40B4-BE49-F238E27FC236}">
-                <a16:creationId xmlns:a16="http://schemas.microsoft.com/office/drawing/2014/main" id="{9F2B2865-2D33-F7D2-E060-E94DF7355A37}"/>
-              </a:ext>
-            </a:extLst>
-          </p:cNvPr>
-          <p:cNvSpPr>
-            <a:spLocks noGrp="1" noChangeArrowheads="1"/>
-          </p:cNvSpPr>
-          <p:nvPr>
-            <p:ph type="title"/>
-          </p:nvPr>
-        </p:nvSpPr>
-        <p:spPr/>
-        <p:txBody>
-          <a:bodyPr/>
-          <a:lstStyle/>
-          <a:p>
-            <a:r>
-              <a:rPr lang="en-US" altLang="en-US"/>
-              <a:t>Configuring With Web Client</a:t>
-            </a:r>
-            <a:endParaRPr lang="en-IN" altLang="en-US"/>
-          </a:p>
-        </p:txBody>
-      </p:sp>
-      <p:sp>
-        <p:nvSpPr>
-          <p:cNvPr id="81922" name="Content Placeholder 2">
-            <a:extLst>
-              <a:ext uri="{FF2B5EF4-FFF2-40B4-BE49-F238E27FC236}">
-                <a16:creationId xmlns:a16="http://schemas.microsoft.com/office/drawing/2014/main" id="{39C55AF1-DC6C-BA58-23F0-F65AB9410E19}"/>
-              </a:ext>
-            </a:extLst>
-          </p:cNvPr>
-          <p:cNvSpPr>
-            <a:spLocks noGrp="1" noChangeArrowheads="1"/>
-          </p:cNvSpPr>
-          <p:nvPr>
-            <p:ph idx="1"/>
-          </p:nvPr>
-        </p:nvSpPr>
-        <p:spPr/>
-        <p:txBody>
-          <a:bodyPr/>
-          <a:lstStyle/>
-          <a:p>
-            <a:pPr marL="457200" lvl="1" indent="0">
-              <a:buFontTx/>
-              <a:buNone/>
-            </a:pPr>
-            <a:r>
-              <a:rPr lang="en-IN" altLang="en-US" b="1">
-                <a:solidFill>
-                  <a:srgbClr val="7F0055"/>
-                </a:solidFill>
-                <a:latin typeface="Consolas" panose="020B0609020204030204" pitchFamily="49" charset="0"/>
-              </a:rPr>
-              <a:t>import </a:t>
-            </a:r>
-            <a:r>
-              <a:rPr lang="en-IN" altLang="en-US" b="1">
-                <a:solidFill>
-                  <a:srgbClr val="000000"/>
-                </a:solidFill>
-                <a:latin typeface="Consolas" panose="020B0609020204030204" pitchFamily="49" charset="0"/>
-              </a:rPr>
-              <a:t>org.springframework.cloud.circuitbreaker.resilience4j.*;</a:t>
-            </a:r>
-          </a:p>
-          <a:p>
-            <a:pPr marL="457200" lvl="1" indent="0">
-              <a:buFontTx/>
-              <a:buNone/>
-            </a:pPr>
-            <a:endParaRPr lang="en-IN" altLang="en-US" sz="1800">
-              <a:solidFill>
-                <a:srgbClr val="646464"/>
-              </a:solidFill>
-            </a:endParaRPr>
-          </a:p>
-          <a:p>
-            <a:pPr marL="457200" lvl="1" indent="0">
-              <a:buFontTx/>
-              <a:buNone/>
-            </a:pPr>
-            <a:r>
-              <a:rPr lang="en-IN" altLang="en-US" sz="1800">
-                <a:solidFill>
-                  <a:srgbClr val="646464"/>
-                </a:solidFill>
-              </a:rPr>
-              <a:t>@Bean</a:t>
-            </a:r>
-          </a:p>
-          <a:p>
-            <a:pPr marL="457200" lvl="1" indent="0">
-              <a:buFontTx/>
-              <a:buNone/>
-            </a:pPr>
-            <a:r>
-              <a:rPr lang="en-IN" altLang="en-US" sz="1800" b="1">
-                <a:solidFill>
-                  <a:srgbClr val="7F0055"/>
-                </a:solidFill>
-              </a:rPr>
-              <a:t>public</a:t>
-            </a:r>
-            <a:r>
-              <a:rPr lang="en-IN" altLang="en-US" sz="1800" b="1">
-                <a:solidFill>
-                  <a:srgbClr val="000000"/>
-                </a:solidFill>
-              </a:rPr>
-              <a:t> Customizer&lt;ReactiveResilience4JCircuitBreakerFactory&gt; defaultCustomizer(){</a:t>
-            </a:r>
-          </a:p>
-          <a:p>
-            <a:pPr marL="457200" lvl="1" indent="0">
-              <a:buFontTx/>
-              <a:buNone/>
-            </a:pPr>
-            <a:endParaRPr lang="en-IN" altLang="en-US" sz="1800"/>
-          </a:p>
-          <a:p>
-            <a:pPr marL="457200" lvl="1" indent="0">
-              <a:buFontTx/>
-              <a:buNone/>
-            </a:pPr>
-            <a:r>
-              <a:rPr lang="en-US" altLang="en-US" sz="1800" b="1">
-                <a:solidFill>
-                  <a:srgbClr val="7F0055"/>
-                </a:solidFill>
-              </a:rPr>
-              <a:t>return</a:t>
-            </a:r>
-            <a:r>
-              <a:rPr lang="en-US" altLang="en-US" sz="1800" b="1">
-                <a:solidFill>
-                  <a:srgbClr val="000000"/>
-                </a:solidFill>
-              </a:rPr>
-              <a:t> </a:t>
-            </a:r>
-            <a:r>
-              <a:rPr lang="en-US" altLang="en-US" sz="1800" b="1">
-                <a:solidFill>
-                  <a:srgbClr val="6A3E3E"/>
-                </a:solidFill>
-              </a:rPr>
-              <a:t>factory</a:t>
-            </a:r>
-            <a:r>
-              <a:rPr lang="en-US" altLang="en-US" sz="1800" b="1">
-                <a:solidFill>
-                  <a:srgbClr val="000000"/>
-                </a:solidFill>
-              </a:rPr>
-              <a:t> -&gt; </a:t>
-            </a:r>
-            <a:r>
-              <a:rPr lang="en-US" altLang="en-US" sz="1800" b="1">
-                <a:solidFill>
-                  <a:srgbClr val="6A3E3E"/>
-                </a:solidFill>
-              </a:rPr>
-              <a:t>factory</a:t>
-            </a:r>
-            <a:r>
-              <a:rPr lang="en-US" altLang="en-US" sz="1800" b="1">
-                <a:solidFill>
-                  <a:srgbClr val="000000"/>
-                </a:solidFill>
-              </a:rPr>
-              <a:t>.configureDefault(</a:t>
-            </a:r>
-            <a:r>
-              <a:rPr lang="en-US" altLang="en-US" sz="1800" b="1">
-                <a:solidFill>
-                  <a:srgbClr val="6A3E3E"/>
-                </a:solidFill>
-              </a:rPr>
-              <a:t>id</a:t>
-            </a:r>
-            <a:r>
-              <a:rPr lang="en-US" altLang="en-US" sz="1800" b="1">
-                <a:solidFill>
-                  <a:srgbClr val="000000"/>
-                </a:solidFill>
-              </a:rPr>
-              <a:t> -&gt; </a:t>
-            </a:r>
-            <a:r>
-              <a:rPr lang="en-US" altLang="en-US" sz="1800" b="1">
-                <a:solidFill>
-                  <a:srgbClr val="7F0055"/>
-                </a:solidFill>
-              </a:rPr>
-              <a:t>new</a:t>
-            </a:r>
-            <a:r>
-              <a:rPr lang="en-US" altLang="en-US" sz="1800" b="1">
-                <a:solidFill>
-                  <a:srgbClr val="000000"/>
-                </a:solidFill>
-              </a:rPr>
-              <a:t> Resilience4JConfigBuilder(</a:t>
-            </a:r>
-            <a:r>
-              <a:rPr lang="en-US" altLang="en-US" sz="1800" b="1">
-                <a:solidFill>
-                  <a:srgbClr val="6A3E3E"/>
-                </a:solidFill>
-              </a:rPr>
-              <a:t>id</a:t>
-            </a:r>
-            <a:r>
-              <a:rPr lang="en-US" altLang="en-US" sz="1800" b="1">
-                <a:solidFill>
-                  <a:srgbClr val="000000"/>
-                </a:solidFill>
-              </a:rPr>
-              <a:t>)</a:t>
-            </a:r>
-          </a:p>
-          <a:p>
-            <a:pPr marL="457200" lvl="1" indent="0">
-              <a:buFontTx/>
-              <a:buNone/>
-            </a:pPr>
-            <a:r>
-              <a:rPr lang="en-IN" altLang="en-US" sz="1800">
-                <a:solidFill>
-                  <a:srgbClr val="000000"/>
-                </a:solidFill>
-              </a:rPr>
-              <a:t>.circuitBreakerConfig(CircuitBreakerConfig.</a:t>
-            </a:r>
-            <a:r>
-              <a:rPr lang="en-IN" altLang="en-US" sz="1800" i="1">
-                <a:solidFill>
-                  <a:srgbClr val="000000"/>
-                </a:solidFill>
-              </a:rPr>
-              <a:t>ofDefaults()).build());</a:t>
-            </a:r>
-          </a:p>
-          <a:p>
-            <a:pPr marL="457200" lvl="1" indent="0">
-              <a:buFontTx/>
-              <a:buNone/>
-            </a:pPr>
-            <a:endParaRPr lang="en-IN" altLang="en-US" sz="1800"/>
-          </a:p>
-          <a:p>
-            <a:pPr marL="457200" lvl="1" indent="0">
-              <a:buFontTx/>
-              <a:buNone/>
-            </a:pPr>
-            <a:r>
-              <a:rPr lang="en-IN" altLang="en-US" sz="1800">
-                <a:solidFill>
-                  <a:srgbClr val="000000"/>
-                </a:solidFill>
-              </a:rPr>
-              <a:t>}</a:t>
-            </a:r>
-          </a:p>
-          <a:p>
-            <a:r>
-              <a:rPr lang="en-IN" altLang="en-US" sz="2000">
-                <a:solidFill>
-                  <a:srgbClr val="000000"/>
-                </a:solidFill>
-                <a:latin typeface="Raleway" pitchFamily="2" charset="77"/>
-              </a:rPr>
-              <a:t>In order to override the default configuration, we need to specify our own beans and properties </a:t>
-            </a:r>
-          </a:p>
-          <a:p>
-            <a:r>
-              <a:rPr lang="en-IN" altLang="en-US" sz="2000" b="1">
-                <a:solidFill>
-                  <a:srgbClr val="000000"/>
-                </a:solidFill>
-                <a:latin typeface="Raleway" pitchFamily="2" charset="77"/>
-              </a:rPr>
-              <a:t>a </a:t>
-            </a:r>
-            <a:r>
-              <a:rPr lang="en-IN" altLang="en-US" sz="2000" b="1" i="1">
-                <a:solidFill>
-                  <a:srgbClr val="000000"/>
-                </a:solidFill>
-                <a:latin typeface="Raleway" pitchFamily="2" charset="77"/>
-              </a:rPr>
-              <a:t>Customizer&lt;CircuitBreakerFactory&gt;</a:t>
-            </a:r>
-            <a:r>
-              <a:rPr lang="en-IN" altLang="en-US" sz="2000" b="1">
-                <a:solidFill>
-                  <a:srgbClr val="000000"/>
-                </a:solidFill>
-                <a:latin typeface="Raleway" pitchFamily="2" charset="77"/>
-              </a:rPr>
-              <a:t> bean</a:t>
-            </a:r>
-            <a:r>
-              <a:rPr lang="en-IN" altLang="en-US" sz="2000">
-                <a:solidFill>
-                  <a:srgbClr val="000000"/>
-                </a:solidFill>
-                <a:latin typeface="Raleway" pitchFamily="2" charset="77"/>
-              </a:rPr>
-              <a:t>. </a:t>
-            </a:r>
-          </a:p>
-          <a:p>
-            <a:br>
-              <a:rPr lang="en-IN" altLang="en-US" sz="2000"/>
-            </a:br>
-            <a:endParaRPr lang="en-IN" altLang="en-US" sz="1800"/>
+              <a:rPr lang="en-IN" altLang="en-US" sz="1800" dirty="0">
+                <a:solidFill>
+                  <a:srgbClr val="000000"/>
+                </a:solidFill>
+                <a:latin typeface="Consolas" panose="020B0609020204030204" pitchFamily="49" charset="0"/>
+              </a:rPr>
+              <a:t>timeout(</a:t>
+            </a:r>
+            <a:r>
+              <a:rPr lang="en-IN" altLang="en-US" sz="1800" dirty="0" err="1">
+                <a:solidFill>
+                  <a:srgbClr val="000000"/>
+                </a:solidFill>
+                <a:latin typeface="Consolas" panose="020B0609020204030204" pitchFamily="49" charset="0"/>
+              </a:rPr>
+              <a:t>Duration.</a:t>
+            </a:r>
+            <a:r>
+              <a:rPr lang="en-IN" altLang="en-US" sz="1800" i="1" dirty="0" err="1">
+                <a:solidFill>
+                  <a:srgbClr val="000000"/>
+                </a:solidFill>
+                <a:latin typeface="Consolas" panose="020B0609020204030204" pitchFamily="49" charset="0"/>
+              </a:rPr>
+              <a:t>ofMinutes</a:t>
+            </a:r>
+            <a:r>
+              <a:rPr lang="en-IN" altLang="en-US" sz="1800" i="1" dirty="0">
+                <a:solidFill>
+                  <a:srgbClr val="000000"/>
+                </a:solidFill>
+                <a:latin typeface="Consolas" panose="020B0609020204030204" pitchFamily="49" charset="0"/>
+              </a:rPr>
+              <a:t>(5));</a:t>
+            </a:r>
+            <a:endParaRPr lang="en-IN" altLang="en-US" sz="2000" dirty="0"/>
           </a:p>
         </p:txBody>
       </p:sp>
@@ -28398,12 +27761,11 @@
               <a:buNone/>
             </a:pPr>
             <a:r>
-              <a:rPr lang="en-US" altLang="en-US" sz="2000">
+              <a:rPr lang="en-US" altLang="en-US" sz="2000" dirty="0">
                 <a:hlinkClick r:id="rId2"/>
               </a:rPr>
-              <a:t>http://localhost:6565/actuator/circuitbreakerevents</a:t>
-            </a:r>
-            <a:endParaRPr lang="en-US" altLang="en-US" sz="2000"/>
+              <a:t>http://localhost:9020/actuator/circuitbreakerevents</a:t>
+            </a:r>
           </a:p>
           <a:p>
             <a:pPr marL="457200" lvl="1" indent="0">
@@ -28414,12 +27776,12 @@
               <a:buNone/>
             </a:pPr>
             <a:r>
-              <a:rPr lang="en-US" altLang="en-US" sz="2000">
+              <a:rPr lang="en-US" altLang="en-US" sz="2000" dirty="0">
                 <a:hlinkClick r:id="rId3"/>
               </a:rPr>
               <a:t>http://localhost:8080/actuator/health</a:t>
             </a:r>
-            <a:endParaRPr lang="en-US" altLang="en-US" sz="2000"/>
+            <a:endParaRPr lang="en-US" altLang="en-US" sz="2000" dirty="0"/>
           </a:p>
           <a:p>
             <a:pPr marL="457200" lvl="1" indent="0">
@@ -28430,12 +27792,12 @@
               <a:buNone/>
             </a:pPr>
             <a:r>
-              <a:rPr lang="en-US" altLang="en-US" sz="2000">
+              <a:rPr lang="en-US" altLang="en-US" sz="2000" dirty="0">
                 <a:hlinkClick r:id="rId4"/>
               </a:rPr>
               <a:t>http://localhost:6565/actuator/circuitbreakers</a:t>
             </a:r>
-            <a:endParaRPr lang="en-US" altLang="en-US" sz="2000"/>
+            <a:endParaRPr lang="en-US" altLang="en-US" sz="2000" dirty="0"/>
           </a:p>
           <a:p>
             <a:pPr marL="457200" lvl="1" indent="0">
@@ -28446,12 +27808,12 @@
               <a:buNone/>
             </a:pPr>
             <a:r>
-              <a:rPr lang="en-US" altLang="en-US" sz="1800">
+              <a:rPr lang="en-US" altLang="en-US" sz="1800" dirty="0">
                 <a:hlinkClick r:id="rId5"/>
               </a:rPr>
               <a:t>http://localhost:6565/actuator/metrics/resilience4j.circuitbreaker.calls</a:t>
             </a:r>
-            <a:endParaRPr lang="en-US" altLang="en-US" sz="1800"/>
+            <a:endParaRPr lang="en-US" altLang="en-US" sz="1800" dirty="0"/>
           </a:p>
           <a:p>
             <a:pPr marL="0" indent="0">
@@ -28461,7 +27823,7 @@
               <a:buFontTx/>
               <a:buNone/>
             </a:pPr>
-            <a:endParaRPr lang="en-IN" altLang="en-US" sz="2000"/>
+            <a:endParaRPr lang="en-IN" altLang="en-US" sz="2000" dirty="0"/>
           </a:p>
         </p:txBody>
       </p:sp>
@@ -28474,6 +27836,704 @@
 </file>
 
 <file path=ppt/slides/slide81.xml><?xml version="1.0" encoding="utf-8"?>
+<p:sld xmlns:a="http://schemas.openxmlformats.org/drawingml/2006/main" xmlns:r="http://schemas.openxmlformats.org/officeDocument/2006/relationships" xmlns:p="http://schemas.openxmlformats.org/presentationml/2006/main">
+  <p:cSld>
+    <p:spTree>
+      <p:nvGrpSpPr>
+        <p:cNvPr id="1" name=""/>
+        <p:cNvGrpSpPr/>
+        <p:nvPr/>
+      </p:nvGrpSpPr>
+      <p:grpSpPr>
+        <a:xfrm>
+          <a:off x="0" y="0"/>
+          <a:ext cx="0" cy="0"/>
+          <a:chOff x="0" y="0"/>
+          <a:chExt cx="0" cy="0"/>
+        </a:xfrm>
+      </p:grpSpPr>
+      <p:sp>
+        <p:nvSpPr>
+          <p:cNvPr id="125953" name="Title 1">
+            <a:extLst>
+              <a:ext uri="{FF2B5EF4-FFF2-40B4-BE49-F238E27FC236}">
+                <a16:creationId xmlns:a16="http://schemas.microsoft.com/office/drawing/2014/main" id="{7C2C1E42-1040-CB97-7841-958441CA41E5}"/>
+              </a:ext>
+            </a:extLst>
+          </p:cNvPr>
+          <p:cNvSpPr>
+            <a:spLocks noGrp="1" noChangeArrowheads="1"/>
+          </p:cNvSpPr>
+          <p:nvPr>
+            <p:ph type="title"/>
+          </p:nvPr>
+        </p:nvSpPr>
+        <p:spPr/>
+        <p:txBody>
+          <a:bodyPr/>
+          <a:lstStyle/>
+          <a:p>
+            <a:r>
+              <a:rPr lang="en-US" altLang="en-US"/>
+              <a:t>Retry</a:t>
+            </a:r>
+          </a:p>
+        </p:txBody>
+      </p:sp>
+      <p:sp>
+        <p:nvSpPr>
+          <p:cNvPr id="3" name="Content Placeholder 2">
+            <a:extLst>
+              <a:ext uri="{FF2B5EF4-FFF2-40B4-BE49-F238E27FC236}">
+                <a16:creationId xmlns:a16="http://schemas.microsoft.com/office/drawing/2014/main" id="{D9961206-513C-A2F2-3C02-EBD794AA8E41}"/>
+              </a:ext>
+            </a:extLst>
+          </p:cNvPr>
+          <p:cNvSpPr>
+            <a:spLocks noGrp="1"/>
+          </p:cNvSpPr>
+          <p:nvPr>
+            <p:ph idx="1"/>
+          </p:nvPr>
+        </p:nvSpPr>
+        <p:spPr/>
+        <p:txBody>
+          <a:bodyPr/>
+          <a:lstStyle/>
+          <a:p>
+            <a:pPr>
+              <a:lnSpc>
+                <a:spcPct val="150000"/>
+              </a:lnSpc>
+              <a:spcBef>
+                <a:spcPct val="0"/>
+              </a:spcBef>
+              <a:defRPr/>
+            </a:pPr>
+            <a:r>
+              <a:rPr lang="en-US" altLang="en-US" sz="2000" dirty="0">
+                <a:solidFill>
+                  <a:srgbClr val="404040"/>
+                </a:solidFill>
+              </a:rPr>
+              <a:t> Service may fail due to a network outage, server being down, network glitch, rate limit, etc.</a:t>
+            </a:r>
+          </a:p>
+          <a:p>
+            <a:pPr>
+              <a:lnSpc>
+                <a:spcPct val="150000"/>
+              </a:lnSpc>
+              <a:spcBef>
+                <a:spcPct val="0"/>
+              </a:spcBef>
+              <a:defRPr/>
+            </a:pPr>
+            <a:endParaRPr lang="en-US" altLang="en-US" sz="2000" dirty="0">
+              <a:solidFill>
+                <a:srgbClr val="404040"/>
+              </a:solidFill>
+            </a:endParaRPr>
+          </a:p>
+          <a:p>
+            <a:pPr lvl="1">
+              <a:lnSpc>
+                <a:spcPct val="150000"/>
+              </a:lnSpc>
+              <a:spcBef>
+                <a:spcPct val="0"/>
+              </a:spcBef>
+              <a:defRPr/>
+            </a:pPr>
+            <a:r>
+              <a:rPr lang="en-US" altLang="en-US" sz="2000" dirty="0">
+                <a:solidFill>
+                  <a:srgbClr val="404040"/>
+                </a:solidFill>
+              </a:rPr>
+              <a:t>Can try to retry the operation a few times before sending an error response to the client.</a:t>
+            </a:r>
+            <a:endParaRPr lang="en-US" altLang="en-US" sz="2000" dirty="0"/>
+          </a:p>
+          <a:p>
+            <a:pPr>
+              <a:lnSpc>
+                <a:spcPct val="150000"/>
+              </a:lnSpc>
+              <a:spcBef>
+                <a:spcPct val="0"/>
+              </a:spcBef>
+              <a:defRPr/>
+            </a:pPr>
+            <a:endParaRPr lang="en-US" altLang="en-US" sz="2000" dirty="0"/>
+          </a:p>
+          <a:p>
+            <a:pPr lvl="1">
+              <a:lnSpc>
+                <a:spcPct val="150000"/>
+              </a:lnSpc>
+              <a:spcBef>
+                <a:spcPct val="0"/>
+              </a:spcBef>
+              <a:defRPr/>
+            </a:pPr>
+            <a:r>
+              <a:rPr lang="en-US" altLang="en-US" sz="1800" dirty="0"/>
+              <a:t>It  increase the chance of getting a response back from a remote service when it’s momentarily overloaded or unresponsive.</a:t>
+            </a:r>
+          </a:p>
+          <a:p>
+            <a:pPr marL="0" indent="0">
+              <a:spcBef>
+                <a:spcPct val="0"/>
+              </a:spcBef>
+              <a:buFontTx/>
+              <a:buNone/>
+              <a:defRPr/>
+            </a:pPr>
+            <a:endParaRPr lang="en-US" altLang="en-US" sz="2000" dirty="0">
+              <a:solidFill>
+                <a:srgbClr val="404040"/>
+              </a:solidFill>
+            </a:endParaRPr>
+          </a:p>
+          <a:p>
+            <a:pPr>
+              <a:defRPr/>
+            </a:pPr>
+            <a:endParaRPr lang="en-US" sz="2000" dirty="0"/>
+          </a:p>
+        </p:txBody>
+      </p:sp>
+    </p:spTree>
+    <p:extLst>
+      <p:ext uri="{BB962C8B-B14F-4D97-AF65-F5344CB8AC3E}">
+        <p14:creationId xmlns:p14="http://schemas.microsoft.com/office/powerpoint/2010/main" val="66075396"/>
+      </p:ext>
+    </p:extLst>
+  </p:cSld>
+  <p:clrMapOvr>
+    <a:masterClrMapping/>
+  </p:clrMapOvr>
+</p:sld>
+</file>
+
+<file path=ppt/slides/slide82.xml><?xml version="1.0" encoding="utf-8"?>
+<p:sld xmlns:a="http://schemas.openxmlformats.org/drawingml/2006/main" xmlns:r="http://schemas.openxmlformats.org/officeDocument/2006/relationships" xmlns:p="http://schemas.openxmlformats.org/presentationml/2006/main">
+  <p:cSld>
+    <p:spTree>
+      <p:nvGrpSpPr>
+        <p:cNvPr id="1" name=""/>
+        <p:cNvGrpSpPr/>
+        <p:nvPr/>
+      </p:nvGrpSpPr>
+      <p:grpSpPr>
+        <a:xfrm>
+          <a:off x="0" y="0"/>
+          <a:ext cx="0" cy="0"/>
+          <a:chOff x="0" y="0"/>
+          <a:chExt cx="0" cy="0"/>
+        </a:xfrm>
+      </p:grpSpPr>
+      <p:sp>
+        <p:nvSpPr>
+          <p:cNvPr id="126977" name="Title 1">
+            <a:extLst>
+              <a:ext uri="{FF2B5EF4-FFF2-40B4-BE49-F238E27FC236}">
+                <a16:creationId xmlns:a16="http://schemas.microsoft.com/office/drawing/2014/main" id="{16DC6D18-EEDE-93FE-D5AD-03F990936ABE}"/>
+              </a:ext>
+            </a:extLst>
+          </p:cNvPr>
+          <p:cNvSpPr>
+            <a:spLocks noGrp="1" noChangeArrowheads="1"/>
+          </p:cNvSpPr>
+          <p:nvPr>
+            <p:ph type="title"/>
+          </p:nvPr>
+        </p:nvSpPr>
+        <p:spPr>
+          <a:xfrm>
+            <a:off x="457200" y="228600"/>
+            <a:ext cx="8229600" cy="639763"/>
+          </a:xfrm>
+        </p:spPr>
+        <p:txBody>
+          <a:bodyPr/>
+          <a:lstStyle/>
+          <a:p>
+            <a:r>
+              <a:rPr lang="en-US" altLang="en-US"/>
+              <a:t>Retry</a:t>
+            </a:r>
+          </a:p>
+        </p:txBody>
+      </p:sp>
+      <p:sp>
+        <p:nvSpPr>
+          <p:cNvPr id="3" name="Content Placeholder 2">
+            <a:extLst>
+              <a:ext uri="{FF2B5EF4-FFF2-40B4-BE49-F238E27FC236}">
+                <a16:creationId xmlns:a16="http://schemas.microsoft.com/office/drawing/2014/main" id="{A6212680-86C9-D85C-09FC-CBED21957B2F}"/>
+              </a:ext>
+            </a:extLst>
+          </p:cNvPr>
+          <p:cNvSpPr>
+            <a:spLocks noGrp="1"/>
+          </p:cNvSpPr>
+          <p:nvPr>
+            <p:ph idx="1"/>
+          </p:nvPr>
+        </p:nvSpPr>
+        <p:spPr>
+          <a:xfrm>
+            <a:off x="457200" y="868363"/>
+            <a:ext cx="8229600" cy="5257800"/>
+          </a:xfrm>
+        </p:spPr>
+        <p:txBody>
+          <a:bodyPr/>
+          <a:lstStyle/>
+          <a:p>
+            <a:pPr>
+              <a:spcBef>
+                <a:spcPct val="0"/>
+              </a:spcBef>
+              <a:defRPr/>
+            </a:pPr>
+            <a:r>
+              <a:rPr lang="en-US" altLang="en-US" sz="2000" b="1" dirty="0">
+                <a:solidFill>
+                  <a:srgbClr val="404040"/>
+                </a:solidFill>
+              </a:rPr>
+              <a:t>Limit the number of retries</a:t>
+            </a:r>
+            <a:r>
+              <a:rPr lang="en-US" altLang="en-US" sz="2000" dirty="0">
+                <a:solidFill>
+                  <a:srgbClr val="404040"/>
+                </a:solidFill>
+              </a:rPr>
+              <a:t>: </a:t>
+            </a:r>
+          </a:p>
+          <a:p>
+            <a:pPr lvl="1" indent="-342900">
+              <a:spcBef>
+                <a:spcPct val="0"/>
+              </a:spcBef>
+              <a:defRPr/>
+            </a:pPr>
+            <a:r>
+              <a:rPr lang="en-US" altLang="en-US" sz="2000" dirty="0">
+                <a:solidFill>
+                  <a:srgbClr val="404040"/>
+                </a:solidFill>
+              </a:rPr>
+              <a:t>Retry should not be done indefinitely. </a:t>
+            </a:r>
+          </a:p>
+          <a:p>
+            <a:pPr lvl="1" indent="-342900">
+              <a:spcBef>
+                <a:spcPct val="0"/>
+              </a:spcBef>
+              <a:defRPr/>
+            </a:pPr>
+            <a:r>
+              <a:rPr lang="en-US" altLang="en-US" sz="2000" dirty="0">
+                <a:solidFill>
+                  <a:srgbClr val="404040"/>
+                </a:solidFill>
+              </a:rPr>
+              <a:t>If the API call is still failing after the set number of retries, it’s better to communicate the failure.</a:t>
+            </a:r>
+          </a:p>
+          <a:p>
+            <a:pPr marL="400050" lvl="1" indent="0">
+              <a:spcBef>
+                <a:spcPct val="0"/>
+              </a:spcBef>
+              <a:buFontTx/>
+              <a:buChar char="•"/>
+              <a:defRPr/>
+            </a:pPr>
+            <a:endParaRPr lang="en-US" altLang="en-US" sz="2000" b="1" dirty="0">
+              <a:solidFill>
+                <a:srgbClr val="404040"/>
+              </a:solidFill>
+            </a:endParaRPr>
+          </a:p>
+          <a:p>
+            <a:pPr>
+              <a:spcBef>
+                <a:spcPct val="0"/>
+              </a:spcBef>
+              <a:defRPr/>
+            </a:pPr>
+            <a:r>
+              <a:rPr lang="en-US" altLang="en-US" sz="2000" b="1" dirty="0">
+                <a:solidFill>
+                  <a:srgbClr val="404040"/>
+                </a:solidFill>
+              </a:rPr>
+              <a:t> Retry only for transient/server-side errors: </a:t>
+            </a:r>
+          </a:p>
+          <a:p>
+            <a:pPr lvl="1" indent="-342900">
+              <a:spcBef>
+                <a:spcPct val="0"/>
+              </a:spcBef>
+              <a:defRPr/>
+            </a:pPr>
+            <a:r>
+              <a:rPr lang="en-US" altLang="en-US" sz="2000" dirty="0">
+                <a:solidFill>
+                  <a:srgbClr val="404040"/>
+                </a:solidFill>
+              </a:rPr>
+              <a:t>Transient errors are temporary and are most likely resolved by retrying a few times. </a:t>
+            </a:r>
+          </a:p>
+          <a:p>
+            <a:pPr lvl="1" indent="-342900">
+              <a:spcBef>
+                <a:spcPct val="0"/>
+              </a:spcBef>
+              <a:defRPr/>
+            </a:pPr>
+            <a:r>
+              <a:rPr lang="en-US" altLang="en-US" sz="2000" dirty="0">
+                <a:solidFill>
+                  <a:srgbClr val="404040"/>
+                </a:solidFill>
+              </a:rPr>
+              <a:t>Should not retry for failures caused by invalid data or authentication errors </a:t>
+            </a:r>
+          </a:p>
+          <a:p>
+            <a:pPr marL="400050" lvl="1" indent="0">
+              <a:spcBef>
+                <a:spcPct val="0"/>
+              </a:spcBef>
+              <a:buFontTx/>
+              <a:buChar char="•"/>
+              <a:defRPr/>
+            </a:pPr>
+            <a:endParaRPr lang="en-US" altLang="en-US" sz="2000" b="1" dirty="0">
+              <a:solidFill>
+                <a:srgbClr val="404040"/>
+              </a:solidFill>
+            </a:endParaRPr>
+          </a:p>
+          <a:p>
+            <a:pPr>
+              <a:spcBef>
+                <a:spcPct val="0"/>
+              </a:spcBef>
+              <a:defRPr/>
+            </a:pPr>
+            <a:r>
+              <a:rPr lang="en-US" altLang="en-US" sz="2000" b="1" dirty="0">
+                <a:solidFill>
+                  <a:srgbClr val="404040"/>
+                </a:solidFill>
+              </a:rPr>
+              <a:t>Watch out for time spent</a:t>
+            </a:r>
+            <a:r>
+              <a:rPr lang="en-US" altLang="en-US" sz="2000" dirty="0">
+                <a:solidFill>
+                  <a:srgbClr val="404040"/>
+                </a:solidFill>
+              </a:rPr>
+              <a:t>: </a:t>
+            </a:r>
+          </a:p>
+          <a:p>
+            <a:pPr lvl="1" indent="-342900">
+              <a:spcBef>
+                <a:spcPct val="0"/>
+              </a:spcBef>
+              <a:defRPr/>
+            </a:pPr>
+            <a:r>
+              <a:rPr lang="en-US" altLang="en-US" sz="2000" dirty="0">
+                <a:solidFill>
+                  <a:srgbClr val="404040"/>
+                </a:solidFill>
+              </a:rPr>
+              <a:t>Resilience and user experience should be balanced. </a:t>
+            </a:r>
+          </a:p>
+          <a:p>
+            <a:pPr lvl="1" indent="-342900">
+              <a:spcBef>
+                <a:spcPct val="0"/>
+              </a:spcBef>
+              <a:defRPr/>
+            </a:pPr>
+            <a:r>
+              <a:rPr lang="en-US" altLang="en-US" sz="2000" dirty="0">
+                <a:solidFill>
+                  <a:srgbClr val="404040"/>
+                </a:solidFill>
+              </a:rPr>
+              <a:t>Users should not be made to wait too long while retrying the request behind the scenes. </a:t>
+            </a:r>
+          </a:p>
+          <a:p>
+            <a:pPr>
+              <a:defRPr/>
+            </a:pPr>
+            <a:endParaRPr lang="en-US" sz="2000" dirty="0"/>
+          </a:p>
+        </p:txBody>
+      </p:sp>
+    </p:spTree>
+    <p:extLst>
+      <p:ext uri="{BB962C8B-B14F-4D97-AF65-F5344CB8AC3E}">
+        <p14:creationId xmlns:p14="http://schemas.microsoft.com/office/powerpoint/2010/main" val="2284291942"/>
+      </p:ext>
+    </p:extLst>
+  </p:cSld>
+  <p:clrMapOvr>
+    <a:masterClrMapping/>
+  </p:clrMapOvr>
+</p:sld>
+</file>
+
+<file path=ppt/slides/slide83.xml><?xml version="1.0" encoding="utf-8"?>
+<p:sld xmlns:a="http://schemas.openxmlformats.org/drawingml/2006/main" xmlns:r="http://schemas.openxmlformats.org/officeDocument/2006/relationships" xmlns:p="http://schemas.openxmlformats.org/presentationml/2006/main">
+  <p:cSld>
+    <p:spTree>
+      <p:nvGrpSpPr>
+        <p:cNvPr id="1" name=""/>
+        <p:cNvGrpSpPr/>
+        <p:nvPr/>
+      </p:nvGrpSpPr>
+      <p:grpSpPr>
+        <a:xfrm>
+          <a:off x="0" y="0"/>
+          <a:ext cx="0" cy="0"/>
+          <a:chOff x="0" y="0"/>
+          <a:chExt cx="0" cy="0"/>
+        </a:xfrm>
+      </p:grpSpPr>
+      <p:sp>
+        <p:nvSpPr>
+          <p:cNvPr id="129025" name="Title 1">
+            <a:extLst>
+              <a:ext uri="{FF2B5EF4-FFF2-40B4-BE49-F238E27FC236}">
+                <a16:creationId xmlns:a16="http://schemas.microsoft.com/office/drawing/2014/main" id="{E5B044EA-A49A-CF0A-B56C-F2B9E15DCFD0}"/>
+              </a:ext>
+            </a:extLst>
+          </p:cNvPr>
+          <p:cNvSpPr>
+            <a:spLocks noGrp="1" noChangeArrowheads="1"/>
+          </p:cNvSpPr>
+          <p:nvPr>
+            <p:ph type="title"/>
+          </p:nvPr>
+        </p:nvSpPr>
+        <p:spPr/>
+        <p:txBody>
+          <a:bodyPr/>
+          <a:lstStyle/>
+          <a:p>
+            <a:r>
+              <a:rPr lang="en-US" altLang="en-US" dirty="0"/>
+              <a:t>Retry</a:t>
+            </a:r>
+          </a:p>
+        </p:txBody>
+      </p:sp>
+      <p:sp>
+        <p:nvSpPr>
+          <p:cNvPr id="129026" name="Content Placeholder 2">
+            <a:extLst>
+              <a:ext uri="{FF2B5EF4-FFF2-40B4-BE49-F238E27FC236}">
+                <a16:creationId xmlns:a16="http://schemas.microsoft.com/office/drawing/2014/main" id="{269C25C3-131A-50D6-65E5-1CE172E736E2}"/>
+              </a:ext>
+            </a:extLst>
+          </p:cNvPr>
+          <p:cNvSpPr>
+            <a:spLocks noGrp="1" noChangeArrowheads="1"/>
+          </p:cNvSpPr>
+          <p:nvPr>
+            <p:ph idx="1"/>
+          </p:nvPr>
+        </p:nvSpPr>
+        <p:spPr>
+          <a:xfrm>
+            <a:off x="457200" y="868364"/>
+            <a:ext cx="8229600" cy="5257800"/>
+          </a:xfrm>
+        </p:spPr>
+        <p:txBody>
+          <a:bodyPr/>
+          <a:lstStyle/>
+          <a:p>
+            <a:pPr>
+              <a:lnSpc>
+                <a:spcPct val="150000"/>
+              </a:lnSpc>
+            </a:pPr>
+            <a:r>
+              <a:rPr lang="en-IN" sz="2000" dirty="0"/>
+              <a:t>Retry Three Time before failing</a:t>
+            </a:r>
+          </a:p>
+          <a:p>
+            <a:pPr lvl="1">
+              <a:lnSpc>
+                <a:spcPct val="150000"/>
+              </a:lnSpc>
+            </a:pPr>
+            <a:r>
+              <a:rPr lang="en-IN" sz="1800" dirty="0" err="1"/>
+              <a:t>webClient.get</a:t>
+            </a:r>
+            <a:r>
+              <a:rPr lang="en-IN" sz="1800" dirty="0"/>
+              <a:t>().retrieve().</a:t>
+            </a:r>
+            <a:r>
+              <a:rPr lang="en-IN" sz="1800" dirty="0" err="1"/>
+              <a:t>bodyToMono</a:t>
+            </a:r>
+            <a:r>
+              <a:rPr lang="en-IN" sz="1800" dirty="0"/>
+              <a:t>(</a:t>
+            </a:r>
+            <a:r>
+              <a:rPr lang="en-IN" sz="1800" dirty="0" err="1"/>
+              <a:t>String.class</a:t>
+            </a:r>
+            <a:r>
+              <a:rPr lang="en-IN" sz="1800" dirty="0"/>
+              <a:t>).retry(3).log();</a:t>
+            </a:r>
+          </a:p>
+          <a:p>
+            <a:pPr>
+              <a:lnSpc>
+                <a:spcPct val="150000"/>
+              </a:lnSpc>
+            </a:pPr>
+            <a:endParaRPr lang="en-IN" sz="2000" dirty="0"/>
+          </a:p>
+          <a:p>
+            <a:pPr>
+              <a:lnSpc>
+                <a:spcPct val="150000"/>
+              </a:lnSpc>
+            </a:pPr>
+            <a:r>
+              <a:rPr lang="en-IN" sz="2000" dirty="0"/>
+              <a:t>Retry 3 times, and add a delay of 2 seconds before 2nd and 3rd retries.</a:t>
+            </a:r>
+            <a:endParaRPr lang="en-IN" altLang="en-US" sz="1800" b="1" dirty="0"/>
+          </a:p>
+          <a:p>
+            <a:pPr lvl="1">
+              <a:lnSpc>
+                <a:spcPct val="150000"/>
+              </a:lnSpc>
+            </a:pPr>
+            <a:r>
+              <a:rPr lang="en-IN" sz="1800" dirty="0"/>
+              <a:t>. </a:t>
+            </a:r>
+            <a:r>
+              <a:rPr lang="en-IN" sz="1800" dirty="0" err="1"/>
+              <a:t>retryWhen</a:t>
+            </a:r>
+            <a:r>
+              <a:rPr lang="en-IN" sz="1800" dirty="0"/>
+              <a:t>(</a:t>
+            </a:r>
+            <a:r>
+              <a:rPr lang="en-IN" sz="1800" dirty="0" err="1"/>
+              <a:t>Retry.fixedDelay</a:t>
+            </a:r>
+            <a:r>
+              <a:rPr lang="en-IN" sz="1800" dirty="0"/>
+              <a:t>(3, </a:t>
+            </a:r>
+            <a:r>
+              <a:rPr lang="en-IN" sz="1800" dirty="0" err="1"/>
+              <a:t>Duration.ofSeconds</a:t>
+            </a:r>
+            <a:r>
+              <a:rPr lang="en-IN" sz="1800" dirty="0"/>
+              <a:t>(2)));</a:t>
+            </a:r>
+          </a:p>
+          <a:p>
+            <a:pPr marL="457200" lvl="1" indent="0">
+              <a:lnSpc>
+                <a:spcPct val="150000"/>
+              </a:lnSpc>
+              <a:buNone/>
+            </a:pPr>
+            <a:endParaRPr lang="en-IN" sz="1800" dirty="0"/>
+          </a:p>
+          <a:p>
+            <a:pPr marL="457200" lvl="1" indent="0">
+              <a:lnSpc>
+                <a:spcPct val="150000"/>
+              </a:lnSpc>
+              <a:buFontTx/>
+              <a:buNone/>
+            </a:pPr>
+            <a:endParaRPr lang="en-IN" altLang="en-US" sz="1800" b="1" dirty="0"/>
+          </a:p>
+          <a:p>
+            <a:pPr marL="457200" lvl="1" indent="0">
+              <a:lnSpc>
+                <a:spcPct val="150000"/>
+              </a:lnSpc>
+              <a:buFontTx/>
+              <a:buNone/>
+            </a:pPr>
+            <a:endParaRPr lang="en-US" altLang="en-US" sz="2000" dirty="0"/>
+          </a:p>
+          <a:p>
+            <a:pPr lvl="1">
+              <a:lnSpc>
+                <a:spcPct val="150000"/>
+              </a:lnSpc>
+            </a:pPr>
+            <a:endParaRPr lang="en-IN" sz="1800" dirty="0"/>
+          </a:p>
+          <a:p>
+            <a:pPr marL="457200" lvl="1" indent="0">
+              <a:lnSpc>
+                <a:spcPct val="150000"/>
+              </a:lnSpc>
+              <a:buFontTx/>
+              <a:buNone/>
+            </a:pPr>
+            <a:endParaRPr lang="en-IN" altLang="en-US" sz="1800" b="1" dirty="0"/>
+          </a:p>
+        </p:txBody>
+      </p:sp>
+    </p:spTree>
+    <p:extLst>
+      <p:ext uri="{BB962C8B-B14F-4D97-AF65-F5344CB8AC3E}">
+        <p14:creationId xmlns:p14="http://schemas.microsoft.com/office/powerpoint/2010/main" val="225789735"/>
+      </p:ext>
+    </p:extLst>
+  </p:cSld>
+  <p:clrMapOvr>
+    <a:masterClrMapping/>
+  </p:clrMapOvr>
+</p:sld>
+</file>
+
+<file path=ppt/slides/slide84.xml><?xml version="1.0" encoding="utf-8"?>
 <p:sld xmlns:a="http://schemas.openxmlformats.org/drawingml/2006/main" xmlns:r="http://schemas.openxmlformats.org/officeDocument/2006/relationships" xmlns:p="http://schemas.openxmlformats.org/presentationml/2006/main">
   <p:cSld>
     <p:spTree>
@@ -28560,7 +28620,7 @@
 </p:sld>
 </file>
 
-<file path=ppt/slides/slide82.xml><?xml version="1.0" encoding="utf-8"?>
+<file path=ppt/slides/slide85.xml><?xml version="1.0" encoding="utf-8"?>
 <p:sld xmlns:a="http://schemas.openxmlformats.org/drawingml/2006/main" xmlns:r="http://schemas.openxmlformats.org/officeDocument/2006/relationships" xmlns:p="http://schemas.openxmlformats.org/presentationml/2006/main">
   <p:cSld>
     <p:spTree>
@@ -28651,7 +28711,7 @@
 </p:sld>
 </file>
 
-<file path=ppt/slides/slide83.xml><?xml version="1.0" encoding="utf-8"?>
+<file path=ppt/slides/slide86.xml><?xml version="1.0" encoding="utf-8"?>
 <p:sld xmlns:a="http://schemas.openxmlformats.org/drawingml/2006/main" xmlns:r="http://schemas.openxmlformats.org/officeDocument/2006/relationships" xmlns:p="http://schemas.openxmlformats.org/presentationml/2006/main">
   <p:cSld>
     <p:spTree>
@@ -28853,7 +28913,7 @@
 </p:sld>
 </file>
 
-<file path=ppt/slides/slide84.xml><?xml version="1.0" encoding="utf-8"?>
+<file path=ppt/slides/slide87.xml><?xml version="1.0" encoding="utf-8"?>
 <p:sld xmlns:a="http://schemas.openxmlformats.org/drawingml/2006/main" xmlns:r="http://schemas.openxmlformats.org/officeDocument/2006/relationships" xmlns:p="http://schemas.openxmlformats.org/presentationml/2006/main">
   <p:cSld>
     <p:spTree>
@@ -28997,7 +29057,7 @@
 </p:sld>
 </file>
 
-<file path=ppt/slides/slide85.xml><?xml version="1.0" encoding="utf-8"?>
+<file path=ppt/slides/slide88.xml><?xml version="1.0" encoding="utf-8"?>
 <p:sld xmlns:a="http://schemas.openxmlformats.org/drawingml/2006/main" xmlns:r="http://schemas.openxmlformats.org/officeDocument/2006/relationships" xmlns:p="http://schemas.openxmlformats.org/presentationml/2006/main">
   <p:cSld>
     <p:spTree>
@@ -29155,7 +29215,7 @@
 </p:sld>
 </file>
 
-<file path=ppt/slides/slide86.xml><?xml version="1.0" encoding="utf-8"?>
+<file path=ppt/slides/slide89.xml><?xml version="1.0" encoding="utf-8"?>
 <p:sld xmlns:a="http://schemas.openxmlformats.org/drawingml/2006/main" xmlns:r="http://schemas.openxmlformats.org/officeDocument/2006/relationships" xmlns:p="http://schemas.openxmlformats.org/presentationml/2006/main">
   <p:cSld>
     <p:spTree>
@@ -29708,897 +29768,6 @@
               </a:rPr>
             </a:br>
             <a:endParaRPr lang="en-IN" dirty="0"/>
-          </a:p>
-        </p:txBody>
-      </p:sp>
-    </p:spTree>
-  </p:cSld>
-  <p:clrMapOvr>
-    <a:masterClrMapping/>
-  </p:clrMapOvr>
-</p:sld>
-</file>
-
-<file path=ppt/slides/slide87.xml><?xml version="1.0" encoding="utf-8"?>
-<p:sld xmlns:a="http://schemas.openxmlformats.org/drawingml/2006/main" xmlns:r="http://schemas.openxmlformats.org/officeDocument/2006/relationships" xmlns:p="http://schemas.openxmlformats.org/presentationml/2006/main">
-  <p:cSld>
-    <p:spTree>
-      <p:nvGrpSpPr>
-        <p:cNvPr id="1" name=""/>
-        <p:cNvGrpSpPr/>
-        <p:nvPr/>
-      </p:nvGrpSpPr>
-      <p:grpSpPr>
-        <a:xfrm>
-          <a:off x="0" y="0"/>
-          <a:ext cx="0" cy="0"/>
-          <a:chOff x="0" y="0"/>
-          <a:chExt cx="0" cy="0"/>
-        </a:xfrm>
-      </p:grpSpPr>
-      <p:sp>
-        <p:nvSpPr>
-          <p:cNvPr id="106497" name="Title 1">
-            <a:extLst>
-              <a:ext uri="{FF2B5EF4-FFF2-40B4-BE49-F238E27FC236}">
-                <a16:creationId xmlns:a16="http://schemas.microsoft.com/office/drawing/2014/main" id="{3259A1C4-979B-6BBD-34AC-E70BDF3DFA44}"/>
-              </a:ext>
-            </a:extLst>
-          </p:cNvPr>
-          <p:cNvSpPr>
-            <a:spLocks noGrp="1" noChangeArrowheads="1"/>
-          </p:cNvSpPr>
-          <p:nvPr>
-            <p:ph type="title"/>
-          </p:nvPr>
-        </p:nvSpPr>
-        <p:spPr>
-          <a:xfrm>
-            <a:off x="457200" y="457200"/>
-            <a:ext cx="8229600" cy="85725"/>
-          </a:xfrm>
-        </p:spPr>
-        <p:txBody>
-          <a:bodyPr/>
-          <a:lstStyle/>
-          <a:p>
-            <a:r>
-              <a:rPr lang="en-US" altLang="en-US"/>
-              <a:t>application.yml</a:t>
-            </a:r>
-            <a:endParaRPr lang="en-IN" altLang="en-US"/>
-          </a:p>
-        </p:txBody>
-      </p:sp>
-      <p:sp>
-        <p:nvSpPr>
-          <p:cNvPr id="33795" name="Content Placeholder 2">
-            <a:extLst>
-              <a:ext uri="{FF2B5EF4-FFF2-40B4-BE49-F238E27FC236}">
-                <a16:creationId xmlns:a16="http://schemas.microsoft.com/office/drawing/2014/main" id="{1DBF7497-903A-9989-B810-C0A93B774984}"/>
-              </a:ext>
-            </a:extLst>
-          </p:cNvPr>
-          <p:cNvSpPr>
-            <a:spLocks noGrp="1" noChangeArrowheads="1"/>
-          </p:cNvSpPr>
-          <p:nvPr>
-            <p:ph idx="1"/>
-          </p:nvPr>
-        </p:nvSpPr>
-        <p:spPr>
-          <a:xfrm>
-            <a:off x="457200" y="868363"/>
-            <a:ext cx="8229600" cy="5257800"/>
-          </a:xfrm>
-        </p:spPr>
-        <p:txBody>
-          <a:bodyPr/>
-          <a:lstStyle/>
-          <a:p>
-            <a:pPr marL="457200" lvl="1" indent="0">
-              <a:buFontTx/>
-              <a:buNone/>
-              <a:defRPr/>
-            </a:pPr>
-            <a:r>
-              <a:rPr lang="en-IN" sz="2000" dirty="0">
-                <a:solidFill>
-                  <a:srgbClr val="00C832"/>
-                </a:solidFill>
-                <a:latin typeface="Consolas" panose="020B0609020204030204" pitchFamily="49" charset="0"/>
-              </a:rPr>
-              <a:t>spring:</a:t>
-            </a:r>
-          </a:p>
-          <a:p>
-            <a:pPr marL="457200" lvl="1" indent="0">
-              <a:buFontTx/>
-              <a:buNone/>
-              <a:defRPr/>
-            </a:pPr>
-            <a:r>
-              <a:rPr lang="en-IN" sz="2000" dirty="0">
-                <a:solidFill>
-                  <a:srgbClr val="000000"/>
-                </a:solidFill>
-                <a:latin typeface="Consolas" panose="020B0609020204030204" pitchFamily="49" charset="0"/>
-              </a:rPr>
-              <a:t>  </a:t>
-            </a:r>
-            <a:r>
-              <a:rPr lang="en-IN" sz="2000" dirty="0">
-                <a:solidFill>
-                  <a:srgbClr val="00C832"/>
-                </a:solidFill>
-                <a:latin typeface="Consolas" panose="020B0609020204030204" pitchFamily="49" charset="0"/>
-              </a:rPr>
-              <a:t>cloud:</a:t>
-            </a:r>
-          </a:p>
-          <a:p>
-            <a:pPr marL="457200" lvl="1" indent="0">
-              <a:buFontTx/>
-              <a:buNone/>
-              <a:defRPr/>
-            </a:pPr>
-            <a:r>
-              <a:rPr lang="en-IN" sz="2000" dirty="0">
-                <a:solidFill>
-                  <a:srgbClr val="000000"/>
-                </a:solidFill>
-                <a:latin typeface="Consolas" panose="020B0609020204030204" pitchFamily="49" charset="0"/>
-              </a:rPr>
-              <a:t>    </a:t>
-            </a:r>
-            <a:r>
-              <a:rPr lang="en-IN" sz="2000" dirty="0">
-                <a:solidFill>
-                  <a:srgbClr val="00C832"/>
-                </a:solidFill>
-                <a:latin typeface="Consolas" panose="020B0609020204030204" pitchFamily="49" charset="0"/>
-              </a:rPr>
-              <a:t>gateway:</a:t>
-            </a:r>
-          </a:p>
-          <a:p>
-            <a:pPr marL="457200" lvl="1" indent="0">
-              <a:buFontTx/>
-              <a:buNone/>
-              <a:defRPr/>
-            </a:pPr>
-            <a:r>
-              <a:rPr lang="en-IN" sz="2000" dirty="0">
-                <a:solidFill>
-                  <a:srgbClr val="000000"/>
-                </a:solidFill>
-                <a:latin typeface="Consolas" panose="020B0609020204030204" pitchFamily="49" charset="0"/>
-              </a:rPr>
-              <a:t>      </a:t>
-            </a:r>
-            <a:r>
-              <a:rPr lang="en-IN" sz="2000" dirty="0">
-                <a:solidFill>
-                  <a:srgbClr val="00C832"/>
-                </a:solidFill>
-                <a:latin typeface="Consolas" panose="020B0609020204030204" pitchFamily="49" charset="0"/>
-              </a:rPr>
-              <a:t>routes:</a:t>
-            </a:r>
-          </a:p>
-          <a:p>
-            <a:pPr marL="457200" lvl="1" indent="0">
-              <a:buFontTx/>
-              <a:buNone/>
-              <a:defRPr/>
-            </a:pPr>
-            <a:r>
-              <a:rPr lang="en-IN" sz="2000" dirty="0">
-                <a:solidFill>
-                  <a:srgbClr val="000000"/>
-                </a:solidFill>
-                <a:latin typeface="Consolas" panose="020B0609020204030204" pitchFamily="49" charset="0"/>
-              </a:rPr>
-              <a:t>      </a:t>
-            </a:r>
-            <a:r>
-              <a:rPr lang="en-IN" sz="2000" dirty="0">
-                <a:solidFill>
-                  <a:srgbClr val="00C832"/>
-                </a:solidFill>
-                <a:latin typeface="Consolas" panose="020B0609020204030204" pitchFamily="49" charset="0"/>
-              </a:rPr>
-              <a:t>- id:</a:t>
-            </a:r>
-            <a:r>
-              <a:rPr lang="en-IN" sz="2000" dirty="0">
-                <a:solidFill>
-                  <a:srgbClr val="000000"/>
-                </a:solidFill>
-                <a:latin typeface="Consolas" panose="020B0609020204030204" pitchFamily="49" charset="0"/>
-              </a:rPr>
-              <a:t> review-module</a:t>
-            </a:r>
-          </a:p>
-          <a:p>
-            <a:pPr marL="457200" lvl="1" indent="0">
-              <a:buFontTx/>
-              <a:buNone/>
-              <a:defRPr/>
-            </a:pPr>
-            <a:r>
-              <a:rPr lang="en-IN" sz="2000" dirty="0">
-                <a:solidFill>
-                  <a:srgbClr val="000000"/>
-                </a:solidFill>
-                <a:latin typeface="Consolas" panose="020B0609020204030204" pitchFamily="49" charset="0"/>
-              </a:rPr>
-              <a:t>        </a:t>
-            </a:r>
-            <a:r>
-              <a:rPr lang="en-IN" sz="2000" dirty="0" err="1">
-                <a:solidFill>
-                  <a:srgbClr val="00C832"/>
-                </a:solidFill>
-                <a:latin typeface="Consolas" panose="020B0609020204030204" pitchFamily="49" charset="0"/>
-              </a:rPr>
-              <a:t>uri</a:t>
-            </a:r>
-            <a:r>
-              <a:rPr lang="en-IN" sz="2000" dirty="0">
-                <a:solidFill>
-                  <a:srgbClr val="00C832"/>
-                </a:solidFill>
-                <a:latin typeface="Consolas" panose="020B0609020204030204" pitchFamily="49" charset="0"/>
-              </a:rPr>
-              <a:t>:</a:t>
-            </a:r>
-            <a:r>
-              <a:rPr lang="en-IN" sz="2000" dirty="0">
-                <a:solidFill>
-                  <a:srgbClr val="000000"/>
-                </a:solidFill>
-                <a:latin typeface="Consolas" panose="020B0609020204030204" pitchFamily="49" charset="0"/>
-              </a:rPr>
-              <a:t> </a:t>
-            </a:r>
-            <a:r>
-              <a:rPr lang="en-IN" sz="2000" b="1" dirty="0">
-                <a:solidFill>
-                  <a:srgbClr val="C00000"/>
-                </a:solidFill>
-                <a:latin typeface="Consolas" panose="020B0609020204030204" pitchFamily="49" charset="0"/>
-              </a:rPr>
-              <a:t>lb:</a:t>
-            </a:r>
-            <a:r>
-              <a:rPr lang="en-IN" sz="2000" dirty="0">
-                <a:solidFill>
-                  <a:srgbClr val="000000"/>
-                </a:solidFill>
-                <a:latin typeface="Consolas" panose="020B0609020204030204" pitchFamily="49" charset="0"/>
-              </a:rPr>
-              <a:t>//REVIEW-SERVICE</a:t>
-            </a:r>
-          </a:p>
-          <a:p>
-            <a:pPr marL="457200" lvl="1" indent="0">
-              <a:buFontTx/>
-              <a:buNone/>
-              <a:defRPr/>
-            </a:pPr>
-            <a:r>
-              <a:rPr lang="en-IN" sz="2000" dirty="0">
-                <a:solidFill>
-                  <a:srgbClr val="000000"/>
-                </a:solidFill>
-                <a:latin typeface="Consolas" panose="020B0609020204030204" pitchFamily="49" charset="0"/>
-              </a:rPr>
-              <a:t>        </a:t>
-            </a:r>
-            <a:r>
-              <a:rPr lang="en-IN" sz="2000" dirty="0">
-                <a:solidFill>
-                  <a:srgbClr val="00C832"/>
-                </a:solidFill>
-                <a:latin typeface="Consolas" panose="020B0609020204030204" pitchFamily="49" charset="0"/>
-              </a:rPr>
-              <a:t>predicates:</a:t>
-            </a:r>
-          </a:p>
-          <a:p>
-            <a:pPr marL="457200" lvl="1" indent="0">
-              <a:buFontTx/>
-              <a:buNone/>
-              <a:defRPr/>
-            </a:pPr>
-            <a:r>
-              <a:rPr lang="en-IN" sz="2000" dirty="0">
-                <a:solidFill>
-                  <a:srgbClr val="000000"/>
-                </a:solidFill>
-                <a:latin typeface="Consolas" panose="020B0609020204030204" pitchFamily="49" charset="0"/>
-              </a:rPr>
-              <a:t>        - Path=/</a:t>
-            </a:r>
-            <a:r>
-              <a:rPr lang="en-IN" sz="2000" dirty="0" err="1">
-                <a:solidFill>
-                  <a:srgbClr val="000000"/>
-                </a:solidFill>
-                <a:latin typeface="Consolas" panose="020B0609020204030204" pitchFamily="49" charset="0"/>
-              </a:rPr>
-              <a:t>api</a:t>
-            </a:r>
-            <a:r>
-              <a:rPr lang="en-IN" sz="2000" dirty="0">
-                <a:solidFill>
-                  <a:srgbClr val="000000"/>
-                </a:solidFill>
-                <a:latin typeface="Consolas" panose="020B0609020204030204" pitchFamily="49" charset="0"/>
-              </a:rPr>
-              <a:t>/v1/reviews/</a:t>
-            </a:r>
-            <a:r>
-              <a:rPr lang="en-IN" sz="2000" dirty="0">
-                <a:solidFill>
-                  <a:srgbClr val="AF00FF"/>
-                </a:solidFill>
-                <a:latin typeface="Consolas" panose="020B0609020204030204" pitchFamily="49" charset="0"/>
-              </a:rPr>
-              <a:t>**</a:t>
-            </a:r>
-            <a:r>
-              <a:rPr lang="en-IN" sz="2000" dirty="0">
-                <a:solidFill>
-                  <a:srgbClr val="000000"/>
-                </a:solidFill>
-                <a:latin typeface="Consolas" panose="020B0609020204030204" pitchFamily="49" charset="0"/>
-              </a:rPr>
-              <a:t> </a:t>
-            </a:r>
-          </a:p>
-          <a:p>
-            <a:pPr marL="457200" lvl="1" indent="0">
-              <a:buFontTx/>
-              <a:buNone/>
-              <a:defRPr/>
-            </a:pPr>
-            <a:r>
-              <a:rPr lang="en-IN" sz="2000" dirty="0">
-                <a:solidFill>
-                  <a:srgbClr val="000000"/>
-                </a:solidFill>
-                <a:latin typeface="Consolas" panose="020B0609020204030204" pitchFamily="49" charset="0"/>
-              </a:rPr>
-              <a:t>  </a:t>
-            </a:r>
-            <a:r>
-              <a:rPr lang="en-IN" sz="2000" dirty="0">
-                <a:solidFill>
-                  <a:srgbClr val="00C832"/>
-                </a:solidFill>
-                <a:latin typeface="Consolas" panose="020B0609020204030204" pitchFamily="49" charset="0"/>
-              </a:rPr>
-              <a:t>application:</a:t>
-            </a:r>
-          </a:p>
-          <a:p>
-            <a:pPr marL="457200" lvl="1" indent="0">
-              <a:buFontTx/>
-              <a:buNone/>
-              <a:defRPr/>
-            </a:pPr>
-            <a:r>
-              <a:rPr lang="en-IN" sz="2000" dirty="0">
-                <a:solidFill>
-                  <a:srgbClr val="000000"/>
-                </a:solidFill>
-                <a:latin typeface="Consolas" panose="020B0609020204030204" pitchFamily="49" charset="0"/>
-              </a:rPr>
-              <a:t>    </a:t>
-            </a:r>
-            <a:r>
-              <a:rPr lang="en-IN" sz="2000" dirty="0">
-                <a:solidFill>
-                  <a:srgbClr val="00C832"/>
-                </a:solidFill>
-                <a:latin typeface="Consolas" panose="020B0609020204030204" pitchFamily="49" charset="0"/>
-              </a:rPr>
-              <a:t>name:</a:t>
-            </a:r>
-            <a:r>
-              <a:rPr lang="en-IN" sz="2000" dirty="0">
-                <a:solidFill>
-                  <a:srgbClr val="000000"/>
-                </a:solidFill>
-                <a:latin typeface="Consolas" panose="020B0609020204030204" pitchFamily="49" charset="0"/>
-              </a:rPr>
-              <a:t> cloud-gateway</a:t>
-            </a:r>
-          </a:p>
-          <a:p>
-            <a:pPr marL="457200" lvl="1" indent="0">
-              <a:buFontTx/>
-              <a:buNone/>
-              <a:defRPr/>
-            </a:pPr>
-            <a:endParaRPr lang="en-IN" altLang="en-US" sz="1800" dirty="0">
-              <a:solidFill>
-                <a:srgbClr val="2AA198"/>
-              </a:solidFill>
-              <a:latin typeface="Consolas" panose="020B0609020204030204" pitchFamily="49" charset="0"/>
-            </a:endParaRPr>
-          </a:p>
-          <a:p>
-            <a:pPr marL="457200" lvl="1" indent="0">
-              <a:buFontTx/>
-              <a:buNone/>
-              <a:defRPr/>
-            </a:pPr>
-            <a:r>
-              <a:rPr lang="en-IN" altLang="en-US" sz="1800" dirty="0">
-                <a:solidFill>
-                  <a:srgbClr val="2AA198"/>
-                </a:solidFill>
-                <a:latin typeface="Consolas" panose="020B0609020204030204" pitchFamily="49" charset="0"/>
-              </a:rPr>
-              <a:t>Invoke the service :</a:t>
-            </a:r>
-          </a:p>
-          <a:p>
-            <a:pPr marL="457200" lvl="1" indent="0">
-              <a:buFontTx/>
-              <a:buNone/>
-              <a:defRPr/>
-            </a:pPr>
-            <a:r>
-              <a:rPr lang="en-IN" altLang="en-US" sz="1800" dirty="0">
-                <a:solidFill>
-                  <a:srgbClr val="2AA198"/>
-                </a:solidFill>
-                <a:latin typeface="Consolas" panose="020B0609020204030204" pitchFamily="49" charset="0"/>
-              </a:rPr>
-              <a:t>           http://localhost:8080/api/v1/reviews</a:t>
-            </a:r>
-          </a:p>
-          <a:p>
-            <a:pPr lvl="1">
-              <a:defRPr/>
-            </a:pPr>
-            <a:endParaRPr lang="en-IN" altLang="en-US" sz="1800" dirty="0">
-              <a:solidFill>
-                <a:srgbClr val="2AA198"/>
-              </a:solidFill>
-              <a:latin typeface="Consolas" panose="020B0609020204030204" pitchFamily="49" charset="0"/>
-            </a:endParaRPr>
-          </a:p>
-          <a:p>
-            <a:pPr marL="457200" lvl="1" indent="0">
-              <a:buFontTx/>
-              <a:buNone/>
-              <a:defRPr/>
-            </a:pPr>
-            <a:r>
-              <a:rPr lang="en-IN" altLang="en-US" sz="1800" dirty="0">
-                <a:solidFill>
-                  <a:srgbClr val="000000"/>
-                </a:solidFill>
-                <a:latin typeface="Consolas" panose="020B0609020204030204" pitchFamily="49" charset="0"/>
-              </a:rPr>
-              <a:t>            </a:t>
-            </a:r>
-          </a:p>
-          <a:p>
-            <a:pPr marL="457200" lvl="1" indent="0">
-              <a:buFontTx/>
-              <a:buNone/>
-              <a:defRPr/>
-            </a:pPr>
-            <a:endParaRPr lang="en-IN" altLang="en-US" sz="1800" dirty="0"/>
-          </a:p>
-        </p:txBody>
-      </p:sp>
-    </p:spTree>
-  </p:cSld>
-  <p:clrMapOvr>
-    <a:masterClrMapping/>
-  </p:clrMapOvr>
-</p:sld>
-</file>
-
-<file path=ppt/slides/slide88.xml><?xml version="1.0" encoding="utf-8"?>
-<p:sld xmlns:a="http://schemas.openxmlformats.org/drawingml/2006/main" xmlns:r="http://schemas.openxmlformats.org/officeDocument/2006/relationships" xmlns:p="http://schemas.openxmlformats.org/presentationml/2006/main">
-  <p:cSld>
-    <p:spTree>
-      <p:nvGrpSpPr>
-        <p:cNvPr id="1" name=""/>
-        <p:cNvGrpSpPr/>
-        <p:nvPr/>
-      </p:nvGrpSpPr>
-      <p:grpSpPr>
-        <a:xfrm>
-          <a:off x="0" y="0"/>
-          <a:ext cx="0" cy="0"/>
-          <a:chOff x="0" y="0"/>
-          <a:chExt cx="0" cy="0"/>
-        </a:xfrm>
-      </p:grpSpPr>
-      <p:sp>
-        <p:nvSpPr>
-          <p:cNvPr id="2" name="Title 1">
-            <a:extLst>
-              <a:ext uri="{FF2B5EF4-FFF2-40B4-BE49-F238E27FC236}">
-                <a16:creationId xmlns:a16="http://schemas.microsoft.com/office/drawing/2014/main" id="{1D46FA94-F737-BE75-55CD-FB2796513C29}"/>
-              </a:ext>
-            </a:extLst>
-          </p:cNvPr>
-          <p:cNvSpPr>
-            <a:spLocks noGrp="1"/>
-          </p:cNvSpPr>
-          <p:nvPr>
-            <p:ph type="title"/>
-          </p:nvPr>
-        </p:nvSpPr>
-        <p:spPr/>
-        <p:txBody>
-          <a:bodyPr/>
-          <a:lstStyle/>
-          <a:p>
-            <a:r>
-              <a:rPr lang="en-US" dirty="0"/>
-              <a:t>For Version 6.0 onwards</a:t>
-            </a:r>
-          </a:p>
-        </p:txBody>
-      </p:sp>
-      <p:sp>
-        <p:nvSpPr>
-          <p:cNvPr id="3" name="Content Placeholder 2">
-            <a:extLst>
-              <a:ext uri="{FF2B5EF4-FFF2-40B4-BE49-F238E27FC236}">
-                <a16:creationId xmlns:a16="http://schemas.microsoft.com/office/drawing/2014/main" id="{96B418EC-A1AC-4158-99F3-D56F9B380006}"/>
-              </a:ext>
-            </a:extLst>
-          </p:cNvPr>
-          <p:cNvSpPr>
-            <a:spLocks noGrp="1"/>
-          </p:cNvSpPr>
-          <p:nvPr>
-            <p:ph idx="1"/>
-          </p:nvPr>
-        </p:nvSpPr>
-        <p:spPr/>
-        <p:txBody>
-          <a:bodyPr/>
-          <a:lstStyle/>
-          <a:p>
-            <a:r>
-              <a:rPr lang="en-IN" sz="1800" dirty="0"/>
-              <a:t>spring:</a:t>
-            </a:r>
-          </a:p>
-          <a:p>
-            <a:r>
-              <a:rPr lang="en-IN" sz="1800" dirty="0"/>
-              <a:t>application:</a:t>
-            </a:r>
-          </a:p>
-          <a:p>
-            <a:r>
-              <a:rPr lang="en-IN" sz="1800" dirty="0"/>
-              <a:t>name: </a:t>
-            </a:r>
-            <a:r>
-              <a:rPr lang="en-IN" sz="1800" dirty="0" err="1"/>
-              <a:t>api</a:t>
-            </a:r>
-            <a:r>
-              <a:rPr lang="en-IN" sz="1800" dirty="0"/>
-              <a:t>-gateway</a:t>
-            </a:r>
-          </a:p>
-          <a:p>
-            <a:r>
-              <a:rPr lang="en-IN" sz="1800" dirty="0"/>
-              <a:t>cloud:</a:t>
-            </a:r>
-          </a:p>
-          <a:p>
-            <a:r>
-              <a:rPr lang="en-IN" sz="1800" dirty="0"/>
-              <a:t>gateway:</a:t>
-            </a:r>
-          </a:p>
-          <a:p>
-            <a:r>
-              <a:rPr lang="en-IN" sz="1800" dirty="0"/>
-              <a:t>server:</a:t>
-            </a:r>
-          </a:p>
-          <a:p>
-            <a:r>
-              <a:rPr lang="en-IN" sz="1800" dirty="0" err="1"/>
-              <a:t>webflux</a:t>
-            </a:r>
-            <a:r>
-              <a:rPr lang="en-IN" sz="1800" dirty="0"/>
-              <a:t>:</a:t>
-            </a:r>
-          </a:p>
-          <a:p>
-            <a:r>
-              <a:rPr lang="en-IN" sz="1800" dirty="0"/>
-              <a:t>routes:</a:t>
-            </a:r>
-          </a:p>
-          <a:p>
-            <a:r>
-              <a:rPr lang="en-IN" sz="1800" dirty="0"/>
-              <a:t>- id: book-service</a:t>
-            </a:r>
-          </a:p>
-          <a:p>
-            <a:r>
-              <a:rPr lang="en-IN" sz="1800" dirty="0" err="1"/>
-              <a:t>uri</a:t>
-            </a:r>
-            <a:r>
-              <a:rPr lang="en-IN" sz="1800" dirty="0"/>
-              <a:t>: lb://BOOK-SERVICE</a:t>
-            </a:r>
-          </a:p>
-          <a:p>
-            <a:r>
-              <a:rPr lang="en-IN" sz="1800" dirty="0"/>
-              <a:t>predicates: </a:t>
-            </a:r>
-          </a:p>
-          <a:p>
-            <a:r>
-              <a:rPr lang="en-IN" sz="1800" dirty="0"/>
-              <a:t>- Path= /</a:t>
-            </a:r>
-            <a:r>
-              <a:rPr lang="en-IN" sz="1800" dirty="0" err="1"/>
-              <a:t>api</a:t>
-            </a:r>
-            <a:r>
-              <a:rPr lang="en-IN" sz="1800" dirty="0"/>
-              <a:t>/v1/books/**</a:t>
-            </a:r>
-          </a:p>
-          <a:p>
-            <a:r>
-              <a:rPr lang="en-IN" sz="1800" dirty="0"/>
-              <a:t>- id: review-service</a:t>
-            </a:r>
-          </a:p>
-          <a:p>
-            <a:r>
-              <a:rPr lang="en-IN" sz="1800" dirty="0" err="1"/>
-              <a:t>uri</a:t>
-            </a:r>
-            <a:r>
-              <a:rPr lang="en-IN" sz="1800" dirty="0"/>
-              <a:t>: </a:t>
-            </a:r>
-            <a:r>
-              <a:rPr lang="en-IN" sz="1800" dirty="0" err="1"/>
-              <a:t>lb:REVIEW-SERVICE</a:t>
-            </a:r>
-            <a:endParaRPr lang="en-IN" sz="1800" dirty="0"/>
-          </a:p>
-          <a:p>
-            <a:r>
-              <a:rPr lang="en-IN" sz="1800" dirty="0"/>
-              <a:t>predicates:</a:t>
-            </a:r>
-          </a:p>
-          <a:p>
-            <a:r>
-              <a:rPr lang="en-IN" sz="1800" dirty="0"/>
-              <a:t>- Path= /</a:t>
-            </a:r>
-            <a:r>
-              <a:rPr lang="en-IN" sz="1800" dirty="0" err="1"/>
-              <a:t>api</a:t>
-            </a:r>
-            <a:r>
-              <a:rPr lang="en-IN" sz="1800" dirty="0"/>
-              <a:t>/v2/reviews/**</a:t>
-            </a:r>
-          </a:p>
-          <a:p>
-            <a:endParaRPr lang="en-US" sz="1800" dirty="0"/>
-          </a:p>
-        </p:txBody>
-      </p:sp>
-    </p:spTree>
-    <p:extLst>
-      <p:ext uri="{BB962C8B-B14F-4D97-AF65-F5344CB8AC3E}">
-        <p14:creationId xmlns:p14="http://schemas.microsoft.com/office/powerpoint/2010/main" val="2357283274"/>
-      </p:ext>
-    </p:extLst>
-  </p:cSld>
-  <p:clrMapOvr>
-    <a:masterClrMapping/>
-  </p:clrMapOvr>
-</p:sld>
-</file>
-
-<file path=ppt/slides/slide89.xml><?xml version="1.0" encoding="utf-8"?>
-<p:sld xmlns:a="http://schemas.openxmlformats.org/drawingml/2006/main" xmlns:r="http://schemas.openxmlformats.org/officeDocument/2006/relationships" xmlns:p="http://schemas.openxmlformats.org/presentationml/2006/main">
-  <p:cSld>
-    <p:spTree>
-      <p:nvGrpSpPr>
-        <p:cNvPr id="1" name=""/>
-        <p:cNvGrpSpPr/>
-        <p:nvPr/>
-      </p:nvGrpSpPr>
-      <p:grpSpPr>
-        <a:xfrm>
-          <a:off x="0" y="0"/>
-          <a:ext cx="0" cy="0"/>
-          <a:chOff x="0" y="0"/>
-          <a:chExt cx="0" cy="0"/>
-        </a:xfrm>
-      </p:grpSpPr>
-      <p:sp>
-        <p:nvSpPr>
-          <p:cNvPr id="107521" name="Title 1">
-            <a:extLst>
-              <a:ext uri="{FF2B5EF4-FFF2-40B4-BE49-F238E27FC236}">
-                <a16:creationId xmlns:a16="http://schemas.microsoft.com/office/drawing/2014/main" id="{8214980A-81C0-B1FE-162F-847F0734D15E}"/>
-              </a:ext>
-            </a:extLst>
-          </p:cNvPr>
-          <p:cNvSpPr>
-            <a:spLocks noGrp="1" noChangeArrowheads="1"/>
-          </p:cNvSpPr>
-          <p:nvPr>
-            <p:ph type="title"/>
-          </p:nvPr>
-        </p:nvSpPr>
-        <p:spPr/>
-        <p:txBody>
-          <a:bodyPr/>
-          <a:lstStyle/>
-          <a:p>
-            <a:r>
-              <a:rPr lang="en-US" altLang="en-US"/>
-              <a:t>Actuator Endpoints</a:t>
-            </a:r>
-            <a:br>
-              <a:rPr lang="en-US" altLang="en-US"/>
-            </a:br>
-            <a:endParaRPr lang="en-IN" altLang="en-US"/>
-          </a:p>
-        </p:txBody>
-      </p:sp>
-      <p:sp>
-        <p:nvSpPr>
-          <p:cNvPr id="107522" name="Content Placeholder 2">
-            <a:extLst>
-              <a:ext uri="{FF2B5EF4-FFF2-40B4-BE49-F238E27FC236}">
-                <a16:creationId xmlns:a16="http://schemas.microsoft.com/office/drawing/2014/main" id="{2C2D3137-2EA7-26DE-18EF-0ED681C8C620}"/>
-              </a:ext>
-            </a:extLst>
-          </p:cNvPr>
-          <p:cNvSpPr>
-            <a:spLocks noGrp="1" noChangeArrowheads="1"/>
-          </p:cNvSpPr>
-          <p:nvPr>
-            <p:ph idx="1"/>
-          </p:nvPr>
-        </p:nvSpPr>
-        <p:spPr/>
-        <p:txBody>
-          <a:bodyPr/>
-          <a:lstStyle/>
-          <a:p>
-            <a:pPr>
-              <a:lnSpc>
-                <a:spcPct val="150000"/>
-              </a:lnSpc>
-            </a:pPr>
-            <a:r>
-              <a:rPr lang="en-US" altLang="en-US" sz="2000"/>
-              <a:t>Base Path :</a:t>
-            </a:r>
-          </a:p>
-          <a:p>
-            <a:pPr lvl="1">
-              <a:lnSpc>
-                <a:spcPct val="150000"/>
-              </a:lnSpc>
-            </a:pPr>
-            <a:r>
-              <a:rPr lang="en-US" altLang="en-US" sz="2000"/>
-              <a:t>/actuator/gateway</a:t>
-            </a:r>
-          </a:p>
-          <a:p>
-            <a:pPr>
-              <a:lnSpc>
-                <a:spcPct val="150000"/>
-              </a:lnSpc>
-            </a:pPr>
-            <a:r>
-              <a:rPr lang="en-US" altLang="en-US" sz="2000" b="1"/>
-              <a:t>/actuator/gateway/routefilters</a:t>
-            </a:r>
-          </a:p>
-          <a:p>
-            <a:pPr lvl="1">
-              <a:lnSpc>
-                <a:spcPct val="150000"/>
-              </a:lnSpc>
-            </a:pPr>
-            <a:r>
-              <a:rPr lang="en-US" altLang="en-US" sz="2000"/>
-              <a:t>Displays the list of global filters applied to the routes.</a:t>
-            </a:r>
-          </a:p>
-          <a:p>
-            <a:pPr>
-              <a:lnSpc>
-                <a:spcPct val="150000"/>
-              </a:lnSpc>
-            </a:pPr>
-            <a:r>
-              <a:rPr lang="en-US" altLang="en-US" sz="2000" b="1"/>
-              <a:t>/actuator/gateway/routes</a:t>
-            </a:r>
-          </a:p>
-          <a:p>
-            <a:pPr lvl="1">
-              <a:lnSpc>
-                <a:spcPct val="150000"/>
-              </a:lnSpc>
-            </a:pPr>
-            <a:r>
-              <a:rPr lang="en-US" altLang="en-US" sz="2000"/>
-              <a:t>Displays the list of routes defined in the gateway.</a:t>
-            </a:r>
-          </a:p>
-          <a:p>
-            <a:pPr>
-              <a:lnSpc>
-                <a:spcPct val="150000"/>
-              </a:lnSpc>
-            </a:pPr>
-            <a:r>
-              <a:rPr lang="en-US" altLang="en-US" sz="2000" b="1"/>
-              <a:t>/actuator/gateway/routes/{id}</a:t>
-            </a:r>
-          </a:p>
-          <a:p>
-            <a:pPr lvl="1">
-              <a:lnSpc>
-                <a:spcPct val="150000"/>
-              </a:lnSpc>
-            </a:pPr>
-            <a:r>
-              <a:rPr lang="en-US" altLang="en-US" sz="2000"/>
-              <a:t>Displays information about a particular route.</a:t>
-            </a:r>
-          </a:p>
-          <a:p>
-            <a:pPr>
-              <a:lnSpc>
-                <a:spcPct val="150000"/>
-              </a:lnSpc>
-            </a:pPr>
-            <a:endParaRPr lang="en-US" altLang="en-US" sz="2000"/>
-          </a:p>
-          <a:p>
-            <a:pPr>
-              <a:lnSpc>
-                <a:spcPct val="150000"/>
-              </a:lnSpc>
-            </a:pPr>
-            <a:endParaRPr lang="en-IN" altLang="en-US" sz="2000"/>
           </a:p>
         </p:txBody>
       </p:sp>
@@ -30849,6 +30018,945 @@
       </p:grpSpPr>
       <p:sp>
         <p:nvSpPr>
+          <p:cNvPr id="106497" name="Title 1">
+            <a:extLst>
+              <a:ext uri="{FF2B5EF4-FFF2-40B4-BE49-F238E27FC236}">
+                <a16:creationId xmlns:a16="http://schemas.microsoft.com/office/drawing/2014/main" id="{3259A1C4-979B-6BBD-34AC-E70BDF3DFA44}"/>
+              </a:ext>
+            </a:extLst>
+          </p:cNvPr>
+          <p:cNvSpPr>
+            <a:spLocks noGrp="1" noChangeArrowheads="1"/>
+          </p:cNvSpPr>
+          <p:nvPr>
+            <p:ph type="title"/>
+          </p:nvPr>
+        </p:nvSpPr>
+        <p:spPr>
+          <a:xfrm>
+            <a:off x="457200" y="457200"/>
+            <a:ext cx="8229600" cy="85725"/>
+          </a:xfrm>
+        </p:spPr>
+        <p:txBody>
+          <a:bodyPr/>
+          <a:lstStyle/>
+          <a:p>
+            <a:r>
+              <a:rPr lang="en-US" altLang="en-US"/>
+              <a:t>application.yml</a:t>
+            </a:r>
+            <a:endParaRPr lang="en-IN" altLang="en-US"/>
+          </a:p>
+        </p:txBody>
+      </p:sp>
+      <p:sp>
+        <p:nvSpPr>
+          <p:cNvPr id="33795" name="Content Placeholder 2">
+            <a:extLst>
+              <a:ext uri="{FF2B5EF4-FFF2-40B4-BE49-F238E27FC236}">
+                <a16:creationId xmlns:a16="http://schemas.microsoft.com/office/drawing/2014/main" id="{1DBF7497-903A-9989-B810-C0A93B774984}"/>
+              </a:ext>
+            </a:extLst>
+          </p:cNvPr>
+          <p:cNvSpPr>
+            <a:spLocks noGrp="1" noChangeArrowheads="1"/>
+          </p:cNvSpPr>
+          <p:nvPr>
+            <p:ph idx="1"/>
+          </p:nvPr>
+        </p:nvSpPr>
+        <p:spPr>
+          <a:xfrm>
+            <a:off x="457200" y="868363"/>
+            <a:ext cx="8229600" cy="5257800"/>
+          </a:xfrm>
+        </p:spPr>
+        <p:txBody>
+          <a:bodyPr/>
+          <a:lstStyle/>
+          <a:p>
+            <a:pPr marL="457200" lvl="1" indent="0">
+              <a:buFontTx/>
+              <a:buNone/>
+              <a:defRPr/>
+            </a:pPr>
+            <a:r>
+              <a:rPr lang="en-IN" sz="2000" dirty="0">
+                <a:solidFill>
+                  <a:srgbClr val="00C832"/>
+                </a:solidFill>
+                <a:latin typeface="Consolas" panose="020B0609020204030204" pitchFamily="49" charset="0"/>
+              </a:rPr>
+              <a:t>spring:</a:t>
+            </a:r>
+          </a:p>
+          <a:p>
+            <a:pPr marL="457200" lvl="1" indent="0">
+              <a:buFontTx/>
+              <a:buNone/>
+              <a:defRPr/>
+            </a:pPr>
+            <a:r>
+              <a:rPr lang="en-IN" sz="2000" dirty="0">
+                <a:solidFill>
+                  <a:srgbClr val="000000"/>
+                </a:solidFill>
+                <a:latin typeface="Consolas" panose="020B0609020204030204" pitchFamily="49" charset="0"/>
+              </a:rPr>
+              <a:t>  </a:t>
+            </a:r>
+            <a:r>
+              <a:rPr lang="en-IN" sz="2000" dirty="0">
+                <a:solidFill>
+                  <a:srgbClr val="00C832"/>
+                </a:solidFill>
+                <a:latin typeface="Consolas" panose="020B0609020204030204" pitchFamily="49" charset="0"/>
+              </a:rPr>
+              <a:t>cloud:</a:t>
+            </a:r>
+          </a:p>
+          <a:p>
+            <a:pPr marL="457200" lvl="1" indent="0">
+              <a:buFontTx/>
+              <a:buNone/>
+              <a:defRPr/>
+            </a:pPr>
+            <a:r>
+              <a:rPr lang="en-IN" sz="2000" dirty="0">
+                <a:solidFill>
+                  <a:srgbClr val="000000"/>
+                </a:solidFill>
+                <a:latin typeface="Consolas" panose="020B0609020204030204" pitchFamily="49" charset="0"/>
+              </a:rPr>
+              <a:t>    </a:t>
+            </a:r>
+            <a:r>
+              <a:rPr lang="en-IN" sz="2000" dirty="0">
+                <a:solidFill>
+                  <a:srgbClr val="00C832"/>
+                </a:solidFill>
+                <a:latin typeface="Consolas" panose="020B0609020204030204" pitchFamily="49" charset="0"/>
+              </a:rPr>
+              <a:t>gateway:</a:t>
+            </a:r>
+          </a:p>
+          <a:p>
+            <a:pPr marL="457200" lvl="1" indent="0">
+              <a:buFontTx/>
+              <a:buNone/>
+              <a:defRPr/>
+            </a:pPr>
+            <a:r>
+              <a:rPr lang="en-IN" sz="2000" dirty="0">
+                <a:solidFill>
+                  <a:srgbClr val="000000"/>
+                </a:solidFill>
+                <a:latin typeface="Consolas" panose="020B0609020204030204" pitchFamily="49" charset="0"/>
+              </a:rPr>
+              <a:t>      </a:t>
+            </a:r>
+            <a:r>
+              <a:rPr lang="en-IN" sz="2000" dirty="0">
+                <a:solidFill>
+                  <a:srgbClr val="00C832"/>
+                </a:solidFill>
+                <a:latin typeface="Consolas" panose="020B0609020204030204" pitchFamily="49" charset="0"/>
+              </a:rPr>
+              <a:t>routes:</a:t>
+            </a:r>
+          </a:p>
+          <a:p>
+            <a:pPr marL="457200" lvl="1" indent="0">
+              <a:buFontTx/>
+              <a:buNone/>
+              <a:defRPr/>
+            </a:pPr>
+            <a:r>
+              <a:rPr lang="en-IN" sz="2000" dirty="0">
+                <a:solidFill>
+                  <a:srgbClr val="000000"/>
+                </a:solidFill>
+                <a:latin typeface="Consolas" panose="020B0609020204030204" pitchFamily="49" charset="0"/>
+              </a:rPr>
+              <a:t>      </a:t>
+            </a:r>
+            <a:r>
+              <a:rPr lang="en-IN" sz="2000" dirty="0">
+                <a:solidFill>
+                  <a:srgbClr val="00C832"/>
+                </a:solidFill>
+                <a:latin typeface="Consolas" panose="020B0609020204030204" pitchFamily="49" charset="0"/>
+              </a:rPr>
+              <a:t>- id:</a:t>
+            </a:r>
+            <a:r>
+              <a:rPr lang="en-IN" sz="2000" dirty="0">
+                <a:solidFill>
+                  <a:srgbClr val="000000"/>
+                </a:solidFill>
+                <a:latin typeface="Consolas" panose="020B0609020204030204" pitchFamily="49" charset="0"/>
+              </a:rPr>
+              <a:t> review-module</a:t>
+            </a:r>
+          </a:p>
+          <a:p>
+            <a:pPr marL="457200" lvl="1" indent="0">
+              <a:buFontTx/>
+              <a:buNone/>
+              <a:defRPr/>
+            </a:pPr>
+            <a:r>
+              <a:rPr lang="en-IN" sz="2000" dirty="0">
+                <a:solidFill>
+                  <a:srgbClr val="000000"/>
+                </a:solidFill>
+                <a:latin typeface="Consolas" panose="020B0609020204030204" pitchFamily="49" charset="0"/>
+              </a:rPr>
+              <a:t>        </a:t>
+            </a:r>
+            <a:r>
+              <a:rPr lang="en-IN" sz="2000" dirty="0" err="1">
+                <a:solidFill>
+                  <a:srgbClr val="00C832"/>
+                </a:solidFill>
+                <a:latin typeface="Consolas" panose="020B0609020204030204" pitchFamily="49" charset="0"/>
+              </a:rPr>
+              <a:t>uri</a:t>
+            </a:r>
+            <a:r>
+              <a:rPr lang="en-IN" sz="2000" dirty="0">
+                <a:solidFill>
+                  <a:srgbClr val="00C832"/>
+                </a:solidFill>
+                <a:latin typeface="Consolas" panose="020B0609020204030204" pitchFamily="49" charset="0"/>
+              </a:rPr>
+              <a:t>:</a:t>
+            </a:r>
+            <a:r>
+              <a:rPr lang="en-IN" sz="2000" dirty="0">
+                <a:solidFill>
+                  <a:srgbClr val="000000"/>
+                </a:solidFill>
+                <a:latin typeface="Consolas" panose="020B0609020204030204" pitchFamily="49" charset="0"/>
+              </a:rPr>
+              <a:t> </a:t>
+            </a:r>
+            <a:r>
+              <a:rPr lang="en-IN" sz="2000" b="1" dirty="0">
+                <a:solidFill>
+                  <a:srgbClr val="C00000"/>
+                </a:solidFill>
+                <a:latin typeface="Consolas" panose="020B0609020204030204" pitchFamily="49" charset="0"/>
+              </a:rPr>
+              <a:t>lb:</a:t>
+            </a:r>
+            <a:r>
+              <a:rPr lang="en-IN" sz="2000" dirty="0">
+                <a:solidFill>
+                  <a:srgbClr val="000000"/>
+                </a:solidFill>
+                <a:latin typeface="Consolas" panose="020B0609020204030204" pitchFamily="49" charset="0"/>
+              </a:rPr>
+              <a:t>//REVIEW-SERVICE</a:t>
+            </a:r>
+          </a:p>
+          <a:p>
+            <a:pPr marL="457200" lvl="1" indent="0">
+              <a:buFontTx/>
+              <a:buNone/>
+              <a:defRPr/>
+            </a:pPr>
+            <a:r>
+              <a:rPr lang="en-IN" sz="2000" dirty="0">
+                <a:solidFill>
+                  <a:srgbClr val="000000"/>
+                </a:solidFill>
+                <a:latin typeface="Consolas" panose="020B0609020204030204" pitchFamily="49" charset="0"/>
+              </a:rPr>
+              <a:t>        </a:t>
+            </a:r>
+            <a:r>
+              <a:rPr lang="en-IN" sz="2000" dirty="0">
+                <a:solidFill>
+                  <a:srgbClr val="00C832"/>
+                </a:solidFill>
+                <a:latin typeface="Consolas" panose="020B0609020204030204" pitchFamily="49" charset="0"/>
+              </a:rPr>
+              <a:t>predicates:</a:t>
+            </a:r>
+          </a:p>
+          <a:p>
+            <a:pPr marL="457200" lvl="1" indent="0">
+              <a:buFontTx/>
+              <a:buNone/>
+              <a:defRPr/>
+            </a:pPr>
+            <a:r>
+              <a:rPr lang="en-IN" sz="2000" dirty="0">
+                <a:solidFill>
+                  <a:srgbClr val="000000"/>
+                </a:solidFill>
+                <a:latin typeface="Consolas" panose="020B0609020204030204" pitchFamily="49" charset="0"/>
+              </a:rPr>
+              <a:t>        - Path=/</a:t>
+            </a:r>
+            <a:r>
+              <a:rPr lang="en-IN" sz="2000" dirty="0" err="1">
+                <a:solidFill>
+                  <a:srgbClr val="000000"/>
+                </a:solidFill>
+                <a:latin typeface="Consolas" panose="020B0609020204030204" pitchFamily="49" charset="0"/>
+              </a:rPr>
+              <a:t>api</a:t>
+            </a:r>
+            <a:r>
+              <a:rPr lang="en-IN" sz="2000" dirty="0">
+                <a:solidFill>
+                  <a:srgbClr val="000000"/>
+                </a:solidFill>
+                <a:latin typeface="Consolas" panose="020B0609020204030204" pitchFamily="49" charset="0"/>
+              </a:rPr>
+              <a:t>/v1/reviews/</a:t>
+            </a:r>
+            <a:r>
+              <a:rPr lang="en-IN" sz="2000" dirty="0">
+                <a:solidFill>
+                  <a:srgbClr val="AF00FF"/>
+                </a:solidFill>
+                <a:latin typeface="Consolas" panose="020B0609020204030204" pitchFamily="49" charset="0"/>
+              </a:rPr>
+              <a:t>**</a:t>
+            </a:r>
+            <a:r>
+              <a:rPr lang="en-IN" sz="2000" dirty="0">
+                <a:solidFill>
+                  <a:srgbClr val="000000"/>
+                </a:solidFill>
+                <a:latin typeface="Consolas" panose="020B0609020204030204" pitchFamily="49" charset="0"/>
+              </a:rPr>
+              <a:t> </a:t>
+            </a:r>
+          </a:p>
+          <a:p>
+            <a:pPr marL="457200" lvl="1" indent="0">
+              <a:buFontTx/>
+              <a:buNone/>
+              <a:defRPr/>
+            </a:pPr>
+            <a:r>
+              <a:rPr lang="en-IN" sz="2000" dirty="0">
+                <a:solidFill>
+                  <a:srgbClr val="000000"/>
+                </a:solidFill>
+                <a:latin typeface="Consolas" panose="020B0609020204030204" pitchFamily="49" charset="0"/>
+              </a:rPr>
+              <a:t>  </a:t>
+            </a:r>
+            <a:r>
+              <a:rPr lang="en-IN" sz="2000" dirty="0">
+                <a:solidFill>
+                  <a:srgbClr val="00C832"/>
+                </a:solidFill>
+                <a:latin typeface="Consolas" panose="020B0609020204030204" pitchFamily="49" charset="0"/>
+              </a:rPr>
+              <a:t>application:</a:t>
+            </a:r>
+          </a:p>
+          <a:p>
+            <a:pPr marL="457200" lvl="1" indent="0">
+              <a:buFontTx/>
+              <a:buNone/>
+              <a:defRPr/>
+            </a:pPr>
+            <a:r>
+              <a:rPr lang="en-IN" sz="2000" dirty="0">
+                <a:solidFill>
+                  <a:srgbClr val="000000"/>
+                </a:solidFill>
+                <a:latin typeface="Consolas" panose="020B0609020204030204" pitchFamily="49" charset="0"/>
+              </a:rPr>
+              <a:t>    </a:t>
+            </a:r>
+            <a:r>
+              <a:rPr lang="en-IN" sz="2000" dirty="0">
+                <a:solidFill>
+                  <a:srgbClr val="00C832"/>
+                </a:solidFill>
+                <a:latin typeface="Consolas" panose="020B0609020204030204" pitchFamily="49" charset="0"/>
+              </a:rPr>
+              <a:t>name:</a:t>
+            </a:r>
+            <a:r>
+              <a:rPr lang="en-IN" sz="2000" dirty="0">
+                <a:solidFill>
+                  <a:srgbClr val="000000"/>
+                </a:solidFill>
+                <a:latin typeface="Consolas" panose="020B0609020204030204" pitchFamily="49" charset="0"/>
+              </a:rPr>
+              <a:t> cloud-gateway</a:t>
+            </a:r>
+          </a:p>
+          <a:p>
+            <a:pPr marL="457200" lvl="1" indent="0">
+              <a:buFontTx/>
+              <a:buNone/>
+              <a:defRPr/>
+            </a:pPr>
+            <a:endParaRPr lang="en-IN" altLang="en-US" sz="1800" dirty="0">
+              <a:solidFill>
+                <a:srgbClr val="2AA198"/>
+              </a:solidFill>
+              <a:latin typeface="Consolas" panose="020B0609020204030204" pitchFamily="49" charset="0"/>
+            </a:endParaRPr>
+          </a:p>
+          <a:p>
+            <a:pPr marL="457200" lvl="1" indent="0">
+              <a:buFontTx/>
+              <a:buNone/>
+              <a:defRPr/>
+            </a:pPr>
+            <a:r>
+              <a:rPr lang="en-IN" altLang="en-US" sz="1800" dirty="0">
+                <a:solidFill>
+                  <a:srgbClr val="2AA198"/>
+                </a:solidFill>
+                <a:latin typeface="Consolas" panose="020B0609020204030204" pitchFamily="49" charset="0"/>
+              </a:rPr>
+              <a:t>Invoke the service :</a:t>
+            </a:r>
+          </a:p>
+          <a:p>
+            <a:pPr marL="457200" lvl="1" indent="0">
+              <a:buFontTx/>
+              <a:buNone/>
+              <a:defRPr/>
+            </a:pPr>
+            <a:r>
+              <a:rPr lang="en-IN" altLang="en-US" sz="1800" dirty="0">
+                <a:solidFill>
+                  <a:srgbClr val="2AA198"/>
+                </a:solidFill>
+                <a:latin typeface="Consolas" panose="020B0609020204030204" pitchFamily="49" charset="0"/>
+              </a:rPr>
+              <a:t>           http://localhost:8080/api/v1/reviews</a:t>
+            </a:r>
+          </a:p>
+          <a:p>
+            <a:pPr lvl="1">
+              <a:defRPr/>
+            </a:pPr>
+            <a:endParaRPr lang="en-IN" altLang="en-US" sz="1800" dirty="0">
+              <a:solidFill>
+                <a:srgbClr val="2AA198"/>
+              </a:solidFill>
+              <a:latin typeface="Consolas" panose="020B0609020204030204" pitchFamily="49" charset="0"/>
+            </a:endParaRPr>
+          </a:p>
+          <a:p>
+            <a:pPr marL="457200" lvl="1" indent="0">
+              <a:buFontTx/>
+              <a:buNone/>
+              <a:defRPr/>
+            </a:pPr>
+            <a:r>
+              <a:rPr lang="en-IN" altLang="en-US" sz="1800" dirty="0">
+                <a:solidFill>
+                  <a:srgbClr val="000000"/>
+                </a:solidFill>
+                <a:latin typeface="Consolas" panose="020B0609020204030204" pitchFamily="49" charset="0"/>
+              </a:rPr>
+              <a:t>            </a:t>
+            </a:r>
+          </a:p>
+          <a:p>
+            <a:pPr marL="457200" lvl="1" indent="0">
+              <a:buFontTx/>
+              <a:buNone/>
+              <a:defRPr/>
+            </a:pPr>
+            <a:endParaRPr lang="en-IN" altLang="en-US" sz="1800" dirty="0"/>
+          </a:p>
+        </p:txBody>
+      </p:sp>
+    </p:spTree>
+  </p:cSld>
+  <p:clrMapOvr>
+    <a:masterClrMapping/>
+  </p:clrMapOvr>
+</p:sld>
+</file>
+
+<file path=ppt/slides/slide91.xml><?xml version="1.0" encoding="utf-8"?>
+<p:sld xmlns:a="http://schemas.openxmlformats.org/drawingml/2006/main" xmlns:r="http://schemas.openxmlformats.org/officeDocument/2006/relationships" xmlns:p="http://schemas.openxmlformats.org/presentationml/2006/main">
+  <p:cSld>
+    <p:spTree>
+      <p:nvGrpSpPr>
+        <p:cNvPr id="1" name=""/>
+        <p:cNvGrpSpPr/>
+        <p:nvPr/>
+      </p:nvGrpSpPr>
+      <p:grpSpPr>
+        <a:xfrm>
+          <a:off x="0" y="0"/>
+          <a:ext cx="0" cy="0"/>
+          <a:chOff x="0" y="0"/>
+          <a:chExt cx="0" cy="0"/>
+        </a:xfrm>
+      </p:grpSpPr>
+      <p:sp>
+        <p:nvSpPr>
+          <p:cNvPr id="2" name="Title 1">
+            <a:extLst>
+              <a:ext uri="{FF2B5EF4-FFF2-40B4-BE49-F238E27FC236}">
+                <a16:creationId xmlns:a16="http://schemas.microsoft.com/office/drawing/2014/main" id="{1D46FA94-F737-BE75-55CD-FB2796513C29}"/>
+              </a:ext>
+            </a:extLst>
+          </p:cNvPr>
+          <p:cNvSpPr>
+            <a:spLocks noGrp="1"/>
+          </p:cNvSpPr>
+          <p:nvPr>
+            <p:ph type="title"/>
+          </p:nvPr>
+        </p:nvSpPr>
+        <p:spPr/>
+        <p:txBody>
+          <a:bodyPr/>
+          <a:lstStyle/>
+          <a:p>
+            <a:r>
+              <a:rPr lang="en-US" dirty="0"/>
+              <a:t>For Version 6.0 onwards</a:t>
+            </a:r>
+          </a:p>
+        </p:txBody>
+      </p:sp>
+      <p:sp>
+        <p:nvSpPr>
+          <p:cNvPr id="3" name="Content Placeholder 2">
+            <a:extLst>
+              <a:ext uri="{FF2B5EF4-FFF2-40B4-BE49-F238E27FC236}">
+                <a16:creationId xmlns:a16="http://schemas.microsoft.com/office/drawing/2014/main" id="{96B418EC-A1AC-4158-99F3-D56F9B380006}"/>
+              </a:ext>
+            </a:extLst>
+          </p:cNvPr>
+          <p:cNvSpPr>
+            <a:spLocks noGrp="1"/>
+          </p:cNvSpPr>
+          <p:nvPr>
+            <p:ph idx="1"/>
+          </p:nvPr>
+        </p:nvSpPr>
+        <p:spPr/>
+        <p:txBody>
+          <a:bodyPr/>
+          <a:lstStyle/>
+          <a:p>
+            <a:pPr marL="457200" lvl="1" indent="0">
+              <a:buNone/>
+            </a:pPr>
+            <a:r>
+              <a:rPr lang="en-IN" dirty="0"/>
+              <a:t>spring:</a:t>
+            </a:r>
+          </a:p>
+          <a:p>
+            <a:pPr marL="457200" lvl="1" indent="0">
+              <a:buNone/>
+            </a:pPr>
+            <a:r>
+              <a:rPr lang="en-IN" dirty="0"/>
+              <a:t>application:</a:t>
+            </a:r>
+          </a:p>
+          <a:p>
+            <a:pPr marL="457200" lvl="1" indent="0">
+              <a:buNone/>
+            </a:pPr>
+            <a:r>
+              <a:rPr lang="en-IN" dirty="0"/>
+              <a:t>name: </a:t>
+            </a:r>
+            <a:r>
+              <a:rPr lang="en-IN" dirty="0" err="1"/>
+              <a:t>api</a:t>
+            </a:r>
+            <a:r>
+              <a:rPr lang="en-IN" dirty="0"/>
+              <a:t>-gateway</a:t>
+            </a:r>
+          </a:p>
+          <a:p>
+            <a:pPr marL="457200" lvl="1" indent="0">
+              <a:buNone/>
+            </a:pPr>
+            <a:r>
+              <a:rPr lang="en-IN" dirty="0"/>
+              <a:t>cloud:</a:t>
+            </a:r>
+          </a:p>
+          <a:p>
+            <a:pPr marL="457200" lvl="1" indent="0">
+              <a:buNone/>
+            </a:pPr>
+            <a:r>
+              <a:rPr lang="en-IN" dirty="0"/>
+              <a:t>gateway:</a:t>
+            </a:r>
+          </a:p>
+          <a:p>
+            <a:pPr marL="457200" lvl="1" indent="0">
+              <a:buNone/>
+            </a:pPr>
+            <a:r>
+              <a:rPr lang="en-IN" dirty="0"/>
+              <a:t>server:</a:t>
+            </a:r>
+          </a:p>
+          <a:p>
+            <a:pPr marL="457200" lvl="1" indent="0">
+              <a:buNone/>
+            </a:pPr>
+            <a:r>
+              <a:rPr lang="en-IN" dirty="0" err="1"/>
+              <a:t>webflux</a:t>
+            </a:r>
+            <a:r>
+              <a:rPr lang="en-IN" dirty="0"/>
+              <a:t>:</a:t>
+            </a:r>
+          </a:p>
+          <a:p>
+            <a:pPr marL="457200" lvl="1" indent="0">
+              <a:buNone/>
+            </a:pPr>
+            <a:r>
+              <a:rPr lang="en-IN" dirty="0"/>
+              <a:t>routes:</a:t>
+            </a:r>
+          </a:p>
+          <a:p>
+            <a:pPr marL="457200" lvl="1" indent="0">
+              <a:buNone/>
+            </a:pPr>
+            <a:r>
+              <a:rPr lang="en-IN" dirty="0"/>
+              <a:t>- id: book-service</a:t>
+            </a:r>
+          </a:p>
+          <a:p>
+            <a:pPr marL="457200" lvl="1" indent="0">
+              <a:buNone/>
+            </a:pPr>
+            <a:r>
+              <a:rPr lang="en-IN" dirty="0" err="1"/>
+              <a:t>uri</a:t>
+            </a:r>
+            <a:r>
+              <a:rPr lang="en-IN" dirty="0"/>
+              <a:t>: lb://BOOK-SERVICE</a:t>
+            </a:r>
+          </a:p>
+          <a:p>
+            <a:pPr marL="457200" lvl="1" indent="0">
+              <a:buNone/>
+            </a:pPr>
+            <a:r>
+              <a:rPr lang="en-IN" dirty="0"/>
+              <a:t>predicates: </a:t>
+            </a:r>
+          </a:p>
+          <a:p>
+            <a:pPr marL="457200" lvl="1" indent="0">
+              <a:buNone/>
+            </a:pPr>
+            <a:r>
+              <a:rPr lang="en-IN" dirty="0"/>
+              <a:t>- Path= /</a:t>
+            </a:r>
+            <a:r>
+              <a:rPr lang="en-IN" dirty="0" err="1"/>
+              <a:t>api</a:t>
+            </a:r>
+            <a:r>
+              <a:rPr lang="en-IN" dirty="0"/>
+              <a:t>/v1/books/**</a:t>
+            </a:r>
+          </a:p>
+          <a:p>
+            <a:pPr marL="457200" lvl="1" indent="0">
+              <a:buNone/>
+            </a:pPr>
+            <a:r>
+              <a:rPr lang="en-IN" dirty="0"/>
+              <a:t>- id: review-service</a:t>
+            </a:r>
+          </a:p>
+          <a:p>
+            <a:pPr marL="457200" lvl="1" indent="0">
+              <a:buNone/>
+            </a:pPr>
+            <a:r>
+              <a:rPr lang="en-IN" dirty="0" err="1"/>
+              <a:t>uri</a:t>
+            </a:r>
+            <a:r>
+              <a:rPr lang="en-IN" dirty="0"/>
+              <a:t>: </a:t>
+            </a:r>
+            <a:r>
+              <a:rPr lang="en-IN" dirty="0" err="1"/>
+              <a:t>lb:REVIEW-SERVICE</a:t>
+            </a:r>
+            <a:endParaRPr lang="en-IN" dirty="0"/>
+          </a:p>
+          <a:p>
+            <a:pPr marL="457200" lvl="1" indent="0">
+              <a:buNone/>
+            </a:pPr>
+            <a:r>
+              <a:rPr lang="en-IN" dirty="0"/>
+              <a:t>predicates:</a:t>
+            </a:r>
+          </a:p>
+          <a:p>
+            <a:pPr marL="457200" lvl="1" indent="0">
+              <a:buNone/>
+            </a:pPr>
+            <a:r>
+              <a:rPr lang="en-IN" dirty="0"/>
+              <a:t>- Path= /</a:t>
+            </a:r>
+            <a:r>
+              <a:rPr lang="en-IN" dirty="0" err="1"/>
+              <a:t>api</a:t>
+            </a:r>
+            <a:r>
+              <a:rPr lang="en-IN" dirty="0"/>
+              <a:t>/v2/reviews/**</a:t>
+            </a:r>
+          </a:p>
+          <a:p>
+            <a:endParaRPr lang="en-US" sz="1800" dirty="0"/>
+          </a:p>
+        </p:txBody>
+      </p:sp>
+    </p:spTree>
+    <p:extLst>
+      <p:ext uri="{BB962C8B-B14F-4D97-AF65-F5344CB8AC3E}">
+        <p14:creationId xmlns:p14="http://schemas.microsoft.com/office/powerpoint/2010/main" val="2357283274"/>
+      </p:ext>
+    </p:extLst>
+  </p:cSld>
+  <p:clrMapOvr>
+    <a:masterClrMapping/>
+  </p:clrMapOvr>
+</p:sld>
+</file>
+
+<file path=ppt/slides/slide92.xml><?xml version="1.0" encoding="utf-8"?>
+<p:sld xmlns:a="http://schemas.openxmlformats.org/drawingml/2006/main" xmlns:r="http://schemas.openxmlformats.org/officeDocument/2006/relationships" xmlns:p="http://schemas.openxmlformats.org/presentationml/2006/main">
+  <p:cSld>
+    <p:spTree>
+      <p:nvGrpSpPr>
+        <p:cNvPr id="1" name=""/>
+        <p:cNvGrpSpPr/>
+        <p:nvPr/>
+      </p:nvGrpSpPr>
+      <p:grpSpPr>
+        <a:xfrm>
+          <a:off x="0" y="0"/>
+          <a:ext cx="0" cy="0"/>
+          <a:chOff x="0" y="0"/>
+          <a:chExt cx="0" cy="0"/>
+        </a:xfrm>
+      </p:grpSpPr>
+      <p:sp>
+        <p:nvSpPr>
+          <p:cNvPr id="107521" name="Title 1">
+            <a:extLst>
+              <a:ext uri="{FF2B5EF4-FFF2-40B4-BE49-F238E27FC236}">
+                <a16:creationId xmlns:a16="http://schemas.microsoft.com/office/drawing/2014/main" id="{8214980A-81C0-B1FE-162F-847F0734D15E}"/>
+              </a:ext>
+            </a:extLst>
+          </p:cNvPr>
+          <p:cNvSpPr>
+            <a:spLocks noGrp="1" noChangeArrowheads="1"/>
+          </p:cNvSpPr>
+          <p:nvPr>
+            <p:ph type="title"/>
+          </p:nvPr>
+        </p:nvSpPr>
+        <p:spPr/>
+        <p:txBody>
+          <a:bodyPr/>
+          <a:lstStyle/>
+          <a:p>
+            <a:r>
+              <a:rPr lang="en-US" altLang="en-US"/>
+              <a:t>Actuator Endpoints</a:t>
+            </a:r>
+            <a:br>
+              <a:rPr lang="en-US" altLang="en-US"/>
+            </a:br>
+            <a:endParaRPr lang="en-IN" altLang="en-US"/>
+          </a:p>
+        </p:txBody>
+      </p:sp>
+      <p:sp>
+        <p:nvSpPr>
+          <p:cNvPr id="107522" name="Content Placeholder 2">
+            <a:extLst>
+              <a:ext uri="{FF2B5EF4-FFF2-40B4-BE49-F238E27FC236}">
+                <a16:creationId xmlns:a16="http://schemas.microsoft.com/office/drawing/2014/main" id="{2C2D3137-2EA7-26DE-18EF-0ED681C8C620}"/>
+              </a:ext>
+            </a:extLst>
+          </p:cNvPr>
+          <p:cNvSpPr>
+            <a:spLocks noGrp="1" noChangeArrowheads="1"/>
+          </p:cNvSpPr>
+          <p:nvPr>
+            <p:ph idx="1"/>
+          </p:nvPr>
+        </p:nvSpPr>
+        <p:spPr/>
+        <p:txBody>
+          <a:bodyPr/>
+          <a:lstStyle/>
+          <a:p>
+            <a:pPr>
+              <a:lnSpc>
+                <a:spcPct val="150000"/>
+              </a:lnSpc>
+            </a:pPr>
+            <a:r>
+              <a:rPr lang="en-US" altLang="en-US" sz="2000"/>
+              <a:t>Base Path :</a:t>
+            </a:r>
+          </a:p>
+          <a:p>
+            <a:pPr lvl="1">
+              <a:lnSpc>
+                <a:spcPct val="150000"/>
+              </a:lnSpc>
+            </a:pPr>
+            <a:r>
+              <a:rPr lang="en-US" altLang="en-US" sz="2000"/>
+              <a:t>/actuator/gateway</a:t>
+            </a:r>
+          </a:p>
+          <a:p>
+            <a:pPr>
+              <a:lnSpc>
+                <a:spcPct val="150000"/>
+              </a:lnSpc>
+            </a:pPr>
+            <a:r>
+              <a:rPr lang="en-US" altLang="en-US" sz="2000" b="1"/>
+              <a:t>/actuator/gateway/routefilters</a:t>
+            </a:r>
+          </a:p>
+          <a:p>
+            <a:pPr lvl="1">
+              <a:lnSpc>
+                <a:spcPct val="150000"/>
+              </a:lnSpc>
+            </a:pPr>
+            <a:r>
+              <a:rPr lang="en-US" altLang="en-US" sz="2000"/>
+              <a:t>Displays the list of global filters applied to the routes.</a:t>
+            </a:r>
+          </a:p>
+          <a:p>
+            <a:pPr>
+              <a:lnSpc>
+                <a:spcPct val="150000"/>
+              </a:lnSpc>
+            </a:pPr>
+            <a:r>
+              <a:rPr lang="en-US" altLang="en-US" sz="2000" b="1"/>
+              <a:t>/actuator/gateway/routes</a:t>
+            </a:r>
+          </a:p>
+          <a:p>
+            <a:pPr lvl="1">
+              <a:lnSpc>
+                <a:spcPct val="150000"/>
+              </a:lnSpc>
+            </a:pPr>
+            <a:r>
+              <a:rPr lang="en-US" altLang="en-US" sz="2000"/>
+              <a:t>Displays the list of routes defined in the gateway.</a:t>
+            </a:r>
+          </a:p>
+          <a:p>
+            <a:pPr>
+              <a:lnSpc>
+                <a:spcPct val="150000"/>
+              </a:lnSpc>
+            </a:pPr>
+            <a:r>
+              <a:rPr lang="en-US" altLang="en-US" sz="2000" b="1"/>
+              <a:t>/actuator/gateway/routes/{id}</a:t>
+            </a:r>
+          </a:p>
+          <a:p>
+            <a:pPr lvl="1">
+              <a:lnSpc>
+                <a:spcPct val="150000"/>
+              </a:lnSpc>
+            </a:pPr>
+            <a:r>
+              <a:rPr lang="en-US" altLang="en-US" sz="2000"/>
+              <a:t>Displays information about a particular route.</a:t>
+            </a:r>
+          </a:p>
+          <a:p>
+            <a:pPr>
+              <a:lnSpc>
+                <a:spcPct val="150000"/>
+              </a:lnSpc>
+            </a:pPr>
+            <a:endParaRPr lang="en-US" altLang="en-US" sz="2000"/>
+          </a:p>
+          <a:p>
+            <a:pPr>
+              <a:lnSpc>
+                <a:spcPct val="150000"/>
+              </a:lnSpc>
+            </a:pPr>
+            <a:endParaRPr lang="en-IN" altLang="en-US" sz="2000"/>
+          </a:p>
+        </p:txBody>
+      </p:sp>
+    </p:spTree>
+  </p:cSld>
+  <p:clrMapOvr>
+    <a:masterClrMapping/>
+  </p:clrMapOvr>
+</p:sld>
+</file>
+
+<file path=ppt/slides/slide93.xml><?xml version="1.0" encoding="utf-8"?>
+<p:sld xmlns:a="http://schemas.openxmlformats.org/drawingml/2006/main" xmlns:r="http://schemas.openxmlformats.org/officeDocument/2006/relationships" xmlns:p="http://schemas.openxmlformats.org/presentationml/2006/main">
+  <p:cSld>
+    <p:spTree>
+      <p:nvGrpSpPr>
+        <p:cNvPr id="1" name=""/>
+        <p:cNvGrpSpPr/>
+        <p:nvPr/>
+      </p:nvGrpSpPr>
+      <p:grpSpPr>
+        <a:xfrm>
+          <a:off x="0" y="0"/>
+          <a:ext cx="0" cy="0"/>
+          <a:chOff x="0" y="0"/>
+          <a:chExt cx="0" cy="0"/>
+        </a:xfrm>
+      </p:grpSpPr>
+      <p:sp>
+        <p:nvSpPr>
           <p:cNvPr id="108545" name="Title 1">
             <a:extLst>
               <a:ext uri="{FF2B5EF4-FFF2-40B4-BE49-F238E27FC236}">
@@ -30921,7 +31029,7 @@
 </p:sld>
 </file>
 
-<file path=ppt/slides/slide91.xml><?xml version="1.0" encoding="utf-8"?>
+<file path=ppt/slides/slide94.xml><?xml version="1.0" encoding="utf-8"?>
 <p:sld xmlns:a="http://schemas.openxmlformats.org/drawingml/2006/main" xmlns:r="http://schemas.openxmlformats.org/officeDocument/2006/relationships" xmlns:p="http://schemas.openxmlformats.org/presentationml/2006/main">
   <p:cSld>
     <p:spTree>
@@ -31168,7 +31276,7 @@
 </p:sld>
 </file>
 
-<file path=ppt/slides/slide92.xml><?xml version="1.0" encoding="utf-8"?>
+<file path=ppt/slides/slide95.xml><?xml version="1.0" encoding="utf-8"?>
 <p:sld xmlns:a="http://schemas.openxmlformats.org/drawingml/2006/main" xmlns:r="http://schemas.openxmlformats.org/officeDocument/2006/relationships" xmlns:p="http://schemas.openxmlformats.org/presentationml/2006/main">
   <p:cSld>
     <p:spTree>
@@ -31971,23 +32079,6 @@
               <a:rPr lang="en-IN" altLang="en-US" dirty="0"/>
               <a:t>}</a:t>
             </a:r>
-          </a:p>
-          <a:p>
-            <a:pPr marL="457200" lvl="1" indent="0">
-              <a:buFontTx/>
-              <a:buNone/>
-              <a:defRPr/>
-            </a:pPr>
-            <a:endParaRPr lang="en-IN" altLang="en-US" dirty="0">
-              <a:latin typeface="Consolas" panose="020B0609020204030204" pitchFamily="49" charset="0"/>
-            </a:endParaRPr>
-          </a:p>
-          <a:p>
-            <a:pPr marL="457200" lvl="1" indent="0">
-              <a:buFontTx/>
-              <a:buNone/>
-              <a:defRPr/>
-            </a:pPr>
             <a:endParaRPr lang="en-IN" altLang="en-US" dirty="0">
               <a:solidFill>
                 <a:srgbClr val="000000"/>
@@ -32029,7 +32120,7 @@
 </p:sld>
 </file>
 
-<file path=ppt/slides/slide93.xml><?xml version="1.0" encoding="utf-8"?>
+<file path=ppt/slides/slide96.xml><?xml version="1.0" encoding="utf-8"?>
 <p:sld xmlns:a="http://schemas.openxmlformats.org/drawingml/2006/main" xmlns:r="http://schemas.openxmlformats.org/officeDocument/2006/relationships" xmlns:p="http://schemas.openxmlformats.org/presentationml/2006/main">
   <p:cSld>
     <p:spTree>
@@ -32473,7 +32564,7 @@
 </p:sld>
 </file>
 
-<file path=ppt/slides/slide94.xml><?xml version="1.0" encoding="utf-8"?>
+<file path=ppt/slides/slide97.xml><?xml version="1.0" encoding="utf-8"?>
 <p:sld xmlns:a="http://schemas.openxmlformats.org/drawingml/2006/main" xmlns:r="http://schemas.openxmlformats.org/officeDocument/2006/relationships" xmlns:p="http://schemas.openxmlformats.org/presentationml/2006/main">
   <p:cSld>
     <p:spTree>
@@ -32643,7 +32734,7 @@
 </p:sld>
 </file>
 
-<file path=ppt/slides/slide95.xml><?xml version="1.0" encoding="utf-8"?>
+<file path=ppt/slides/slide98.xml><?xml version="1.0" encoding="utf-8"?>
 <p:sld xmlns:a="http://schemas.openxmlformats.org/drawingml/2006/main" xmlns:r="http://schemas.openxmlformats.org/officeDocument/2006/relationships" xmlns:p="http://schemas.openxmlformats.org/presentationml/2006/main">
   <p:cSld>
     <p:spTree>
@@ -32802,7 +32893,7 @@
 </p:sld>
 </file>
 
-<file path=ppt/slides/slide96.xml><?xml version="1.0" encoding="utf-8"?>
+<file path=ppt/slides/slide99.xml><?xml version="1.0" encoding="utf-8"?>
 <p:sld xmlns:a="http://schemas.openxmlformats.org/drawingml/2006/main" xmlns:r="http://schemas.openxmlformats.org/officeDocument/2006/relationships" xmlns:p="http://schemas.openxmlformats.org/presentationml/2006/main">
   <p:cSld>
     <p:spTree>
@@ -33120,1578 +33211,6 @@
           </a:p>
           <a:p>
             <a:endParaRPr lang="en-IN" altLang="en-US"/>
-          </a:p>
-        </p:txBody>
-      </p:sp>
-    </p:spTree>
-  </p:cSld>
-  <p:clrMapOvr>
-    <a:masterClrMapping/>
-  </p:clrMapOvr>
-</p:sld>
-</file>
-
-<file path=ppt/slides/slide97.xml><?xml version="1.0" encoding="utf-8"?>
-<p:sld xmlns:a="http://schemas.openxmlformats.org/drawingml/2006/main" xmlns:r="http://schemas.openxmlformats.org/officeDocument/2006/relationships" xmlns:p="http://schemas.openxmlformats.org/presentationml/2006/main">
-  <p:cSld>
-    <p:spTree>
-      <p:nvGrpSpPr>
-        <p:cNvPr id="1" name=""/>
-        <p:cNvGrpSpPr/>
-        <p:nvPr/>
-      </p:nvGrpSpPr>
-      <p:grpSpPr>
-        <a:xfrm>
-          <a:off x="0" y="0"/>
-          <a:ext cx="0" cy="0"/>
-          <a:chOff x="0" y="0"/>
-          <a:chExt cx="0" cy="0"/>
-        </a:xfrm>
-      </p:grpSpPr>
-      <p:sp>
-        <p:nvSpPr>
-          <p:cNvPr id="115713" name="Title 1">
-            <a:extLst>
-              <a:ext uri="{FF2B5EF4-FFF2-40B4-BE49-F238E27FC236}">
-                <a16:creationId xmlns:a16="http://schemas.microsoft.com/office/drawing/2014/main" id="{80CCB065-9FF3-63CC-39A8-5CCC568B1AD4}"/>
-              </a:ext>
-            </a:extLst>
-          </p:cNvPr>
-          <p:cNvSpPr>
-            <a:spLocks noGrp="1" noChangeArrowheads="1"/>
-          </p:cNvSpPr>
-          <p:nvPr>
-            <p:ph type="title"/>
-          </p:nvPr>
-        </p:nvSpPr>
-        <p:spPr/>
-        <p:txBody>
-          <a:bodyPr/>
-          <a:lstStyle/>
-          <a:p>
-            <a:r>
-              <a:rPr lang="en-US" altLang="en-US"/>
-              <a:t>Routing Object</a:t>
-            </a:r>
-            <a:endParaRPr lang="en-IN" altLang="en-US"/>
-          </a:p>
-        </p:txBody>
-      </p:sp>
-      <p:sp>
-        <p:nvSpPr>
-          <p:cNvPr id="3" name="Content Placeholder 2">
-            <a:extLst>
-              <a:ext uri="{FF2B5EF4-FFF2-40B4-BE49-F238E27FC236}">
-                <a16:creationId xmlns:a16="http://schemas.microsoft.com/office/drawing/2014/main" id="{571480B8-FA03-B190-402D-83950DCF4C66}"/>
-              </a:ext>
-            </a:extLst>
-          </p:cNvPr>
-          <p:cNvSpPr>
-            <a:spLocks noGrp="1"/>
-          </p:cNvSpPr>
-          <p:nvPr>
-            <p:ph idx="1"/>
-          </p:nvPr>
-        </p:nvSpPr>
-        <p:spPr/>
-        <p:txBody>
-          <a:bodyPr/>
-          <a:lstStyle/>
-          <a:p>
-            <a:pPr>
-              <a:defRPr/>
-            </a:pPr>
-            <a:r>
-              <a:rPr lang="en-US" sz="1800" b="1" dirty="0"/>
-              <a:t>Route </a:t>
-            </a:r>
-          </a:p>
-          <a:p>
-            <a:pPr lvl="1">
-              <a:defRPr/>
-            </a:pPr>
-            <a:r>
-              <a:rPr lang="en-US" sz="1800" dirty="0"/>
-              <a:t>Defines the routes information such as route assertions, filters, routing addresses, and route priorities. </a:t>
-            </a:r>
-          </a:p>
-          <a:p>
-            <a:pPr lvl="1">
-              <a:defRPr/>
-            </a:pPr>
-            <a:r>
-              <a:rPr lang="en-US" sz="1800" dirty="0"/>
-              <a:t>When the request arrives, it is processed by the Gateway filter </a:t>
-            </a:r>
-          </a:p>
-          <a:p>
-            <a:pPr lvl="2">
-              <a:defRPr/>
-            </a:pPr>
-            <a:r>
-              <a:rPr lang="en-US" sz="1800" dirty="0"/>
-              <a:t>And then its forwarded to the proxy service.</a:t>
-            </a:r>
-          </a:p>
-          <a:p>
-            <a:pPr>
-              <a:defRPr/>
-            </a:pPr>
-            <a:endParaRPr lang="en-US" sz="1800" dirty="0"/>
-          </a:p>
-          <a:p>
-            <a:pPr marL="457200" lvl="1" indent="0">
-              <a:buFontTx/>
-              <a:buNone/>
-              <a:defRPr/>
-            </a:pPr>
-            <a:r>
-              <a:rPr lang="en-US" sz="1800" dirty="0"/>
-              <a:t>public class Route implements Ordered {</a:t>
-            </a:r>
-          </a:p>
-          <a:p>
-            <a:pPr marL="457200" lvl="1" indent="0">
-              <a:buFontTx/>
-              <a:buNone/>
-              <a:defRPr/>
-            </a:pPr>
-            <a:endParaRPr lang="en-US" sz="1800" dirty="0"/>
-          </a:p>
-          <a:p>
-            <a:pPr marL="457200" lvl="1" indent="0">
-              <a:buFontTx/>
-              <a:buNone/>
-              <a:defRPr/>
-            </a:pPr>
-            <a:r>
-              <a:rPr lang="en-US" sz="1800" dirty="0"/>
-              <a:t>private final String id; </a:t>
-            </a:r>
-          </a:p>
-          <a:p>
-            <a:pPr marL="457200" lvl="1" indent="0">
-              <a:buFontTx/>
-              <a:buNone/>
-              <a:defRPr/>
-            </a:pPr>
-            <a:r>
-              <a:rPr lang="en-US" sz="1800" dirty="0"/>
-              <a:t>private final URI </a:t>
-            </a:r>
-            <a:r>
-              <a:rPr lang="en-US" sz="1800" dirty="0" err="1"/>
-              <a:t>uri</a:t>
-            </a:r>
-            <a:r>
-              <a:rPr lang="en-US" sz="1800" dirty="0"/>
-              <a:t>; </a:t>
-            </a:r>
-          </a:p>
-          <a:p>
-            <a:pPr marL="457200" lvl="1" indent="0">
-              <a:buFontTx/>
-              <a:buNone/>
-              <a:defRPr/>
-            </a:pPr>
-            <a:r>
-              <a:rPr lang="en-US" sz="1800" dirty="0"/>
-              <a:t>private final int order; </a:t>
-            </a:r>
-          </a:p>
-          <a:p>
-            <a:pPr marL="457200" lvl="1" indent="0">
-              <a:buFontTx/>
-              <a:buNone/>
-              <a:defRPr/>
-            </a:pPr>
-            <a:r>
-              <a:rPr lang="en-US" sz="1800" dirty="0"/>
-              <a:t>private final </a:t>
-            </a:r>
-            <a:r>
-              <a:rPr lang="en-US" sz="1800" dirty="0" err="1"/>
-              <a:t>AsyncPredicate</a:t>
-            </a:r>
-            <a:r>
-              <a:rPr lang="en-US" sz="1800" dirty="0"/>
-              <a:t>&lt;</a:t>
-            </a:r>
-            <a:r>
-              <a:rPr lang="en-US" sz="1800" dirty="0" err="1"/>
-              <a:t>ServerWebExchange</a:t>
-            </a:r>
-            <a:r>
-              <a:rPr lang="en-US" sz="1800" dirty="0"/>
-              <a:t>&gt; predicate;</a:t>
-            </a:r>
-          </a:p>
-          <a:p>
-            <a:pPr marL="457200" lvl="1" indent="0">
-              <a:buFontTx/>
-              <a:buNone/>
-              <a:defRPr/>
-            </a:pPr>
-            <a:r>
-              <a:rPr lang="en-US" sz="1800" dirty="0"/>
-              <a:t>private final List&lt;</a:t>
-            </a:r>
-            <a:r>
-              <a:rPr lang="en-US" sz="1800" dirty="0" err="1"/>
-              <a:t>GatewayFilter</a:t>
-            </a:r>
-            <a:r>
-              <a:rPr lang="en-US" sz="1800" dirty="0"/>
-              <a:t>&gt; </a:t>
-            </a:r>
-            <a:r>
-              <a:rPr lang="en-US" sz="1800" dirty="0" err="1"/>
-              <a:t>gatewayFilters</a:t>
-            </a:r>
-            <a:r>
-              <a:rPr lang="en-US" sz="1800" dirty="0"/>
-              <a:t>;</a:t>
-            </a:r>
-          </a:p>
-          <a:p>
-            <a:pPr marL="457200" lvl="1" indent="0">
-              <a:buFontTx/>
-              <a:buNone/>
-              <a:defRPr/>
-            </a:pPr>
-            <a:r>
-              <a:rPr lang="en-US" sz="1800" dirty="0"/>
-              <a:t>   }</a:t>
-            </a:r>
-          </a:p>
-          <a:p>
-            <a:pPr>
-              <a:defRPr/>
-            </a:pPr>
-            <a:endParaRPr lang="en-IN" sz="1800" dirty="0"/>
-          </a:p>
-        </p:txBody>
-      </p:sp>
-    </p:spTree>
-  </p:cSld>
-  <p:clrMapOvr>
-    <a:masterClrMapping/>
-  </p:clrMapOvr>
-</p:sld>
-</file>
-
-<file path=ppt/slides/slide98.xml><?xml version="1.0" encoding="utf-8"?>
-<p:sld xmlns:a="http://schemas.openxmlformats.org/drawingml/2006/main" xmlns:r="http://schemas.openxmlformats.org/officeDocument/2006/relationships" xmlns:p="http://schemas.openxmlformats.org/presentationml/2006/main">
-  <p:cSld>
-    <p:spTree>
-      <p:nvGrpSpPr>
-        <p:cNvPr id="1" name=""/>
-        <p:cNvGrpSpPr/>
-        <p:nvPr/>
-      </p:nvGrpSpPr>
-      <p:grpSpPr>
-        <a:xfrm>
-          <a:off x="0" y="0"/>
-          <a:ext cx="0" cy="0"/>
-          <a:chOff x="0" y="0"/>
-          <a:chExt cx="0" cy="0"/>
-        </a:xfrm>
-      </p:grpSpPr>
-      <p:sp>
-        <p:nvSpPr>
-          <p:cNvPr id="116737" name="Title 1">
-            <a:extLst>
-              <a:ext uri="{FF2B5EF4-FFF2-40B4-BE49-F238E27FC236}">
-                <a16:creationId xmlns:a16="http://schemas.microsoft.com/office/drawing/2014/main" id="{CB672840-C8CB-E905-0C2D-22972C9FD350}"/>
-              </a:ext>
-            </a:extLst>
-          </p:cNvPr>
-          <p:cNvSpPr>
-            <a:spLocks noGrp="1" noChangeArrowheads="1"/>
-          </p:cNvSpPr>
-          <p:nvPr>
-            <p:ph type="title"/>
-          </p:nvPr>
-        </p:nvSpPr>
-        <p:spPr/>
-        <p:txBody>
-          <a:bodyPr/>
-          <a:lstStyle/>
-          <a:p>
-            <a:r>
-              <a:rPr lang="en-US" altLang="en-US"/>
-              <a:t>Configuring Route Locator</a:t>
-            </a:r>
-            <a:endParaRPr lang="en-IN" altLang="en-US"/>
-          </a:p>
-        </p:txBody>
-      </p:sp>
-      <p:sp>
-        <p:nvSpPr>
-          <p:cNvPr id="35843" name="Content Placeholder 2">
-            <a:extLst>
-              <a:ext uri="{FF2B5EF4-FFF2-40B4-BE49-F238E27FC236}">
-                <a16:creationId xmlns:a16="http://schemas.microsoft.com/office/drawing/2014/main" id="{332F6083-8A09-3E5C-0135-DF547CF3A58E}"/>
-              </a:ext>
-            </a:extLst>
-          </p:cNvPr>
-          <p:cNvSpPr>
-            <a:spLocks noGrp="1" noChangeArrowheads="1"/>
-          </p:cNvSpPr>
-          <p:nvPr>
-            <p:ph idx="1"/>
-          </p:nvPr>
-        </p:nvSpPr>
-        <p:spPr/>
-        <p:txBody>
-          <a:bodyPr/>
-          <a:lstStyle/>
-          <a:p>
-            <a:pPr marL="457200" lvl="1" indent="0">
-              <a:buFontTx/>
-              <a:buNone/>
-              <a:defRPr/>
-            </a:pPr>
-            <a:r>
-              <a:rPr lang="en-IN" altLang="en-US" sz="1800" dirty="0">
-                <a:solidFill>
-                  <a:srgbClr val="646464"/>
-                </a:solidFill>
-                <a:latin typeface="Consolas" panose="020B0609020204030204" pitchFamily="49" charset="0"/>
-              </a:rPr>
-              <a:t>@Configuration</a:t>
-            </a:r>
-          </a:p>
-          <a:p>
-            <a:pPr marL="457200" lvl="1" indent="0">
-              <a:buFontTx/>
-              <a:buNone/>
-              <a:defRPr/>
-            </a:pPr>
-            <a:r>
-              <a:rPr lang="en-IN" altLang="en-US" sz="1800" b="1" dirty="0">
-                <a:solidFill>
-                  <a:srgbClr val="7F0055"/>
-                </a:solidFill>
-                <a:latin typeface="Consolas" panose="020B0609020204030204" pitchFamily="49" charset="0"/>
-              </a:rPr>
-              <a:t>public</a:t>
-            </a:r>
-            <a:r>
-              <a:rPr lang="en-IN" altLang="en-US" sz="1800" b="1" dirty="0">
-                <a:solidFill>
-                  <a:srgbClr val="000000"/>
-                </a:solidFill>
-                <a:latin typeface="Consolas" panose="020B0609020204030204" pitchFamily="49" charset="0"/>
-              </a:rPr>
-              <a:t> </a:t>
-            </a:r>
-            <a:r>
-              <a:rPr lang="en-IN" altLang="en-US" sz="1800" b="1" dirty="0">
-                <a:solidFill>
-                  <a:srgbClr val="7F0055"/>
-                </a:solidFill>
-                <a:latin typeface="Consolas" panose="020B0609020204030204" pitchFamily="49" charset="0"/>
-              </a:rPr>
-              <a:t>class</a:t>
-            </a:r>
-            <a:r>
-              <a:rPr lang="en-IN" altLang="en-US" sz="1800" b="1" dirty="0">
-                <a:solidFill>
-                  <a:srgbClr val="000000"/>
-                </a:solidFill>
-                <a:latin typeface="Consolas" panose="020B0609020204030204" pitchFamily="49" charset="0"/>
-              </a:rPr>
-              <a:t> </a:t>
-            </a:r>
-            <a:r>
-              <a:rPr lang="en-IN" altLang="en-US" sz="1800" b="1" dirty="0" err="1">
-                <a:solidFill>
-                  <a:srgbClr val="000000"/>
-                </a:solidFill>
-                <a:latin typeface="Consolas" panose="020B0609020204030204" pitchFamily="49" charset="0"/>
-              </a:rPr>
-              <a:t>MyRouteConfig</a:t>
-            </a:r>
-            <a:r>
-              <a:rPr lang="en-IN" altLang="en-US" sz="1800" b="1" dirty="0">
-                <a:solidFill>
-                  <a:srgbClr val="000000"/>
-                </a:solidFill>
-                <a:latin typeface="Consolas" panose="020B0609020204030204" pitchFamily="49" charset="0"/>
-              </a:rPr>
-              <a:t> {</a:t>
-            </a:r>
-          </a:p>
-          <a:p>
-            <a:pPr marL="457200" lvl="1" indent="0">
-              <a:buFontTx/>
-              <a:buNone/>
-              <a:defRPr/>
-            </a:pPr>
-            <a:endParaRPr lang="en-IN" altLang="en-US" sz="1800" dirty="0">
-              <a:latin typeface="Consolas" panose="020B0609020204030204" pitchFamily="49" charset="0"/>
-            </a:endParaRPr>
-          </a:p>
-          <a:p>
-            <a:pPr marL="457200" lvl="1" indent="0">
-              <a:buFontTx/>
-              <a:buNone/>
-              <a:defRPr/>
-            </a:pPr>
-            <a:r>
-              <a:rPr lang="en-IN" altLang="en-US" sz="1800" dirty="0">
-                <a:solidFill>
-                  <a:srgbClr val="000000"/>
-                </a:solidFill>
-                <a:latin typeface="Consolas" panose="020B0609020204030204" pitchFamily="49" charset="0"/>
-              </a:rPr>
-              <a:t>    </a:t>
-            </a:r>
-            <a:r>
-              <a:rPr lang="en-IN" altLang="en-US" sz="1800" dirty="0">
-                <a:solidFill>
-                  <a:srgbClr val="646464"/>
-                </a:solidFill>
-                <a:latin typeface="Consolas" panose="020B0609020204030204" pitchFamily="49" charset="0"/>
-              </a:rPr>
-              <a:t>@Bean</a:t>
-            </a:r>
-          </a:p>
-          <a:p>
-            <a:pPr marL="457200" lvl="1" indent="0">
-              <a:buFontTx/>
-              <a:buNone/>
-              <a:defRPr/>
-            </a:pPr>
-            <a:r>
-              <a:rPr lang="en-US" altLang="en-US" sz="1800" dirty="0">
-                <a:solidFill>
-                  <a:srgbClr val="000000"/>
-                </a:solidFill>
-                <a:latin typeface="Consolas" panose="020B0609020204030204" pitchFamily="49" charset="0"/>
-              </a:rPr>
-              <a:t>    </a:t>
-            </a:r>
-            <a:r>
-              <a:rPr lang="en-US" altLang="en-US" sz="1800" b="1" dirty="0">
-                <a:solidFill>
-                  <a:srgbClr val="7F0055"/>
-                </a:solidFill>
-                <a:latin typeface="Consolas" panose="020B0609020204030204" pitchFamily="49" charset="0"/>
-              </a:rPr>
-              <a:t>public</a:t>
-            </a:r>
-            <a:r>
-              <a:rPr lang="en-US" altLang="en-US" sz="1800" b="1" dirty="0">
-                <a:solidFill>
-                  <a:srgbClr val="000000"/>
-                </a:solidFill>
-                <a:latin typeface="Consolas" panose="020B0609020204030204" pitchFamily="49" charset="0"/>
-              </a:rPr>
-              <a:t> </a:t>
-            </a:r>
-            <a:r>
-              <a:rPr lang="en-US" altLang="en-US" sz="1800" b="1" dirty="0" err="1">
-                <a:solidFill>
-                  <a:srgbClr val="000000"/>
-                </a:solidFill>
-                <a:latin typeface="Consolas" panose="020B0609020204030204" pitchFamily="49" charset="0"/>
-              </a:rPr>
-              <a:t>RouteLocator</a:t>
-            </a:r>
-            <a:r>
-              <a:rPr lang="en-US" altLang="en-US" sz="1800" b="1" dirty="0">
-                <a:solidFill>
-                  <a:srgbClr val="000000"/>
-                </a:solidFill>
-                <a:latin typeface="Consolas" panose="020B0609020204030204" pitchFamily="49" charset="0"/>
-              </a:rPr>
-              <a:t> </a:t>
-            </a:r>
-            <a:r>
-              <a:rPr lang="en-US" altLang="en-US" sz="1800" b="1" dirty="0" err="1">
-                <a:solidFill>
-                  <a:srgbClr val="000000"/>
-                </a:solidFill>
-                <a:latin typeface="Consolas" panose="020B0609020204030204" pitchFamily="49" charset="0"/>
-              </a:rPr>
-              <a:t>gatewayRoutes</a:t>
-            </a:r>
-            <a:r>
-              <a:rPr lang="en-US" altLang="en-US" sz="1800" b="1" dirty="0">
-                <a:solidFill>
-                  <a:srgbClr val="000000"/>
-                </a:solidFill>
-                <a:latin typeface="Consolas" panose="020B0609020204030204" pitchFamily="49" charset="0"/>
-              </a:rPr>
-              <a:t>(</a:t>
-            </a:r>
-            <a:r>
-              <a:rPr lang="en-US" altLang="en-US" sz="1800" b="1" dirty="0" err="1">
-                <a:solidFill>
-                  <a:srgbClr val="000000"/>
-                </a:solidFill>
-                <a:latin typeface="Consolas" panose="020B0609020204030204" pitchFamily="49" charset="0"/>
-              </a:rPr>
-              <a:t>RouteLocatorBuilder</a:t>
-            </a:r>
-            <a:r>
-              <a:rPr lang="en-US" altLang="en-US" sz="1800" b="1" dirty="0">
-                <a:solidFill>
-                  <a:srgbClr val="000000"/>
-                </a:solidFill>
-                <a:latin typeface="Consolas" panose="020B0609020204030204" pitchFamily="49" charset="0"/>
-              </a:rPr>
-              <a:t> </a:t>
-            </a:r>
-            <a:r>
-              <a:rPr lang="en-US" altLang="en-US" sz="1800" b="1" dirty="0">
-                <a:solidFill>
-                  <a:srgbClr val="6A3E3E"/>
-                </a:solidFill>
-                <a:latin typeface="Consolas" panose="020B0609020204030204" pitchFamily="49" charset="0"/>
-              </a:rPr>
-              <a:t>builder</a:t>
-            </a:r>
-            <a:r>
-              <a:rPr lang="en-US" altLang="en-US" sz="1800" b="1" dirty="0">
-                <a:solidFill>
-                  <a:srgbClr val="000000"/>
-                </a:solidFill>
-                <a:latin typeface="Consolas" panose="020B0609020204030204" pitchFamily="49" charset="0"/>
-              </a:rPr>
-              <a:t>) {</a:t>
-            </a:r>
-          </a:p>
-          <a:p>
-            <a:pPr marL="457200" lvl="1" indent="0">
-              <a:buFontTx/>
-              <a:buNone/>
-              <a:defRPr/>
-            </a:pPr>
-            <a:r>
-              <a:rPr lang="en-IN" altLang="en-US" sz="1800" dirty="0">
-                <a:solidFill>
-                  <a:srgbClr val="000000"/>
-                </a:solidFill>
-                <a:latin typeface="Consolas" panose="020B0609020204030204" pitchFamily="49" charset="0"/>
-              </a:rPr>
-              <a:t>    </a:t>
-            </a:r>
-          </a:p>
-          <a:p>
-            <a:pPr marL="0" indent="0">
-              <a:buFontTx/>
-              <a:buNone/>
-              <a:defRPr/>
-            </a:pPr>
-            <a:r>
-              <a:rPr lang="en-IN" altLang="en-US" sz="1800" dirty="0">
-                <a:solidFill>
-                  <a:srgbClr val="000000"/>
-                </a:solidFill>
-                <a:latin typeface="Consolas" panose="020B0609020204030204" pitchFamily="49" charset="0"/>
-              </a:rPr>
-              <a:t>         </a:t>
-            </a:r>
-            <a:r>
-              <a:rPr lang="en-IN" altLang="en-US" sz="1800" b="1" dirty="0">
-                <a:solidFill>
-                  <a:srgbClr val="7F0055"/>
-                </a:solidFill>
-                <a:latin typeface="Consolas" panose="020B0609020204030204" pitchFamily="49" charset="0"/>
-              </a:rPr>
-              <a:t>r</a:t>
-            </a:r>
-            <a:r>
-              <a:rPr lang="en-IN" sz="1800" b="1" dirty="0">
-                <a:solidFill>
-                  <a:srgbClr val="7F0055"/>
-                </a:solidFill>
-                <a:latin typeface="Consolas" panose="020B0609020204030204" pitchFamily="49" charset="0"/>
-              </a:rPr>
-              <a:t>eturn</a:t>
-            </a:r>
-            <a:r>
-              <a:rPr lang="en-IN" sz="1800" b="1" dirty="0">
-                <a:solidFill>
-                  <a:srgbClr val="000000"/>
-                </a:solidFill>
-                <a:latin typeface="Consolas" panose="020B0609020204030204" pitchFamily="49" charset="0"/>
-              </a:rPr>
-              <a:t> </a:t>
-            </a:r>
-            <a:r>
-              <a:rPr lang="en-IN" sz="1800" b="1" dirty="0" err="1">
-                <a:solidFill>
-                  <a:srgbClr val="6A3E3E"/>
-                </a:solidFill>
-                <a:latin typeface="Consolas" panose="020B0609020204030204" pitchFamily="49" charset="0"/>
-              </a:rPr>
-              <a:t>builder</a:t>
-            </a:r>
-            <a:r>
-              <a:rPr lang="en-IN" sz="1800" b="1" dirty="0" err="1">
-                <a:solidFill>
-                  <a:srgbClr val="000000"/>
-                </a:solidFill>
-                <a:latin typeface="Consolas" panose="020B0609020204030204" pitchFamily="49" charset="0"/>
-              </a:rPr>
-              <a:t>.routes</a:t>
-            </a:r>
-            <a:r>
-              <a:rPr lang="en-IN" sz="1800" b="1" dirty="0">
-                <a:solidFill>
-                  <a:srgbClr val="000000"/>
-                </a:solidFill>
-                <a:latin typeface="Consolas" panose="020B0609020204030204" pitchFamily="49" charset="0"/>
-              </a:rPr>
-              <a:t>()</a:t>
-            </a:r>
-          </a:p>
-          <a:p>
-            <a:pPr marL="0" indent="0">
-              <a:buFontTx/>
-              <a:buNone/>
-              <a:defRPr/>
-            </a:pPr>
-            <a:r>
-              <a:rPr lang="en-US" sz="1800" dirty="0">
-                <a:solidFill>
-                  <a:srgbClr val="000000"/>
-                </a:solidFill>
-                <a:latin typeface="Consolas" panose="020B0609020204030204" pitchFamily="49" charset="0"/>
-              </a:rPr>
-              <a:t>           .route</a:t>
-            </a:r>
-            <a:r>
-              <a:rPr lang="en-US" sz="1800" b="1" dirty="0">
-                <a:solidFill>
-                  <a:srgbClr val="C00000"/>
-                </a:solidFill>
-                <a:latin typeface="Consolas" panose="020B0609020204030204" pitchFamily="49" charset="0"/>
-              </a:rPr>
-              <a:t>(</a:t>
-            </a:r>
-            <a:r>
-              <a:rPr lang="en-US" sz="1800" dirty="0">
-                <a:solidFill>
-                  <a:srgbClr val="6A3E3E"/>
-                </a:solidFill>
-                <a:latin typeface="Consolas" panose="020B0609020204030204" pitchFamily="49" charset="0"/>
-              </a:rPr>
-              <a:t>p</a:t>
-            </a:r>
-            <a:r>
-              <a:rPr lang="en-US" sz="1800" dirty="0">
-                <a:solidFill>
-                  <a:srgbClr val="000000"/>
-                </a:solidFill>
-                <a:latin typeface="Consolas" panose="020B0609020204030204" pitchFamily="49" charset="0"/>
-              </a:rPr>
-              <a:t> -&gt; </a:t>
-            </a:r>
-            <a:r>
-              <a:rPr lang="en-US" sz="1800" dirty="0" err="1">
-                <a:solidFill>
-                  <a:srgbClr val="6A3E3E"/>
-                </a:solidFill>
-                <a:latin typeface="Consolas" panose="020B0609020204030204" pitchFamily="49" charset="0"/>
-              </a:rPr>
-              <a:t>p</a:t>
-            </a:r>
-            <a:r>
-              <a:rPr lang="en-US" sz="1800" dirty="0" err="1">
-                <a:solidFill>
-                  <a:srgbClr val="000000"/>
-                </a:solidFill>
-                <a:latin typeface="Consolas" panose="020B0609020204030204" pitchFamily="49" charset="0"/>
-              </a:rPr>
-              <a:t>.path</a:t>
-            </a:r>
-            <a:r>
-              <a:rPr lang="en-US" sz="1800" b="1" dirty="0">
-                <a:solidFill>
-                  <a:srgbClr val="00B050"/>
-                </a:solidFill>
-                <a:latin typeface="Consolas" panose="020B0609020204030204" pitchFamily="49" charset="0"/>
-              </a:rPr>
-              <a:t>(</a:t>
-            </a:r>
-            <a:r>
-              <a:rPr lang="en-US" sz="1800" dirty="0">
-                <a:solidFill>
-                  <a:srgbClr val="2A00FF"/>
-                </a:solidFill>
-                <a:latin typeface="Consolas" panose="020B0609020204030204" pitchFamily="49" charset="0"/>
-              </a:rPr>
-              <a:t>"/</a:t>
-            </a:r>
-            <a:r>
-              <a:rPr lang="en-US" sz="1800" dirty="0" err="1">
-                <a:solidFill>
-                  <a:srgbClr val="2A00FF"/>
-                </a:solidFill>
-                <a:latin typeface="Consolas" panose="020B0609020204030204" pitchFamily="49" charset="0"/>
-              </a:rPr>
-              <a:t>api</a:t>
-            </a:r>
-            <a:r>
-              <a:rPr lang="en-US" sz="1800" dirty="0">
-                <a:solidFill>
-                  <a:srgbClr val="2A00FF"/>
-                </a:solidFill>
-                <a:latin typeface="Consolas" panose="020B0609020204030204" pitchFamily="49" charset="0"/>
-              </a:rPr>
-              <a:t>/v1/reviews/**"</a:t>
-            </a:r>
-            <a:r>
-              <a:rPr lang="en-US" sz="1800" b="1" dirty="0">
-                <a:solidFill>
-                  <a:srgbClr val="00B050"/>
-                </a:solidFill>
-                <a:latin typeface="Consolas" panose="020B0609020204030204" pitchFamily="49" charset="0"/>
-              </a:rPr>
-              <a:t>)</a:t>
-            </a:r>
-          </a:p>
-          <a:p>
-            <a:pPr marL="0" indent="0">
-              <a:buFontTx/>
-              <a:buNone/>
-              <a:defRPr/>
-            </a:pPr>
-            <a:r>
-              <a:rPr lang="en-US" sz="1800" dirty="0">
-                <a:solidFill>
-                  <a:srgbClr val="000000"/>
-                </a:solidFill>
-                <a:latin typeface="Consolas" panose="020B0609020204030204" pitchFamily="49" charset="0"/>
-              </a:rPr>
-              <a:t>           .filters</a:t>
-            </a:r>
-            <a:r>
-              <a:rPr lang="en-US" sz="1800" b="1" dirty="0">
-                <a:solidFill>
-                  <a:schemeClr val="bg1">
-                    <a:lumMod val="75000"/>
-                  </a:schemeClr>
-                </a:solidFill>
-                <a:latin typeface="Consolas" panose="020B0609020204030204" pitchFamily="49" charset="0"/>
-              </a:rPr>
-              <a:t>(</a:t>
-            </a:r>
-            <a:r>
-              <a:rPr lang="en-US" sz="1800" dirty="0">
-                <a:solidFill>
-                  <a:srgbClr val="6A3E3E"/>
-                </a:solidFill>
-                <a:latin typeface="Consolas" panose="020B0609020204030204" pitchFamily="49" charset="0"/>
-              </a:rPr>
-              <a:t>f</a:t>
-            </a:r>
-            <a:r>
-              <a:rPr lang="en-US" sz="1800" dirty="0">
-                <a:solidFill>
-                  <a:srgbClr val="000000"/>
-                </a:solidFill>
-                <a:latin typeface="Consolas" panose="020B0609020204030204" pitchFamily="49" charset="0"/>
-              </a:rPr>
-              <a:t> -&gt; </a:t>
-            </a:r>
-            <a:r>
-              <a:rPr lang="en-US" sz="1800" dirty="0" err="1">
-                <a:solidFill>
-                  <a:srgbClr val="6A3E3E"/>
-                </a:solidFill>
-                <a:latin typeface="Consolas" panose="020B0609020204030204" pitchFamily="49" charset="0"/>
-              </a:rPr>
-              <a:t>f</a:t>
-            </a:r>
-            <a:r>
-              <a:rPr lang="en-US" sz="1800" dirty="0" err="1">
-                <a:solidFill>
-                  <a:srgbClr val="000000"/>
-                </a:solidFill>
-                <a:latin typeface="Consolas" panose="020B0609020204030204" pitchFamily="49" charset="0"/>
-              </a:rPr>
-              <a:t>.addResponseHeader</a:t>
-            </a:r>
-            <a:r>
-              <a:rPr lang="en-US" sz="1400" dirty="0">
-                <a:solidFill>
-                  <a:srgbClr val="000000"/>
-                </a:solidFill>
-                <a:latin typeface="Consolas" panose="020B0609020204030204" pitchFamily="49" charset="0"/>
-              </a:rPr>
-              <a:t>(</a:t>
-            </a:r>
-            <a:r>
-              <a:rPr lang="en-US" sz="1800" dirty="0">
-                <a:solidFill>
-                  <a:srgbClr val="2A00FF"/>
-                </a:solidFill>
-                <a:latin typeface="Consolas" panose="020B0609020204030204" pitchFamily="49" charset="0"/>
-              </a:rPr>
-              <a:t>"Hello"</a:t>
-            </a:r>
-            <a:r>
-              <a:rPr lang="en-US" sz="1800" dirty="0">
-                <a:solidFill>
-                  <a:srgbClr val="000000"/>
-                </a:solidFill>
-                <a:latin typeface="Consolas" panose="020B0609020204030204" pitchFamily="49" charset="0"/>
-              </a:rPr>
-              <a:t>, </a:t>
-            </a:r>
-            <a:r>
-              <a:rPr lang="en-US" sz="1800" dirty="0">
-                <a:solidFill>
-                  <a:srgbClr val="2A00FF"/>
-                </a:solidFill>
-                <a:latin typeface="Consolas" panose="020B0609020204030204" pitchFamily="49" charset="0"/>
-              </a:rPr>
-              <a:t>"World"</a:t>
-            </a:r>
-            <a:r>
-              <a:rPr lang="en-US" sz="1400" dirty="0">
-                <a:solidFill>
-                  <a:srgbClr val="000000"/>
-                </a:solidFill>
-                <a:latin typeface="Consolas" panose="020B0609020204030204" pitchFamily="49" charset="0"/>
-              </a:rPr>
-              <a:t>)</a:t>
-            </a:r>
-            <a:r>
-              <a:rPr lang="en-US" sz="1800" b="1" dirty="0">
-                <a:solidFill>
-                  <a:schemeClr val="bg1">
-                    <a:lumMod val="75000"/>
-                  </a:schemeClr>
-                </a:solidFill>
-                <a:latin typeface="Consolas" panose="020B0609020204030204" pitchFamily="49" charset="0"/>
-              </a:rPr>
-              <a:t>)</a:t>
-            </a:r>
-          </a:p>
-          <a:p>
-            <a:pPr marL="0" indent="0">
-              <a:buFontTx/>
-              <a:buNone/>
-              <a:defRPr/>
-            </a:pPr>
-            <a:r>
-              <a:rPr lang="en-IN" sz="1800" dirty="0">
-                <a:solidFill>
-                  <a:srgbClr val="000000"/>
-                </a:solidFill>
-                <a:latin typeface="Consolas" panose="020B0609020204030204" pitchFamily="49" charset="0"/>
-              </a:rPr>
-              <a:t>           .</a:t>
-            </a:r>
-            <a:r>
-              <a:rPr lang="en-IN" sz="1800" dirty="0" err="1">
-                <a:solidFill>
-                  <a:srgbClr val="000000"/>
-                </a:solidFill>
-                <a:latin typeface="Consolas" panose="020B0609020204030204" pitchFamily="49" charset="0"/>
-              </a:rPr>
-              <a:t>uri</a:t>
-            </a:r>
-            <a:r>
-              <a:rPr lang="en-IN" sz="1800" b="1" dirty="0">
-                <a:solidFill>
-                  <a:srgbClr val="00B0F0"/>
-                </a:solidFill>
-                <a:latin typeface="Consolas" panose="020B0609020204030204" pitchFamily="49" charset="0"/>
-              </a:rPr>
-              <a:t>(</a:t>
-            </a:r>
-            <a:r>
-              <a:rPr lang="en-IN" sz="1800" dirty="0">
-                <a:solidFill>
-                  <a:srgbClr val="2A00FF"/>
-                </a:solidFill>
-                <a:latin typeface="Consolas" panose="020B0609020204030204" pitchFamily="49" charset="0"/>
-              </a:rPr>
-              <a:t>"lb://REVIEW-SERVICE"</a:t>
-            </a:r>
-            <a:r>
-              <a:rPr lang="en-IN" sz="1800" b="1" dirty="0">
-                <a:solidFill>
-                  <a:srgbClr val="00B0F0"/>
-                </a:solidFill>
-                <a:latin typeface="Consolas" panose="020B0609020204030204" pitchFamily="49" charset="0"/>
-              </a:rPr>
-              <a:t>)</a:t>
-            </a:r>
-            <a:r>
-              <a:rPr lang="en-IN" sz="1800" dirty="0">
-                <a:solidFill>
-                  <a:srgbClr val="000000"/>
-                </a:solidFill>
-                <a:latin typeface="Consolas" panose="020B0609020204030204" pitchFamily="49" charset="0"/>
-              </a:rPr>
-              <a:t> </a:t>
-            </a:r>
-            <a:r>
-              <a:rPr lang="en-IN" sz="1800" dirty="0">
-                <a:solidFill>
-                  <a:srgbClr val="C00000"/>
-                </a:solidFill>
-                <a:latin typeface="Consolas" panose="020B0609020204030204" pitchFamily="49" charset="0"/>
-              </a:rPr>
-              <a:t>)</a:t>
-            </a:r>
-          </a:p>
-          <a:p>
-            <a:pPr marL="0" indent="0">
-              <a:buFontTx/>
-              <a:buNone/>
-              <a:defRPr/>
-            </a:pPr>
-            <a:r>
-              <a:rPr lang="en-US" sz="1800" dirty="0">
-                <a:solidFill>
-                  <a:srgbClr val="000000"/>
-                </a:solidFill>
-                <a:latin typeface="Consolas" panose="020B0609020204030204" pitchFamily="49" charset="0"/>
-              </a:rPr>
-              <a:t>                .route(</a:t>
-            </a:r>
-            <a:r>
-              <a:rPr lang="en-US" sz="1800" dirty="0">
-                <a:solidFill>
-                  <a:srgbClr val="6A3E3E"/>
-                </a:solidFill>
-                <a:latin typeface="Consolas" panose="020B0609020204030204" pitchFamily="49" charset="0"/>
-              </a:rPr>
-              <a:t>p</a:t>
-            </a:r>
-            <a:r>
-              <a:rPr lang="en-US" sz="1800" dirty="0">
-                <a:solidFill>
-                  <a:srgbClr val="000000"/>
-                </a:solidFill>
-                <a:latin typeface="Consolas" panose="020B0609020204030204" pitchFamily="49" charset="0"/>
-              </a:rPr>
-              <a:t> -&gt; </a:t>
-            </a:r>
-            <a:r>
-              <a:rPr lang="en-US" sz="1800" dirty="0" err="1">
-                <a:solidFill>
-                  <a:srgbClr val="6A3E3E"/>
-                </a:solidFill>
-                <a:latin typeface="Consolas" panose="020B0609020204030204" pitchFamily="49" charset="0"/>
-              </a:rPr>
-              <a:t>p</a:t>
-            </a:r>
-            <a:r>
-              <a:rPr lang="en-US" sz="1800" dirty="0" err="1">
-                <a:solidFill>
-                  <a:srgbClr val="000000"/>
-                </a:solidFill>
-                <a:latin typeface="Consolas" panose="020B0609020204030204" pitchFamily="49" charset="0"/>
-              </a:rPr>
-              <a:t>.path</a:t>
-            </a:r>
-            <a:r>
-              <a:rPr lang="en-US" sz="1800" dirty="0">
-                <a:solidFill>
-                  <a:srgbClr val="000000"/>
-                </a:solidFill>
-                <a:latin typeface="Consolas" panose="020B0609020204030204" pitchFamily="49" charset="0"/>
-              </a:rPr>
-              <a:t>(</a:t>
-            </a:r>
-            <a:r>
-              <a:rPr lang="en-US" sz="1800" dirty="0">
-                <a:solidFill>
-                  <a:srgbClr val="2A00FF"/>
-                </a:solidFill>
-                <a:latin typeface="Consolas" panose="020B0609020204030204" pitchFamily="49" charset="0"/>
-              </a:rPr>
-              <a:t>"/</a:t>
-            </a:r>
-            <a:r>
-              <a:rPr lang="en-US" sz="1800" dirty="0" err="1">
-                <a:solidFill>
-                  <a:srgbClr val="2A00FF"/>
-                </a:solidFill>
-                <a:latin typeface="Consolas" panose="020B0609020204030204" pitchFamily="49" charset="0"/>
-              </a:rPr>
-              <a:t>api</a:t>
-            </a:r>
-            <a:r>
-              <a:rPr lang="en-US" sz="1800" dirty="0">
-                <a:solidFill>
-                  <a:srgbClr val="2A00FF"/>
-                </a:solidFill>
-                <a:latin typeface="Consolas" panose="020B0609020204030204" pitchFamily="49" charset="0"/>
-              </a:rPr>
-              <a:t>/v1/choices/**"</a:t>
-            </a:r>
-            <a:r>
-              <a:rPr lang="en-US" sz="1800" dirty="0">
-                <a:solidFill>
-                  <a:srgbClr val="000000"/>
-                </a:solidFill>
-                <a:latin typeface="Consolas" panose="020B0609020204030204" pitchFamily="49" charset="0"/>
-              </a:rPr>
-              <a:t>)</a:t>
-            </a:r>
-          </a:p>
-          <a:p>
-            <a:pPr marL="0" indent="0">
-              <a:buFontTx/>
-              <a:buNone/>
-              <a:defRPr/>
-            </a:pPr>
-            <a:r>
-              <a:rPr lang="en-IN" sz="1800" dirty="0">
-                <a:solidFill>
-                  <a:srgbClr val="000000"/>
-                </a:solidFill>
-                <a:latin typeface="Consolas" panose="020B0609020204030204" pitchFamily="49" charset="0"/>
-              </a:rPr>
-              <a:t>                .</a:t>
-            </a:r>
-            <a:r>
-              <a:rPr lang="en-IN" sz="1800" dirty="0" err="1">
-                <a:solidFill>
-                  <a:srgbClr val="000000"/>
-                </a:solidFill>
-                <a:latin typeface="Consolas" panose="020B0609020204030204" pitchFamily="49" charset="0"/>
-              </a:rPr>
-              <a:t>uri</a:t>
-            </a:r>
-            <a:r>
-              <a:rPr lang="en-IN" sz="1800" dirty="0">
-                <a:solidFill>
-                  <a:srgbClr val="000000"/>
-                </a:solidFill>
-                <a:latin typeface="Consolas" panose="020B0609020204030204" pitchFamily="49" charset="0"/>
-              </a:rPr>
-              <a:t>(</a:t>
-            </a:r>
-            <a:r>
-              <a:rPr lang="en-IN" sz="1800" dirty="0">
-                <a:solidFill>
-                  <a:srgbClr val="2A00FF"/>
-                </a:solidFill>
-                <a:latin typeface="Consolas" panose="020B0609020204030204" pitchFamily="49" charset="0"/>
-              </a:rPr>
-              <a:t>"http://localhost:7575/"</a:t>
-            </a:r>
-            <a:r>
-              <a:rPr lang="en-IN" sz="1800" dirty="0">
-                <a:solidFill>
-                  <a:srgbClr val="000000"/>
-                </a:solidFill>
-                <a:latin typeface="Consolas" panose="020B0609020204030204" pitchFamily="49" charset="0"/>
-              </a:rPr>
-              <a:t>))</a:t>
-            </a:r>
-          </a:p>
-          <a:p>
-            <a:pPr marL="0" indent="0">
-              <a:buFontTx/>
-              <a:buNone/>
-              <a:defRPr/>
-            </a:pPr>
-            <a:r>
-              <a:rPr lang="en-IN" sz="1800" dirty="0">
-                <a:solidFill>
-                  <a:srgbClr val="000000"/>
-                </a:solidFill>
-                <a:latin typeface="Consolas" panose="020B0609020204030204" pitchFamily="49" charset="0"/>
-              </a:rPr>
-              <a:t>                .build();</a:t>
-            </a:r>
-          </a:p>
-          <a:p>
-            <a:pPr marL="457200" lvl="1" indent="0">
-              <a:buFontTx/>
-              <a:buNone/>
-              <a:defRPr/>
-            </a:pPr>
-            <a:r>
-              <a:rPr lang="en-IN" altLang="en-US" sz="1800" dirty="0">
-                <a:solidFill>
-                  <a:srgbClr val="000000"/>
-                </a:solidFill>
-                <a:latin typeface="Consolas" panose="020B0609020204030204" pitchFamily="49" charset="0"/>
-              </a:rPr>
-              <a:t>}</a:t>
-            </a:r>
-          </a:p>
-          <a:p>
-            <a:pPr marL="457200" lvl="1" indent="0">
-              <a:buFontTx/>
-              <a:buNone/>
-              <a:defRPr/>
-            </a:pPr>
-            <a:r>
-              <a:rPr lang="en-IN" altLang="en-US" sz="1800" dirty="0">
-                <a:solidFill>
-                  <a:srgbClr val="000000"/>
-                </a:solidFill>
-                <a:latin typeface="Consolas" panose="020B0609020204030204" pitchFamily="49" charset="0"/>
-              </a:rPr>
-              <a:t>}</a:t>
-            </a:r>
-          </a:p>
-          <a:p>
-            <a:pPr marL="457200" lvl="1" indent="0">
-              <a:buFontTx/>
-              <a:buNone/>
-              <a:defRPr/>
-            </a:pPr>
-            <a:endParaRPr lang="en-IN" altLang="en-US" dirty="0"/>
-          </a:p>
-        </p:txBody>
-      </p:sp>
-    </p:spTree>
-  </p:cSld>
-  <p:clrMapOvr>
-    <a:masterClrMapping/>
-  </p:clrMapOvr>
-</p:sld>
-</file>
-
-<file path=ppt/slides/slide99.xml><?xml version="1.0" encoding="utf-8"?>
-<p:sld xmlns:a="http://schemas.openxmlformats.org/drawingml/2006/main" xmlns:r="http://schemas.openxmlformats.org/officeDocument/2006/relationships" xmlns:p="http://schemas.openxmlformats.org/presentationml/2006/main">
-  <p:cSld>
-    <p:spTree>
-      <p:nvGrpSpPr>
-        <p:cNvPr id="1" name=""/>
-        <p:cNvGrpSpPr/>
-        <p:nvPr/>
-      </p:nvGrpSpPr>
-      <p:grpSpPr>
-        <a:xfrm>
-          <a:off x="0" y="0"/>
-          <a:ext cx="0" cy="0"/>
-          <a:chOff x="0" y="0"/>
-          <a:chExt cx="0" cy="0"/>
-        </a:xfrm>
-      </p:grpSpPr>
-      <p:sp>
-        <p:nvSpPr>
-          <p:cNvPr id="117761" name="Title 1">
-            <a:extLst>
-              <a:ext uri="{FF2B5EF4-FFF2-40B4-BE49-F238E27FC236}">
-                <a16:creationId xmlns:a16="http://schemas.microsoft.com/office/drawing/2014/main" id="{AD23EB99-6747-5A9C-9FE9-3B62E6DC7506}"/>
-              </a:ext>
-            </a:extLst>
-          </p:cNvPr>
-          <p:cNvSpPr>
-            <a:spLocks noGrp="1" noChangeArrowheads="1"/>
-          </p:cNvSpPr>
-          <p:nvPr>
-            <p:ph type="title"/>
-          </p:nvPr>
-        </p:nvSpPr>
-        <p:spPr/>
-        <p:txBody>
-          <a:bodyPr/>
-          <a:lstStyle/>
-          <a:p>
-            <a:r>
-              <a:rPr lang="en-US" altLang="en-US"/>
-              <a:t>Gateway Filter</a:t>
-            </a:r>
-            <a:endParaRPr lang="en-IN" altLang="en-US"/>
-          </a:p>
-        </p:txBody>
-      </p:sp>
-      <p:sp>
-        <p:nvSpPr>
-          <p:cNvPr id="117762" name="Content Placeholder 2">
-            <a:extLst>
-              <a:ext uri="{FF2B5EF4-FFF2-40B4-BE49-F238E27FC236}">
-                <a16:creationId xmlns:a16="http://schemas.microsoft.com/office/drawing/2014/main" id="{BAD5E025-EC8D-1DCA-A6D2-FADBDB762AD9}"/>
-              </a:ext>
-            </a:extLst>
-          </p:cNvPr>
-          <p:cNvSpPr>
-            <a:spLocks noGrp="1" noChangeArrowheads="1"/>
-          </p:cNvSpPr>
-          <p:nvPr>
-            <p:ph idx="1"/>
-          </p:nvPr>
-        </p:nvSpPr>
-        <p:spPr/>
-        <p:txBody>
-          <a:bodyPr/>
-          <a:lstStyle/>
-          <a:p>
-            <a:pPr marL="400050" lvl="1" indent="0">
-              <a:buFontTx/>
-              <a:buNone/>
-            </a:pPr>
-            <a:r>
-              <a:rPr lang="en-IN" altLang="en-US" sz="2000">
-                <a:solidFill>
-                  <a:srgbClr val="646464"/>
-                </a:solidFill>
-                <a:latin typeface="Consolas" panose="020B0609020204030204" pitchFamily="49" charset="0"/>
-              </a:rPr>
-              <a:t>@Component</a:t>
-            </a:r>
-          </a:p>
-          <a:p>
-            <a:pPr marL="400050" lvl="1" indent="0">
-              <a:buFontTx/>
-              <a:buNone/>
-            </a:pPr>
-            <a:r>
-              <a:rPr lang="en-US" altLang="en-US" sz="2000" b="1">
-                <a:solidFill>
-                  <a:srgbClr val="7F0055"/>
-                </a:solidFill>
-                <a:latin typeface="Consolas" panose="020B0609020204030204" pitchFamily="49" charset="0"/>
-              </a:rPr>
-              <a:t>public</a:t>
-            </a:r>
-            <a:r>
-              <a:rPr lang="en-US" altLang="en-US" sz="2000" b="1">
-                <a:solidFill>
-                  <a:srgbClr val="000000"/>
-                </a:solidFill>
-                <a:latin typeface="Consolas" panose="020B0609020204030204" pitchFamily="49" charset="0"/>
-              </a:rPr>
-              <a:t> </a:t>
-            </a:r>
-            <a:r>
-              <a:rPr lang="en-US" altLang="en-US" sz="2000" b="1">
-                <a:solidFill>
-                  <a:srgbClr val="7F0055"/>
-                </a:solidFill>
-                <a:latin typeface="Consolas" panose="020B0609020204030204" pitchFamily="49" charset="0"/>
-              </a:rPr>
-              <a:t>class</a:t>
-            </a:r>
-            <a:r>
-              <a:rPr lang="en-US" altLang="en-US" sz="2000" b="1">
-                <a:solidFill>
-                  <a:srgbClr val="000000"/>
-                </a:solidFill>
-                <a:latin typeface="Consolas" panose="020B0609020204030204" pitchFamily="49" charset="0"/>
-              </a:rPr>
-              <a:t> LoggingFilter </a:t>
-            </a:r>
-            <a:r>
-              <a:rPr lang="en-US" altLang="en-US" sz="2000" b="1">
-                <a:solidFill>
-                  <a:srgbClr val="7F0055"/>
-                </a:solidFill>
-                <a:latin typeface="Consolas" panose="020B0609020204030204" pitchFamily="49" charset="0"/>
-              </a:rPr>
-              <a:t>implements</a:t>
-            </a:r>
-            <a:r>
-              <a:rPr lang="en-US" altLang="en-US" sz="2000" b="1">
-                <a:solidFill>
-                  <a:srgbClr val="000000"/>
-                </a:solidFill>
-                <a:latin typeface="Consolas" panose="020B0609020204030204" pitchFamily="49" charset="0"/>
-              </a:rPr>
-              <a:t> GatewayFilter {</a:t>
-            </a:r>
-          </a:p>
-          <a:p>
-            <a:pPr marL="400050" lvl="1" indent="0">
-              <a:buFontTx/>
-              <a:buNone/>
-            </a:pPr>
-            <a:endParaRPr lang="en-IN" altLang="en-US" sz="2000">
-              <a:latin typeface="Consolas" panose="020B0609020204030204" pitchFamily="49" charset="0"/>
-            </a:endParaRPr>
-          </a:p>
-          <a:p>
-            <a:pPr marL="400050" lvl="1" indent="0">
-              <a:buFontTx/>
-              <a:buNone/>
-            </a:pPr>
-            <a:r>
-              <a:rPr lang="en-IN" altLang="en-US" sz="2000">
-                <a:solidFill>
-                  <a:srgbClr val="646464"/>
-                </a:solidFill>
-                <a:latin typeface="Consolas" panose="020B0609020204030204" pitchFamily="49" charset="0"/>
-              </a:rPr>
-              <a:t>@Override</a:t>
-            </a:r>
-          </a:p>
-          <a:p>
-            <a:pPr marL="400050" lvl="1" indent="0">
-              <a:buFontTx/>
-              <a:buNone/>
-            </a:pPr>
-            <a:r>
-              <a:rPr lang="en-IN" altLang="en-US" sz="2000" b="1">
-                <a:solidFill>
-                  <a:srgbClr val="7F0055"/>
-                </a:solidFill>
-                <a:latin typeface="Consolas" panose="020B0609020204030204" pitchFamily="49" charset="0"/>
-              </a:rPr>
-              <a:t>public</a:t>
-            </a:r>
-            <a:r>
-              <a:rPr lang="en-IN" altLang="en-US" sz="2000" b="1">
-                <a:solidFill>
-                  <a:srgbClr val="000000"/>
-                </a:solidFill>
-                <a:latin typeface="Consolas" panose="020B0609020204030204" pitchFamily="49" charset="0"/>
-              </a:rPr>
-              <a:t> Mono&lt;Void&gt; filter(ServerWebExchange </a:t>
-            </a:r>
-            <a:r>
-              <a:rPr lang="en-IN" altLang="en-US" sz="2000" b="1">
-                <a:solidFill>
-                  <a:srgbClr val="6A3E3E"/>
-                </a:solidFill>
-                <a:latin typeface="Consolas" panose="020B0609020204030204" pitchFamily="49" charset="0"/>
-              </a:rPr>
-              <a:t>exchange</a:t>
-            </a:r>
-            <a:r>
-              <a:rPr lang="en-IN" altLang="en-US" sz="2000" b="1">
-                <a:solidFill>
-                  <a:srgbClr val="000000"/>
-                </a:solidFill>
-                <a:latin typeface="Consolas" panose="020B0609020204030204" pitchFamily="49" charset="0"/>
-              </a:rPr>
-              <a:t>, GatewayFilterChain </a:t>
-            </a:r>
-            <a:r>
-              <a:rPr lang="en-IN" altLang="en-US" sz="2000" b="1">
-                <a:solidFill>
-                  <a:srgbClr val="6A3E3E"/>
-                </a:solidFill>
-                <a:latin typeface="Consolas" panose="020B0609020204030204" pitchFamily="49" charset="0"/>
-              </a:rPr>
-              <a:t>chain</a:t>
-            </a:r>
-            <a:r>
-              <a:rPr lang="en-IN" altLang="en-US" sz="2000" b="1">
-                <a:solidFill>
-                  <a:srgbClr val="000000"/>
-                </a:solidFill>
-                <a:latin typeface="Consolas" panose="020B0609020204030204" pitchFamily="49" charset="0"/>
-              </a:rPr>
-              <a:t>) {</a:t>
-            </a:r>
-          </a:p>
-          <a:p>
-            <a:pPr marL="400050" lvl="1" indent="0">
-              <a:buFontTx/>
-              <a:buNone/>
-            </a:pPr>
-            <a:endParaRPr lang="en-IN" altLang="en-US" sz="2000">
-              <a:latin typeface="Consolas" panose="020B0609020204030204" pitchFamily="49" charset="0"/>
-            </a:endParaRPr>
-          </a:p>
-          <a:p>
-            <a:pPr marL="400050" lvl="1" indent="0">
-              <a:buFontTx/>
-              <a:buNone/>
-            </a:pPr>
-            <a:r>
-              <a:rPr lang="en-IN" altLang="en-US" sz="2000">
-                <a:solidFill>
-                  <a:srgbClr val="000000"/>
-                </a:solidFill>
-                <a:latin typeface="Consolas" panose="020B0609020204030204" pitchFamily="49" charset="0"/>
-              </a:rPr>
-              <a:t>ServerHttpRequest </a:t>
-            </a:r>
-            <a:r>
-              <a:rPr lang="en-IN" altLang="en-US" sz="2000">
-                <a:solidFill>
-                  <a:srgbClr val="6A3E3E"/>
-                </a:solidFill>
-                <a:latin typeface="Consolas" panose="020B0609020204030204" pitchFamily="49" charset="0"/>
-              </a:rPr>
-              <a:t>request</a:t>
-            </a:r>
-            <a:r>
-              <a:rPr lang="en-IN" altLang="en-US" sz="2000">
-                <a:solidFill>
-                  <a:srgbClr val="000000"/>
-                </a:solidFill>
-                <a:latin typeface="Consolas" panose="020B0609020204030204" pitchFamily="49" charset="0"/>
-              </a:rPr>
-              <a:t> = </a:t>
-            </a:r>
-            <a:r>
-              <a:rPr lang="en-IN" altLang="en-US" sz="2000">
-                <a:solidFill>
-                  <a:srgbClr val="6A3E3E"/>
-                </a:solidFill>
-                <a:latin typeface="Consolas" panose="020B0609020204030204" pitchFamily="49" charset="0"/>
-              </a:rPr>
-              <a:t>exchange</a:t>
-            </a:r>
-            <a:r>
-              <a:rPr lang="en-IN" altLang="en-US" sz="2000">
-                <a:solidFill>
-                  <a:srgbClr val="000000"/>
-                </a:solidFill>
-                <a:latin typeface="Consolas" panose="020B0609020204030204" pitchFamily="49" charset="0"/>
-              </a:rPr>
-              <a:t>.getRequest();</a:t>
-            </a:r>
-          </a:p>
-          <a:p>
-            <a:pPr marL="400050" lvl="1" indent="0">
-              <a:buFontTx/>
-              <a:buNone/>
-            </a:pPr>
-            <a:endParaRPr lang="en-IN" altLang="en-US" sz="2000">
-              <a:latin typeface="Consolas" panose="020B0609020204030204" pitchFamily="49" charset="0"/>
-            </a:endParaRPr>
-          </a:p>
-          <a:p>
-            <a:pPr marL="400050" lvl="1" indent="0">
-              <a:buFontTx/>
-              <a:buNone/>
-            </a:pPr>
-            <a:r>
-              <a:rPr lang="en-US" altLang="en-US" sz="2000" b="1" i="1" u="sng">
-                <a:solidFill>
-                  <a:srgbClr val="000000"/>
-                </a:solidFill>
-                <a:latin typeface="Consolas" panose="020B0609020204030204" pitchFamily="49" charset="0"/>
-              </a:rPr>
-              <a:t>Log.info(r</a:t>
-            </a:r>
-            <a:r>
-              <a:rPr lang="en-US" altLang="en-US" sz="2000" b="1" i="1" u="sng">
-                <a:solidFill>
-                  <a:srgbClr val="6A3E3E"/>
-                </a:solidFill>
-                <a:latin typeface="Consolas" panose="020B0609020204030204" pitchFamily="49" charset="0"/>
-              </a:rPr>
-              <a:t>equest</a:t>
-            </a:r>
-            <a:r>
-              <a:rPr lang="en-US" altLang="en-US" sz="2000" b="1" i="1" u="sng">
-                <a:solidFill>
-                  <a:srgbClr val="000000"/>
-                </a:solidFill>
-                <a:latin typeface="Consolas" panose="020B0609020204030204" pitchFamily="49" charset="0"/>
-              </a:rPr>
-              <a:t>.getPath().toString());</a:t>
-            </a:r>
-          </a:p>
-          <a:p>
-            <a:pPr marL="400050" lvl="1" indent="0">
-              <a:buFontTx/>
-              <a:buNone/>
-            </a:pPr>
-            <a:r>
-              <a:rPr lang="en-IN" altLang="en-US" sz="2000">
-                <a:solidFill>
-                  <a:srgbClr val="000000"/>
-                </a:solidFill>
-                <a:latin typeface="Consolas" panose="020B0609020204030204" pitchFamily="49" charset="0"/>
-              </a:rPr>
-              <a:t>        </a:t>
-            </a:r>
-          </a:p>
-          <a:p>
-            <a:pPr marL="400050" lvl="1" indent="0">
-              <a:buFontTx/>
-              <a:buNone/>
-            </a:pPr>
-            <a:r>
-              <a:rPr lang="en-IN" altLang="en-US" sz="2000" b="1">
-                <a:solidFill>
-                  <a:srgbClr val="000000"/>
-                </a:solidFill>
-                <a:latin typeface="Consolas" panose="020B0609020204030204" pitchFamily="49" charset="0"/>
-              </a:rPr>
-              <a:t>      </a:t>
-            </a:r>
-            <a:r>
-              <a:rPr lang="en-IN" altLang="en-US" sz="2000" b="1">
-                <a:solidFill>
-                  <a:srgbClr val="7F0055"/>
-                </a:solidFill>
-                <a:latin typeface="Consolas" panose="020B0609020204030204" pitchFamily="49" charset="0"/>
-              </a:rPr>
-              <a:t>return</a:t>
-            </a:r>
-            <a:r>
-              <a:rPr lang="en-IN" altLang="en-US" sz="2000" b="1">
-                <a:solidFill>
-                  <a:srgbClr val="000000"/>
-                </a:solidFill>
-                <a:latin typeface="Consolas" panose="020B0609020204030204" pitchFamily="49" charset="0"/>
-              </a:rPr>
-              <a:t> </a:t>
-            </a:r>
-            <a:r>
-              <a:rPr lang="en-IN" altLang="en-US" sz="2000" b="1">
-                <a:solidFill>
-                  <a:srgbClr val="6A3E3E"/>
-                </a:solidFill>
-                <a:latin typeface="Consolas" panose="020B0609020204030204" pitchFamily="49" charset="0"/>
-              </a:rPr>
-              <a:t>chain</a:t>
-            </a:r>
-            <a:r>
-              <a:rPr lang="en-IN" altLang="en-US" sz="2000" b="1">
-                <a:solidFill>
-                  <a:srgbClr val="000000"/>
-                </a:solidFill>
-                <a:latin typeface="Consolas" panose="020B0609020204030204" pitchFamily="49" charset="0"/>
-              </a:rPr>
-              <a:t>.filter(</a:t>
-            </a:r>
-            <a:r>
-              <a:rPr lang="en-IN" altLang="en-US" sz="2000" b="1">
-                <a:solidFill>
-                  <a:srgbClr val="6A3E3E"/>
-                </a:solidFill>
-                <a:latin typeface="Consolas" panose="020B0609020204030204" pitchFamily="49" charset="0"/>
-              </a:rPr>
-              <a:t>exchange</a:t>
-            </a:r>
-            <a:r>
-              <a:rPr lang="en-IN" altLang="en-US" sz="2000" b="1">
-                <a:solidFill>
-                  <a:srgbClr val="000000"/>
-                </a:solidFill>
-                <a:latin typeface="Consolas" panose="020B0609020204030204" pitchFamily="49" charset="0"/>
-              </a:rPr>
-              <a:t>);}</a:t>
-            </a:r>
-          </a:p>
-          <a:p>
-            <a:pPr marL="400050" lvl="1" indent="0">
-              <a:buFontTx/>
-              <a:buNone/>
-            </a:pPr>
-            <a:r>
-              <a:rPr lang="en-IN" altLang="en-US" sz="2000">
-                <a:solidFill>
-                  <a:srgbClr val="000000"/>
-                </a:solidFill>
-                <a:latin typeface="Consolas" panose="020B0609020204030204" pitchFamily="49" charset="0"/>
-              </a:rPr>
-              <a:t>}</a:t>
-            </a:r>
-          </a:p>
-          <a:p>
-            <a:pPr marL="400050" lvl="1" indent="0">
-              <a:buFontTx/>
-              <a:buNone/>
-            </a:pPr>
-            <a:endParaRPr lang="en-IN" altLang="en-US" sz="2000"/>
           </a:p>
         </p:txBody>
       </p:sp>
